--- a/DeadOrAlive.pptx
+++ b/DeadOrAlive.pptx
@@ -1,19 +1,30 @@
 
 <file path=ppt/presentation.xml><?xml version="1.0" encoding="utf-8"?>
-<p:presentation xmlns:a="http://schemas.openxmlformats.org/drawingml/2006/main" xmlns:r="http://schemas.openxmlformats.org/officeDocument/2006/relationships" xmlns:p="http://schemas.openxmlformats.org/presentationml/2006/main" saveSubsetFonts="1">
+<p:presentation xmlns:r="http://schemas.openxmlformats.org/officeDocument/2006/relationships" xmlns:c="http://schemas.openxmlformats.org/drawingml/2006/chart" xmlns:a="http://schemas.openxmlformats.org/drawingml/2006/main" xmlns:dgm="http://schemas.openxmlformats.org/drawingml/2006/diagram" xmlns:dsp="http://schemas.microsoft.com/office/drawing/2008/diagram" xmlns:p="http://schemas.openxmlformats.org/presentationml/2006/main" saveSubsetFonts="1">
   <p:sldMasterIdLst>
-    <p:sldMasterId id="2147483648" r:id="rId1"/>
+    <p:sldMasterId id="2147483661" r:id="rId1"/>
   </p:sldMasterIdLst>
   <p:sldIdLst>
-    <p:sldId id="265" r:id="rId2"/>
+    <p:sldId id="256" r:id="rId2"/>
     <p:sldId id="257" r:id="rId3"/>
-    <p:sldId id="264" r:id="rId4"/>
-    <p:sldId id="258" r:id="rId5"/>
-    <p:sldId id="259" r:id="rId6"/>
-    <p:sldId id="260" r:id="rId7"/>
+    <p:sldId id="258" r:id="rId4"/>
+    <p:sldId id="259" r:id="rId5"/>
+    <p:sldId id="260" r:id="rId6"/>
+    <p:sldId id="261" r:id="rId7"/>
     <p:sldId id="262" r:id="rId8"/>
     <p:sldId id="263" r:id="rId9"/>
-    <p:sldId id="266" r:id="rId10"/>
+    <p:sldId id="264" r:id="rId10"/>
+    <p:sldId id="265" r:id="rId11"/>
+    <p:sldId id="266" r:id="rId12"/>
+    <p:sldId id="267" r:id="rId13"/>
+    <p:sldId id="268" r:id="rId14"/>
+    <p:sldId id="269" r:id="rId15"/>
+    <p:sldId id="270" r:id="rId16"/>
+    <p:sldId id="271" r:id="rId17"/>
+    <p:sldId id="272" r:id="rId18"/>
+    <p:sldId id="273" r:id="rId19"/>
+    <p:sldId id="274" r:id="rId20"/>
+    <p:sldId id="275" r:id="rId21"/>
   </p:sldIdLst>
   <p:sldSz cx="12192000" cy="6858000"/>
   <p:notesSz cx="6858000" cy="9144000"/>
@@ -112,11 +123,6 @@
       </a:defRPr>
     </a:lvl9pPr>
   </p:defaultTextStyle>
-  <p:extLst>
-    <p:ext uri="{EFAFB233-063F-42B5-8137-9DF3F51BA10A}">
-      <p15:sldGuideLst xmlns:p15="http://schemas.microsoft.com/office/powerpoint/2012/main"/>
-    </p:ext>
-  </p:extLst>
 </p:presentation>
 </file>
 
@@ -267,7 +273,7 @@
           <a:p>
             <a:fld id="{79728143-232E-409E-A6A3-40C6B16360BF}" type="datetimeFigureOut">
               <a:rPr lang="ko-KR" altLang="en-US" smtClean="0"/>
-              <a:t>2021-04-14</a:t>
+              <a:t>2021-04-16</a:t>
             </a:fld>
             <a:endParaRPr lang="ko-KR" altLang="en-US"/>
           </a:p>
@@ -465,7 +471,7 @@
           <a:p>
             <a:fld id="{79728143-232E-409E-A6A3-40C6B16360BF}" type="datetimeFigureOut">
               <a:rPr lang="ko-KR" altLang="en-US" smtClean="0"/>
-              <a:t>2021-04-14</a:t>
+              <a:t>2021-04-16</a:t>
             </a:fld>
             <a:endParaRPr lang="ko-KR" altLang="en-US"/>
           </a:p>
@@ -673,7 +679,7 @@
           <a:p>
             <a:fld id="{79728143-232E-409E-A6A3-40C6B16360BF}" type="datetimeFigureOut">
               <a:rPr lang="ko-KR" altLang="en-US" smtClean="0"/>
-              <a:t>2021-04-14</a:t>
+              <a:t>2021-04-16</a:t>
             </a:fld>
             <a:endParaRPr lang="ko-KR" altLang="en-US"/>
           </a:p>
@@ -871,7 +877,7 @@
           <a:p>
             <a:fld id="{79728143-232E-409E-A6A3-40C6B16360BF}" type="datetimeFigureOut">
               <a:rPr lang="ko-KR" altLang="en-US" smtClean="0"/>
-              <a:t>2021-04-14</a:t>
+              <a:t>2021-04-16</a:t>
             </a:fld>
             <a:endParaRPr lang="ko-KR" altLang="en-US"/>
           </a:p>
@@ -1146,7 +1152,7 @@
           <a:p>
             <a:fld id="{79728143-232E-409E-A6A3-40C6B16360BF}" type="datetimeFigureOut">
               <a:rPr lang="ko-KR" altLang="en-US" smtClean="0"/>
-              <a:t>2021-04-14</a:t>
+              <a:t>2021-04-16</a:t>
             </a:fld>
             <a:endParaRPr lang="ko-KR" altLang="en-US"/>
           </a:p>
@@ -1411,7 +1417,7 @@
           <a:p>
             <a:fld id="{79728143-232E-409E-A6A3-40C6B16360BF}" type="datetimeFigureOut">
               <a:rPr lang="ko-KR" altLang="en-US" smtClean="0"/>
-              <a:t>2021-04-14</a:t>
+              <a:t>2021-04-16</a:t>
             </a:fld>
             <a:endParaRPr lang="ko-KR" altLang="en-US"/>
           </a:p>
@@ -1823,7 +1829,7 @@
           <a:p>
             <a:fld id="{79728143-232E-409E-A6A3-40C6B16360BF}" type="datetimeFigureOut">
               <a:rPr lang="ko-KR" altLang="en-US" smtClean="0"/>
-              <a:t>2021-04-14</a:t>
+              <a:t>2021-04-16</a:t>
             </a:fld>
             <a:endParaRPr lang="ko-KR" altLang="en-US"/>
           </a:p>
@@ -1964,7 +1970,7 @@
           <a:p>
             <a:fld id="{79728143-232E-409E-A6A3-40C6B16360BF}" type="datetimeFigureOut">
               <a:rPr lang="ko-KR" altLang="en-US" smtClean="0"/>
-              <a:t>2021-04-14</a:t>
+              <a:t>2021-04-16</a:t>
             </a:fld>
             <a:endParaRPr lang="ko-KR" altLang="en-US"/>
           </a:p>
@@ -2077,7 +2083,7 @@
           <a:p>
             <a:fld id="{79728143-232E-409E-A6A3-40C6B16360BF}" type="datetimeFigureOut">
               <a:rPr lang="ko-KR" altLang="en-US" smtClean="0"/>
-              <a:t>2021-04-14</a:t>
+              <a:t>2021-04-16</a:t>
             </a:fld>
             <a:endParaRPr lang="ko-KR" altLang="en-US"/>
           </a:p>
@@ -2388,7 +2394,7 @@
           <a:p>
             <a:fld id="{79728143-232E-409E-A6A3-40C6B16360BF}" type="datetimeFigureOut">
               <a:rPr lang="ko-KR" altLang="en-US" smtClean="0"/>
-              <a:t>2021-04-14</a:t>
+              <a:t>2021-04-16</a:t>
             </a:fld>
             <a:endParaRPr lang="ko-KR" altLang="en-US"/>
           </a:p>
@@ -2676,7 +2682,7 @@
           <a:p>
             <a:fld id="{79728143-232E-409E-A6A3-40C6B16360BF}" type="datetimeFigureOut">
               <a:rPr lang="ko-KR" altLang="en-US" smtClean="0"/>
-              <a:t>2021-04-14</a:t>
+              <a:t>2021-04-16</a:t>
             </a:fld>
             <a:endParaRPr lang="ko-KR" altLang="en-US"/>
           </a:p>
@@ -2917,7 +2923,7 @@
           <a:p>
             <a:fld id="{79728143-232E-409E-A6A3-40C6B16360BF}" type="datetimeFigureOut">
               <a:rPr lang="ko-KR" altLang="en-US" smtClean="0"/>
-              <a:t>2021-04-14</a:t>
+              <a:t>2021-04-16</a:t>
             </a:fld>
             <a:endParaRPr lang="ko-KR" altLang="en-US"/>
           </a:p>
@@ -4041,6 +4047,2897 @@
 </p:sld>
 </file>
 
+<file path=ppt/slides/slide10.xml><?xml version="1.0" encoding="utf-8"?>
+<p:sld xmlns:r="http://schemas.openxmlformats.org/officeDocument/2006/relationships" xmlns:c="http://schemas.openxmlformats.org/drawingml/2006/chart" xmlns:a="http://schemas.openxmlformats.org/drawingml/2006/main" xmlns:dgm="http://schemas.openxmlformats.org/drawingml/2006/diagram" xmlns:dsp="http://schemas.microsoft.com/office/drawing/2008/diagram" xmlns:p="http://schemas.openxmlformats.org/presentationml/2006/main">
+  <p:cSld>
+    <p:spTree>
+      <p:nvGrpSpPr>
+        <p:cNvPr id="1" name=""/>
+        <p:cNvGrpSpPr/>
+        <p:nvPr/>
+      </p:nvGrpSpPr>
+      <p:grpSpPr>
+        <a:xfrm>
+          <a:off x="0" y="0"/>
+          <a:ext cx="0" cy="0"/>
+          <a:chOff x="0" y="0"/>
+          <a:chExt cx="0" cy="0"/>
+        </a:xfrm>
+      </p:grpSpPr>
+      <p:sp>
+        <p:nvSpPr>
+          <p:cNvPr id="2" name="제목 1"/>
+          <p:cNvSpPr>
+            <a:spLocks noGrp="1"/>
+          </p:cNvSpPr>
+          <p:nvPr>
+            <p:ph type="title" idx="0"/>
+          </p:nvPr>
+        </p:nvSpPr>
+        <p:spPr/>
+        <p:txBody>
+          <a:bodyPr/>
+          <a:lstStyle/>
+          <a:p>
+            <a:pPr lvl="0">
+              <a:defRPr/>
+            </a:pPr>
+            <a:r>
+              <a:rPr lang="en-US" altLang="ko-KR"/>
+              <a:t>Step2. Code Review</a:t>
+            </a:r>
+            <a:endParaRPr lang="ko-KR" altLang="en-US"/>
+          </a:p>
+        </p:txBody>
+      </p:sp>
+      <p:pic>
+        <p:nvPicPr>
+          <p:cNvPr id="5" name=""/>
+          <p:cNvPicPr>
+            <a:picLocks noChangeAspect="1"/>
+          </p:cNvPicPr>
+          <p:nvPr/>
+        </p:nvPicPr>
+        <p:blipFill rotWithShape="1">
+          <a:blip r:embed="rId2"/>
+          <a:stretch>
+            <a:fillRect/>
+          </a:stretch>
+        </p:blipFill>
+        <p:spPr>
+          <a:xfrm>
+            <a:off x="928945" y="1529703"/>
+            <a:ext cx="6944694" cy="4503690"/>
+          </a:xfrm>
+          <a:prstGeom prst="rect">
+            <a:avLst/>
+          </a:prstGeom>
+        </p:spPr>
+      </p:pic>
+    </p:spTree>
+  </p:cSld>
+  <p:clrMapOvr>
+    <a:masterClrMapping/>
+  </p:clrMapOvr>
+  <mc:AlternateContent xmlns:mc="http://schemas.openxmlformats.org/markup-compatibility/2006">
+    <mc:Choice xmlns:p14="http://schemas.microsoft.com/office/powerpoint/2010/main" Requires="p14">
+      <p:transition xmlns:mc="http://schemas.openxmlformats.org/markup-compatibility/2006" xmlns:p14="http://schemas.microsoft.com/office/powerpoint/2010/main" mc:Ignorable="p14" p14:dur="500"/>
+    </mc:Choice>
+    <mc:Fallback>
+      <p:transition/>
+    </mc:Fallback>
+  </mc:AlternateContent>
+</p:sld>
+</file>
+
+<file path=ppt/slides/slide11.xml><?xml version="1.0" encoding="utf-8"?>
+<p:sld xmlns:a="http://schemas.openxmlformats.org/drawingml/2006/main" xmlns:r="http://schemas.openxmlformats.org/officeDocument/2006/relationships" xmlns:p="http://schemas.openxmlformats.org/presentationml/2006/main">
+  <p:cSld>
+    <p:spTree>
+      <p:nvGrpSpPr>
+        <p:cNvPr id="1" name=""/>
+        <p:cNvGrpSpPr/>
+        <p:nvPr/>
+      </p:nvGrpSpPr>
+      <p:grpSpPr>
+        <a:xfrm>
+          <a:off x="0" y="0"/>
+          <a:ext cx="0" cy="0"/>
+          <a:chOff x="0" y="0"/>
+          <a:chExt cx="0" cy="0"/>
+        </a:xfrm>
+      </p:grpSpPr>
+      <p:sp>
+        <p:nvSpPr>
+          <p:cNvPr id="4" name="직사각형 3">
+            <a:extLst>
+              <a:ext uri="{FF2B5EF4-FFF2-40B4-BE49-F238E27FC236}">
+                <a16:creationId xmlns:a16="http://schemas.microsoft.com/office/drawing/2014/main" id="{CE7C2801-79F6-4D6B-B68F-59D3ACB9842E}"/>
+              </a:ext>
+            </a:extLst>
+          </p:cNvPr>
+          <p:cNvSpPr/>
+          <p:nvPr/>
+        </p:nvSpPr>
+        <p:spPr>
+          <a:xfrm>
+            <a:off x="1412501" y="1479612"/>
+            <a:ext cx="7686675" cy="5019675"/>
+          </a:xfrm>
+          <a:prstGeom prst="rect">
+            <a:avLst/>
+          </a:prstGeom>
+          <a:solidFill>
+            <a:schemeClr val="bg1"/>
+          </a:solidFill>
+          <a:ln w="38100"/>
+        </p:spPr>
+        <p:style>
+          <a:lnRef idx="2">
+            <a:schemeClr val="accent1">
+              <a:shade val="50000"/>
+            </a:schemeClr>
+          </a:lnRef>
+          <a:fillRef idx="1">
+            <a:schemeClr val="accent1"/>
+          </a:fillRef>
+          <a:effectRef idx="0">
+            <a:schemeClr val="accent1"/>
+          </a:effectRef>
+          <a:fontRef idx="minor">
+            <a:schemeClr val="lt1"/>
+          </a:fontRef>
+        </p:style>
+        <p:txBody>
+          <a:bodyPr rtlCol="0" anchor="ctr"/>
+          <a:lstStyle/>
+          <a:p>
+            <a:pPr algn="ctr"/>
+            <a:endParaRPr lang="ko-KR" altLang="en-US" dirty="0"/>
+          </a:p>
+        </p:txBody>
+      </p:sp>
+      <p:sp>
+        <p:nvSpPr>
+          <p:cNvPr id="10" name="TextBox 9">
+            <a:extLst>
+              <a:ext uri="{FF2B5EF4-FFF2-40B4-BE49-F238E27FC236}">
+                <a16:creationId xmlns:a16="http://schemas.microsoft.com/office/drawing/2014/main" id="{5324D91B-928F-4313-8383-F9D22C244291}"/>
+              </a:ext>
+            </a:extLst>
+          </p:cNvPr>
+          <p:cNvSpPr txBox="1"/>
+          <p:nvPr/>
+        </p:nvSpPr>
+        <p:spPr>
+          <a:xfrm>
+            <a:off x="2337546" y="2416035"/>
+            <a:ext cx="2985247" cy="923330"/>
+          </a:xfrm>
+          <a:prstGeom prst="rect">
+            <a:avLst/>
+          </a:prstGeom>
+          <a:noFill/>
+        </p:spPr>
+        <p:txBody>
+          <a:bodyPr wrap="square" rtlCol="0">
+            <a:spAutoFit/>
+          </a:bodyPr>
+          <a:lstStyle/>
+          <a:p>
+            <a:r>
+              <a:rPr lang="en-US" altLang="ko-KR" dirty="0"/>
+              <a:t>Apple</a:t>
+            </a:r>
+            <a:br>
+              <a:rPr lang="en-US" altLang="ko-KR" dirty="0"/>
+            </a:br>
+            <a:r>
+              <a:rPr lang="en-US" altLang="ko-KR" dirty="0"/>
+              <a:t>(Random)</a:t>
+            </a:r>
+            <a:r>
+              <a:rPr lang="en-US" altLang="ko-KR" dirty="0" err="1"/>
+              <a:t>xPos</a:t>
+            </a:r>
+            <a:r>
+              <a:rPr lang="en-US" altLang="ko-KR" dirty="0"/>
+              <a:t> ,(Fixed) </a:t>
+            </a:r>
+            <a:r>
+              <a:rPr lang="en-US" altLang="ko-KR" dirty="0" err="1"/>
+              <a:t>yPos</a:t>
+            </a:r>
+            <a:r>
+              <a:rPr lang="en-US" altLang="ko-KR" dirty="0"/>
+              <a:t> , Speed</a:t>
+            </a:r>
+            <a:endParaRPr lang="ko-KR" altLang="en-US" dirty="0"/>
+          </a:p>
+        </p:txBody>
+      </p:sp>
+      <p:cxnSp>
+        <p:nvCxnSpPr>
+          <p:cNvPr id="14" name="직선 연결선 13">
+            <a:extLst>
+              <a:ext uri="{FF2B5EF4-FFF2-40B4-BE49-F238E27FC236}">
+                <a16:creationId xmlns:a16="http://schemas.microsoft.com/office/drawing/2014/main" id="{EF0F6A29-9AC2-450A-A587-EBBE81C3305C}"/>
+              </a:ext>
+            </a:extLst>
+          </p:cNvPr>
+          <p:cNvCxnSpPr/>
+          <p:nvPr/>
+        </p:nvCxnSpPr>
+        <p:spPr>
+          <a:xfrm>
+            <a:off x="1416424" y="2241176"/>
+            <a:ext cx="7682752" cy="0"/>
+          </a:xfrm>
+          <a:prstGeom prst="line">
+            <a:avLst/>
+          </a:prstGeom>
+        </p:spPr>
+        <p:style>
+          <a:lnRef idx="1">
+            <a:schemeClr val="dk1"/>
+          </a:lnRef>
+          <a:fillRef idx="0">
+            <a:schemeClr val="dk1"/>
+          </a:fillRef>
+          <a:effectRef idx="0">
+            <a:schemeClr val="dk1"/>
+          </a:effectRef>
+          <a:fontRef idx="minor">
+            <a:schemeClr val="tx1"/>
+          </a:fontRef>
+        </p:style>
+      </p:cxnSp>
+      <p:pic>
+        <p:nvPicPr>
+          <p:cNvPr id="22" name="그림 21" descr="클립아트이(가) 표시된 사진&#10;&#10;자동 생성된 설명">
+            <a:extLst>
+              <a:ext uri="{FF2B5EF4-FFF2-40B4-BE49-F238E27FC236}">
+                <a16:creationId xmlns:a16="http://schemas.microsoft.com/office/drawing/2014/main" id="{26F1A410-0839-412B-84D3-EF8CD8C9702C}"/>
+              </a:ext>
+            </a:extLst>
+          </p:cNvPr>
+          <p:cNvPicPr>
+            <a:picLocks noChangeAspect="1"/>
+          </p:cNvPicPr>
+          <p:nvPr/>
+        </p:nvPicPr>
+        <p:blipFill rotWithShape="1">
+          <a:blip r:embed="rId2">
+            <a:extLst>
+              <a:ext uri="{28A0092B-C50C-407E-A947-70E740481C1C}">
+                <a14:useLocalDpi xmlns:a14="http://schemas.microsoft.com/office/drawing/2010/main" val="0"/>
+              </a:ext>
+            </a:extLst>
+          </a:blip>
+          <a:srcRect l="35360" t="23133" r="33113" b="15744"/>
+          <a:stretch/>
+        </p:blipFill>
+        <p:spPr>
+          <a:xfrm>
+            <a:off x="1515035" y="2298622"/>
+            <a:ext cx="798979" cy="822506"/>
+          </a:xfrm>
+          <a:prstGeom prst="rect">
+            <a:avLst/>
+          </a:prstGeom>
+        </p:spPr>
+      </p:pic>
+      <p:pic>
+        <p:nvPicPr>
+          <p:cNvPr id="24" name="그림 23">
+            <a:extLst>
+              <a:ext uri="{FF2B5EF4-FFF2-40B4-BE49-F238E27FC236}">
+                <a16:creationId xmlns:a16="http://schemas.microsoft.com/office/drawing/2014/main" id="{47B887C6-2F5E-438D-8426-E8238CB1E5EC}"/>
+              </a:ext>
+            </a:extLst>
+          </p:cNvPr>
+          <p:cNvPicPr>
+            <a:picLocks noChangeAspect="1"/>
+          </p:cNvPicPr>
+          <p:nvPr/>
+        </p:nvPicPr>
+        <p:blipFill>
+          <a:blip r:embed="rId3">
+            <a:extLst>
+              <a:ext uri="{28A0092B-C50C-407E-A947-70E740481C1C}">
+                <a14:useLocalDpi xmlns:a14="http://schemas.microsoft.com/office/drawing/2010/main" val="0"/>
+              </a:ext>
+            </a:extLst>
+          </a:blip>
+          <a:stretch>
+            <a:fillRect/>
+          </a:stretch>
+        </p:blipFill>
+        <p:spPr>
+          <a:xfrm>
+            <a:off x="5807308" y="2497099"/>
+            <a:ext cx="577384" cy="577384"/>
+          </a:xfrm>
+          <a:prstGeom prst="rect">
+            <a:avLst/>
+          </a:prstGeom>
+        </p:spPr>
+      </p:pic>
+      <p:sp>
+        <p:nvSpPr>
+          <p:cNvPr id="15" name="TextBox 14">
+            <a:extLst>
+              <a:ext uri="{FF2B5EF4-FFF2-40B4-BE49-F238E27FC236}">
+                <a16:creationId xmlns:a16="http://schemas.microsoft.com/office/drawing/2014/main" id="{A424CCE9-8778-42E5-A7A9-0685E549DDD8}"/>
+              </a:ext>
+            </a:extLst>
+          </p:cNvPr>
+          <p:cNvSpPr txBox="1"/>
+          <p:nvPr/>
+        </p:nvSpPr>
+        <p:spPr>
+          <a:xfrm>
+            <a:off x="1416424" y="396813"/>
+            <a:ext cx="6238875" cy="584775"/>
+          </a:xfrm>
+          <a:prstGeom prst="rect">
+            <a:avLst/>
+          </a:prstGeom>
+          <a:noFill/>
+        </p:spPr>
+        <p:txBody>
+          <a:bodyPr wrap="square" rtlCol="0">
+            <a:spAutoFit/>
+          </a:bodyPr>
+          <a:lstStyle/>
+          <a:p>
+            <a:r>
+              <a:rPr lang="en-US" altLang="ko-KR" sz="3200" dirty="0"/>
+              <a:t>Step3. Apple &amp; Bomb</a:t>
+            </a:r>
+            <a:endParaRPr lang="ko-KR" altLang="en-US" sz="3200" dirty="0"/>
+          </a:p>
+        </p:txBody>
+      </p:sp>
+      <p:sp>
+        <p:nvSpPr>
+          <p:cNvPr id="16" name="TextBox 15">
+            <a:extLst>
+              <a:ext uri="{FF2B5EF4-FFF2-40B4-BE49-F238E27FC236}">
+                <a16:creationId xmlns:a16="http://schemas.microsoft.com/office/drawing/2014/main" id="{777CBE58-4E87-41D5-A1C9-C9D937339D1D}"/>
+              </a:ext>
+            </a:extLst>
+          </p:cNvPr>
+          <p:cNvSpPr txBox="1"/>
+          <p:nvPr/>
+        </p:nvSpPr>
+        <p:spPr>
+          <a:xfrm>
+            <a:off x="6384692" y="2410437"/>
+            <a:ext cx="2985247" cy="923330"/>
+          </a:xfrm>
+          <a:prstGeom prst="rect">
+            <a:avLst/>
+          </a:prstGeom>
+          <a:noFill/>
+        </p:spPr>
+        <p:txBody>
+          <a:bodyPr wrap="square" rtlCol="0">
+            <a:spAutoFit/>
+          </a:bodyPr>
+          <a:lstStyle/>
+          <a:p>
+            <a:r>
+              <a:rPr lang="en-US" altLang="ko-KR" dirty="0"/>
+              <a:t>Bomb</a:t>
+            </a:r>
+            <a:br>
+              <a:rPr lang="en-US" altLang="ko-KR" dirty="0"/>
+            </a:br>
+            <a:r>
+              <a:rPr lang="en-US" altLang="ko-KR" dirty="0"/>
+              <a:t>(Random)</a:t>
+            </a:r>
+            <a:r>
+              <a:rPr lang="en-US" altLang="ko-KR" dirty="0" err="1"/>
+              <a:t>xPos</a:t>
+            </a:r>
+            <a:r>
+              <a:rPr lang="en-US" altLang="ko-KR" dirty="0"/>
+              <a:t> ,(Fixed) </a:t>
+            </a:r>
+            <a:r>
+              <a:rPr lang="en-US" altLang="ko-KR" dirty="0" err="1"/>
+              <a:t>yPos</a:t>
+            </a:r>
+            <a:r>
+              <a:rPr lang="en-US" altLang="ko-KR" dirty="0"/>
+              <a:t> , Speed</a:t>
+            </a:r>
+            <a:endParaRPr lang="ko-KR" altLang="en-US" dirty="0"/>
+          </a:p>
+        </p:txBody>
+      </p:sp>
+      <p:sp>
+        <p:nvSpPr>
+          <p:cNvPr id="21" name="TextBox 20">
+            <a:extLst>
+              <a:ext uri="{FF2B5EF4-FFF2-40B4-BE49-F238E27FC236}">
+                <a16:creationId xmlns:a16="http://schemas.microsoft.com/office/drawing/2014/main" id="{A5DDEFD7-3E5F-4879-940E-A906959FA86C}"/>
+              </a:ext>
+            </a:extLst>
+          </p:cNvPr>
+          <p:cNvSpPr txBox="1"/>
+          <p:nvPr/>
+        </p:nvSpPr>
+        <p:spPr>
+          <a:xfrm>
+            <a:off x="5603487" y="5143015"/>
+            <a:ext cx="3451412" cy="923330"/>
+          </a:xfrm>
+          <a:prstGeom prst="rect">
+            <a:avLst/>
+          </a:prstGeom>
+          <a:noFill/>
+        </p:spPr>
+        <p:txBody>
+          <a:bodyPr wrap="square" rtlCol="0">
+            <a:spAutoFit/>
+          </a:bodyPr>
+          <a:lstStyle/>
+          <a:p>
+            <a:r>
+              <a:rPr lang="en-US" altLang="ko-KR" dirty="0"/>
+              <a:t>Player</a:t>
+            </a:r>
+            <a:br>
+              <a:rPr lang="en-US" altLang="ko-KR" dirty="0"/>
+            </a:br>
+            <a:r>
+              <a:rPr lang="en-US" altLang="ko-KR" dirty="0"/>
+              <a:t>(moving) </a:t>
+            </a:r>
+            <a:r>
+              <a:rPr lang="en-US" altLang="ko-KR" dirty="0" err="1"/>
+              <a:t>xPos</a:t>
+            </a:r>
+            <a:r>
+              <a:rPr lang="en-US" altLang="ko-KR" dirty="0"/>
+              <a:t> , Fixed </a:t>
+            </a:r>
+            <a:r>
+              <a:rPr lang="en-US" altLang="ko-KR" dirty="0" err="1"/>
+              <a:t>yPos</a:t>
+            </a:r>
+            <a:r>
+              <a:rPr lang="en-US" altLang="ko-KR" dirty="0"/>
+              <a:t> , Speed</a:t>
+            </a:r>
+            <a:endParaRPr lang="ko-KR" altLang="en-US" dirty="0"/>
+          </a:p>
+        </p:txBody>
+      </p:sp>
+      <p:sp>
+        <p:nvSpPr>
+          <p:cNvPr id="23" name="TextBox 22">
+            <a:extLst>
+              <a:ext uri="{FF2B5EF4-FFF2-40B4-BE49-F238E27FC236}">
+                <a16:creationId xmlns:a16="http://schemas.microsoft.com/office/drawing/2014/main" id="{7373AD74-2461-406A-8FE5-B5E8801FC9BE}"/>
+              </a:ext>
+            </a:extLst>
+          </p:cNvPr>
+          <p:cNvSpPr txBox="1"/>
+          <p:nvPr/>
+        </p:nvSpPr>
+        <p:spPr>
+          <a:xfrm>
+            <a:off x="9369939" y="4454862"/>
+            <a:ext cx="2716866" cy="923330"/>
+          </a:xfrm>
+          <a:prstGeom prst="rect">
+            <a:avLst/>
+          </a:prstGeom>
+          <a:noFill/>
+        </p:spPr>
+        <p:txBody>
+          <a:bodyPr wrap="square" rtlCol="0">
+            <a:spAutoFit/>
+          </a:bodyPr>
+          <a:lstStyle/>
+          <a:p>
+            <a:r>
+              <a:rPr lang="en-US" altLang="ko-KR" dirty="0"/>
+              <a:t>Make Board Structure</a:t>
+            </a:r>
+            <a:br>
+              <a:rPr lang="en-US" altLang="ko-KR" dirty="0"/>
+            </a:br>
+            <a:r>
+              <a:rPr lang="en-US" altLang="ko-KR" dirty="0"/>
+              <a:t>Player</a:t>
+            </a:r>
+            <a:r>
+              <a:rPr lang="ko-KR" altLang="en-US" dirty="0"/>
+              <a:t>의 </a:t>
+            </a:r>
+            <a:r>
+              <a:rPr lang="en-US" altLang="ko-KR" dirty="0"/>
+              <a:t>Board </a:t>
+            </a:r>
+            <a:r>
+              <a:rPr lang="ko-KR" altLang="en-US" dirty="0"/>
+              <a:t>내의 </a:t>
+            </a:r>
+            <a:endParaRPr lang="en-US" altLang="ko-KR" dirty="0"/>
+          </a:p>
+          <a:p>
+            <a:r>
+              <a:rPr lang="ko-KR" altLang="en-US" dirty="0"/>
+              <a:t>이동 범위 설정</a:t>
+            </a:r>
+            <a:endParaRPr lang="en-US" altLang="ko-KR" dirty="0"/>
+          </a:p>
+        </p:txBody>
+      </p:sp>
+      <p:pic>
+        <p:nvPicPr>
+          <p:cNvPr id="12" name="그림 11">
+            <a:extLst>
+              <a:ext uri="{FF2B5EF4-FFF2-40B4-BE49-F238E27FC236}">
+                <a16:creationId xmlns:a16="http://schemas.microsoft.com/office/drawing/2014/main" id="{0BD8DC56-738D-474E-9F0C-31901409661E}"/>
+              </a:ext>
+            </a:extLst>
+          </p:cNvPr>
+          <p:cNvPicPr>
+            <a:picLocks noChangeAspect="1"/>
+          </p:cNvPicPr>
+          <p:nvPr/>
+        </p:nvPicPr>
+        <p:blipFill>
+          <a:blip r:embed="rId4">
+            <a:extLst>
+              <a:ext uri="{28A0092B-C50C-407E-A947-70E740481C1C}">
+                <a14:useLocalDpi xmlns:a14="http://schemas.microsoft.com/office/drawing/2010/main" val="0"/>
+              </a:ext>
+            </a:extLst>
+          </a:blip>
+          <a:stretch>
+            <a:fillRect/>
+          </a:stretch>
+        </p:blipFill>
+        <p:spPr>
+          <a:xfrm>
+            <a:off x="4706455" y="5254505"/>
+            <a:ext cx="816349" cy="849003"/>
+          </a:xfrm>
+          <a:prstGeom prst="rect">
+            <a:avLst/>
+          </a:prstGeom>
+        </p:spPr>
+      </p:pic>
+      <p:sp>
+        <p:nvSpPr>
+          <p:cNvPr id="2" name="TextBox 1">
+            <a:extLst>
+              <a:ext uri="{FF2B5EF4-FFF2-40B4-BE49-F238E27FC236}">
+                <a16:creationId xmlns:a16="http://schemas.microsoft.com/office/drawing/2014/main" id="{10FCD571-D0CB-43AD-AD0A-4AEC909F1081}"/>
+              </a:ext>
+            </a:extLst>
+          </p:cNvPr>
+          <p:cNvSpPr txBox="1"/>
+          <p:nvPr/>
+        </p:nvSpPr>
+        <p:spPr>
+          <a:xfrm>
+            <a:off x="9476604" y="2625836"/>
+            <a:ext cx="2715395" cy="1200329"/>
+          </a:xfrm>
+          <a:prstGeom prst="rect">
+            <a:avLst/>
+          </a:prstGeom>
+          <a:noFill/>
+        </p:spPr>
+        <p:txBody>
+          <a:bodyPr wrap="square" rtlCol="0">
+            <a:spAutoFit/>
+          </a:bodyPr>
+          <a:lstStyle/>
+          <a:p>
+            <a:r>
+              <a:rPr lang="en-US" altLang="ko-KR" dirty="0" err="1"/>
+              <a:t>Javax.swing.Timer</a:t>
+            </a:r>
+            <a:endParaRPr lang="en-US" altLang="ko-KR" dirty="0"/>
+          </a:p>
+          <a:p>
+            <a:r>
+              <a:rPr lang="ko-KR" altLang="en-US" dirty="0"/>
+              <a:t>활용하여 일정 간격마다 </a:t>
+            </a:r>
+            <a:r>
+              <a:rPr lang="en-US" altLang="ko-KR" dirty="0"/>
+              <a:t>Apple, Bomb </a:t>
+            </a:r>
+            <a:r>
+              <a:rPr lang="ko-KR" altLang="en-US" dirty="0"/>
+              <a:t>의 </a:t>
+            </a:r>
+            <a:r>
+              <a:rPr lang="en-US" altLang="ko-KR" dirty="0" err="1"/>
+              <a:t>yPos</a:t>
+            </a:r>
+            <a:endParaRPr lang="en-US" altLang="ko-KR" dirty="0"/>
+          </a:p>
+          <a:p>
+            <a:r>
+              <a:rPr lang="ko-KR" altLang="en-US" dirty="0"/>
+              <a:t>증가 시키기</a:t>
+            </a:r>
+            <a:r>
+              <a:rPr lang="en-US" altLang="ko-KR" dirty="0"/>
+              <a:t>.</a:t>
+            </a:r>
+            <a:endParaRPr lang="ko-KR" altLang="en-US" dirty="0"/>
+          </a:p>
+        </p:txBody>
+      </p:sp>
+      <p:sp>
+        <p:nvSpPr>
+          <p:cNvPr id="3" name="화살표: 오른쪽 2">
+            <a:extLst>
+              <a:ext uri="{FF2B5EF4-FFF2-40B4-BE49-F238E27FC236}">
+                <a16:creationId xmlns:a16="http://schemas.microsoft.com/office/drawing/2014/main" id="{B2FE0486-A7C2-48CE-B55A-2C7C5505DC73}"/>
+              </a:ext>
+            </a:extLst>
+          </p:cNvPr>
+          <p:cNvSpPr/>
+          <p:nvPr/>
+        </p:nvSpPr>
+        <p:spPr>
+          <a:xfrm rot="10800000">
+            <a:off x="8866093" y="2785791"/>
+            <a:ext cx="610510" cy="216950"/>
+          </a:xfrm>
+          <a:prstGeom prst="rightArrow">
+            <a:avLst/>
+          </a:prstGeom>
+        </p:spPr>
+        <p:style>
+          <a:lnRef idx="2">
+            <a:schemeClr val="accent1">
+              <a:shade val="50000"/>
+            </a:schemeClr>
+          </a:lnRef>
+          <a:fillRef idx="1">
+            <a:schemeClr val="accent1"/>
+          </a:fillRef>
+          <a:effectRef idx="0">
+            <a:schemeClr val="accent1"/>
+          </a:effectRef>
+          <a:fontRef idx="minor">
+            <a:schemeClr val="lt1"/>
+          </a:fontRef>
+        </p:style>
+        <p:txBody>
+          <a:bodyPr rtlCol="0" anchor="ctr"/>
+          <a:lstStyle/>
+          <a:p>
+            <a:pPr algn="ctr"/>
+            <a:endParaRPr lang="ko-KR" altLang="en-US"/>
+          </a:p>
+        </p:txBody>
+      </p:sp>
+      <p:sp>
+        <p:nvSpPr>
+          <p:cNvPr id="5" name="TextBox 4">
+            <a:extLst>
+              <a:ext uri="{FF2B5EF4-FFF2-40B4-BE49-F238E27FC236}">
+                <a16:creationId xmlns:a16="http://schemas.microsoft.com/office/drawing/2014/main" id="{D06CC49F-F0A7-4D19-86A1-89CFA295E6F1}"/>
+              </a:ext>
+            </a:extLst>
+          </p:cNvPr>
+          <p:cNvSpPr txBox="1"/>
+          <p:nvPr/>
+        </p:nvSpPr>
+        <p:spPr>
+          <a:xfrm>
+            <a:off x="9369939" y="1308847"/>
+            <a:ext cx="2715395" cy="923330"/>
+          </a:xfrm>
+          <a:prstGeom prst="rect">
+            <a:avLst/>
+          </a:prstGeom>
+          <a:noFill/>
+        </p:spPr>
+        <p:txBody>
+          <a:bodyPr wrap="square" rtlCol="0">
+            <a:spAutoFit/>
+          </a:bodyPr>
+          <a:lstStyle/>
+          <a:p>
+            <a:r>
+              <a:rPr lang="en-US" altLang="ko-KR" dirty="0"/>
+              <a:t>Apple</a:t>
+            </a:r>
+            <a:r>
+              <a:rPr lang="ko-KR" altLang="en-US" dirty="0"/>
+              <a:t>과 </a:t>
+            </a:r>
+            <a:r>
+              <a:rPr lang="en-US" altLang="ko-KR" dirty="0"/>
+              <a:t>Bomb</a:t>
+            </a:r>
+            <a:r>
+              <a:rPr lang="ko-KR" altLang="en-US" dirty="0"/>
+              <a:t>은 </a:t>
+            </a:r>
+            <a:endParaRPr lang="en-US" altLang="ko-KR" dirty="0"/>
+          </a:p>
+          <a:p>
+            <a:r>
+              <a:rPr lang="en-US" altLang="ko-KR" dirty="0" err="1"/>
+              <a:t>Math.random</a:t>
+            </a:r>
+            <a:r>
+              <a:rPr lang="en-US" altLang="ko-KR" dirty="0"/>
+              <a:t>()</a:t>
+            </a:r>
+            <a:r>
+              <a:rPr lang="ko-KR" altLang="en-US" dirty="0"/>
+              <a:t>을 활용하여 </a:t>
+            </a:r>
+            <a:r>
+              <a:rPr lang="en-US" altLang="ko-KR" dirty="0" err="1"/>
+              <a:t>xPos</a:t>
+            </a:r>
+            <a:r>
+              <a:rPr lang="ko-KR" altLang="en-US" dirty="0"/>
+              <a:t>를 조정한다</a:t>
+            </a:r>
+            <a:r>
+              <a:rPr lang="en-US" altLang="ko-KR" dirty="0"/>
+              <a:t>.</a:t>
+            </a:r>
+            <a:endParaRPr lang="ko-KR" altLang="en-US" dirty="0"/>
+          </a:p>
+        </p:txBody>
+      </p:sp>
+      <p:sp>
+        <p:nvSpPr>
+          <p:cNvPr id="17" name="직사각형 16">
+            <a:extLst>
+              <a:ext uri="{FF2B5EF4-FFF2-40B4-BE49-F238E27FC236}">
+                <a16:creationId xmlns:a16="http://schemas.microsoft.com/office/drawing/2014/main" id="{8EA5F035-FC3C-484A-AAB4-AC16C81B4C02}"/>
+              </a:ext>
+            </a:extLst>
+          </p:cNvPr>
+          <p:cNvSpPr/>
+          <p:nvPr/>
+        </p:nvSpPr>
+        <p:spPr>
+          <a:xfrm>
+            <a:off x="1515035" y="1561201"/>
+            <a:ext cx="1351990" cy="554941"/>
+          </a:xfrm>
+          <a:prstGeom prst="rect">
+            <a:avLst/>
+          </a:prstGeom>
+          <a:solidFill>
+            <a:schemeClr val="bg1"/>
+          </a:solidFill>
+        </p:spPr>
+        <p:style>
+          <a:lnRef idx="2">
+            <a:schemeClr val="accent1">
+              <a:shade val="50000"/>
+            </a:schemeClr>
+          </a:lnRef>
+          <a:fillRef idx="1">
+            <a:schemeClr val="accent1"/>
+          </a:fillRef>
+          <a:effectRef idx="0">
+            <a:schemeClr val="accent1"/>
+          </a:effectRef>
+          <a:fontRef idx="minor">
+            <a:schemeClr val="lt1"/>
+          </a:fontRef>
+        </p:style>
+        <p:txBody>
+          <a:bodyPr rtlCol="0" anchor="ctr"/>
+          <a:lstStyle/>
+          <a:p>
+            <a:pPr algn="ctr"/>
+            <a:r>
+              <a:rPr lang="ko-KR" altLang="en-US" dirty="0" err="1">
+                <a:solidFill>
+                  <a:schemeClr val="tx1">
+                    <a:lumMod val="75000"/>
+                    <a:lumOff val="25000"/>
+                  </a:schemeClr>
+                </a:solidFill>
+              </a:rPr>
+              <a:t>점수판</a:t>
+            </a:r>
+            <a:endParaRPr lang="ko-KR" altLang="en-US" dirty="0">
+              <a:solidFill>
+                <a:schemeClr val="tx1">
+                  <a:lumMod val="75000"/>
+                  <a:lumOff val="25000"/>
+                </a:schemeClr>
+              </a:solidFill>
+            </a:endParaRPr>
+          </a:p>
+        </p:txBody>
+      </p:sp>
+    </p:spTree>
+    <p:extLst>
+      <p:ext uri="{BB962C8B-B14F-4D97-AF65-F5344CB8AC3E}">
+        <p14:creationId xmlns:p14="http://schemas.microsoft.com/office/powerpoint/2010/main" val="1543507930"/>
+      </p:ext>
+    </p:extLst>
+  </p:cSld>
+  <p:clrMapOvr>
+    <a:masterClrMapping/>
+  </p:clrMapOvr>
+</p:sld>
+</file>
+
+<file path=ppt/slides/slide12.xml><?xml version="1.0" encoding="utf-8"?>
+<p:sld xmlns:r="http://schemas.openxmlformats.org/officeDocument/2006/relationships" xmlns:c="http://schemas.openxmlformats.org/drawingml/2006/chart" xmlns:a="http://schemas.openxmlformats.org/drawingml/2006/main" xmlns:dgm="http://schemas.openxmlformats.org/drawingml/2006/diagram" xmlns:dsp="http://schemas.microsoft.com/office/drawing/2008/diagram" xmlns:p="http://schemas.openxmlformats.org/presentationml/2006/main">
+  <p:cSld>
+    <p:spTree>
+      <p:nvGrpSpPr>
+        <p:cNvPr id="1" name=""/>
+        <p:cNvGrpSpPr/>
+        <p:nvPr/>
+      </p:nvGrpSpPr>
+      <p:grpSpPr>
+        <a:xfrm>
+          <a:off x="0" y="0"/>
+          <a:ext cx="0" cy="0"/>
+          <a:chOff x="0" y="0"/>
+          <a:chExt cx="0" cy="0"/>
+        </a:xfrm>
+      </p:grpSpPr>
+      <p:sp>
+        <p:nvSpPr>
+          <p:cNvPr id="2" name="제목 1"/>
+          <p:cNvSpPr>
+            <a:spLocks noGrp="1"/>
+          </p:cNvSpPr>
+          <p:nvPr>
+            <p:ph type="title" idx="0"/>
+          </p:nvPr>
+        </p:nvSpPr>
+        <p:spPr/>
+        <p:txBody>
+          <a:bodyPr/>
+          <a:lstStyle/>
+          <a:p>
+            <a:pPr lvl="0">
+              <a:defRPr/>
+            </a:pPr>
+            <a:r>
+              <a:rPr lang="en-US" altLang="ko-KR"/>
+              <a:t>Step3. CodeReview </a:t>
+            </a:r>
+            <a:endParaRPr lang="ko-KR" altLang="en-US"/>
+          </a:p>
+        </p:txBody>
+      </p:sp>
+      <p:pic>
+        <p:nvPicPr>
+          <p:cNvPr id="7" name=""/>
+          <p:cNvPicPr>
+            <a:picLocks noChangeAspect="1"/>
+          </p:cNvPicPr>
+          <p:nvPr/>
+        </p:nvPicPr>
+        <p:blipFill rotWithShape="1">
+          <a:blip r:embed="rId2"/>
+          <a:stretch>
+            <a:fillRect/>
+          </a:stretch>
+        </p:blipFill>
+        <p:spPr>
+          <a:xfrm>
+            <a:off x="968114" y="1472501"/>
+            <a:ext cx="6687483" cy="5014398"/>
+          </a:xfrm>
+          <a:prstGeom prst="rect">
+            <a:avLst/>
+          </a:prstGeom>
+        </p:spPr>
+      </p:pic>
+    </p:spTree>
+  </p:cSld>
+  <p:clrMapOvr>
+    <a:masterClrMapping/>
+  </p:clrMapOvr>
+  <mc:AlternateContent xmlns:mc="http://schemas.openxmlformats.org/markup-compatibility/2006">
+    <mc:Choice xmlns:p14="http://schemas.microsoft.com/office/powerpoint/2010/main" Requires="p14">
+      <p:transition xmlns:mc="http://schemas.openxmlformats.org/markup-compatibility/2006" xmlns:p14="http://schemas.microsoft.com/office/powerpoint/2010/main" mc:Ignorable="p14" p14:dur="500"/>
+    </mc:Choice>
+    <mc:Fallback>
+      <p:transition/>
+    </mc:Fallback>
+  </mc:AlternateContent>
+</p:sld>
+</file>
+
+<file path=ppt/slides/slide13.xml><?xml version="1.0" encoding="utf-8"?>
+<p:sld xmlns:r="http://schemas.openxmlformats.org/officeDocument/2006/relationships" xmlns:c="http://schemas.openxmlformats.org/drawingml/2006/chart" xmlns:a="http://schemas.openxmlformats.org/drawingml/2006/main" xmlns:dgm="http://schemas.openxmlformats.org/drawingml/2006/diagram" xmlns:dsp="http://schemas.microsoft.com/office/drawing/2008/diagram" xmlns:p="http://schemas.openxmlformats.org/presentationml/2006/main">
+  <p:cSld>
+    <p:spTree>
+      <p:nvGrpSpPr>
+        <p:cNvPr id="1" name=""/>
+        <p:cNvGrpSpPr/>
+        <p:nvPr/>
+      </p:nvGrpSpPr>
+      <p:grpSpPr>
+        <a:xfrm>
+          <a:off x="0" y="0"/>
+          <a:ext cx="0" cy="0"/>
+          <a:chOff x="0" y="0"/>
+          <a:chExt cx="0" cy="0"/>
+        </a:xfrm>
+      </p:grpSpPr>
+      <p:sp>
+        <p:nvSpPr>
+          <p:cNvPr id="2" name="제목 1"/>
+          <p:cNvSpPr>
+            <a:spLocks noGrp="1"/>
+          </p:cNvSpPr>
+          <p:nvPr>
+            <p:ph type="title" idx="0"/>
+          </p:nvPr>
+        </p:nvSpPr>
+        <p:spPr/>
+        <p:txBody>
+          <a:bodyPr/>
+          <a:lstStyle/>
+          <a:p>
+            <a:pPr lvl="0">
+              <a:defRPr/>
+            </a:pPr>
+            <a:r>
+              <a:rPr lang="en-US" altLang="ko-KR"/>
+              <a:t>Step3. CodeReview </a:t>
+            </a:r>
+            <a:endParaRPr lang="ko-KR" altLang="en-US"/>
+          </a:p>
+        </p:txBody>
+      </p:sp>
+      <p:pic>
+        <p:nvPicPr>
+          <p:cNvPr id="13" name=""/>
+          <p:cNvPicPr>
+            <a:picLocks noChangeAspect="1"/>
+          </p:cNvPicPr>
+          <p:nvPr/>
+        </p:nvPicPr>
+        <p:blipFill rotWithShape="1">
+          <a:blip r:embed="rId2"/>
+          <a:stretch>
+            <a:fillRect/>
+          </a:stretch>
+        </p:blipFill>
+        <p:spPr>
+          <a:xfrm>
+            <a:off x="930567" y="1573708"/>
+            <a:ext cx="5328053" cy="3846655"/>
+          </a:xfrm>
+          <a:prstGeom prst="rect">
+            <a:avLst/>
+          </a:prstGeom>
+        </p:spPr>
+      </p:pic>
+      <p:pic>
+        <p:nvPicPr>
+          <p:cNvPr id="14" name=""/>
+          <p:cNvPicPr>
+            <a:picLocks noChangeAspect="1"/>
+          </p:cNvPicPr>
+          <p:nvPr/>
+        </p:nvPicPr>
+        <p:blipFill rotWithShape="1">
+          <a:blip r:embed="rId3"/>
+          <a:stretch>
+            <a:fillRect/>
+          </a:stretch>
+        </p:blipFill>
+        <p:spPr>
+          <a:xfrm>
+            <a:off x="6438102" y="1471756"/>
+            <a:ext cx="5715797" cy="2423393"/>
+          </a:xfrm>
+          <a:prstGeom prst="rect">
+            <a:avLst/>
+          </a:prstGeom>
+        </p:spPr>
+      </p:pic>
+    </p:spTree>
+  </p:cSld>
+  <p:clrMapOvr>
+    <a:masterClrMapping/>
+  </p:clrMapOvr>
+  <mc:AlternateContent xmlns:mc="http://schemas.openxmlformats.org/markup-compatibility/2006">
+    <mc:Choice xmlns:p14="http://schemas.microsoft.com/office/powerpoint/2010/main" Requires="p14">
+      <p:transition xmlns:mc="http://schemas.openxmlformats.org/markup-compatibility/2006" xmlns:p14="http://schemas.microsoft.com/office/powerpoint/2010/main" mc:Ignorable="p14" p14:dur="500"/>
+    </mc:Choice>
+    <mc:Fallback>
+      <p:transition/>
+    </mc:Fallback>
+  </mc:AlternateContent>
+</p:sld>
+</file>
+
+<file path=ppt/slides/slide14.xml><?xml version="1.0" encoding="utf-8"?>
+<p:sld xmlns:a="http://schemas.openxmlformats.org/drawingml/2006/main" xmlns:r="http://schemas.openxmlformats.org/officeDocument/2006/relationships" xmlns:p="http://schemas.openxmlformats.org/presentationml/2006/main">
+  <p:cSld>
+    <p:spTree>
+      <p:nvGrpSpPr>
+        <p:cNvPr id="1" name=""/>
+        <p:cNvGrpSpPr/>
+        <p:nvPr/>
+      </p:nvGrpSpPr>
+      <p:grpSpPr>
+        <a:xfrm>
+          <a:off x="0" y="0"/>
+          <a:ext cx="0" cy="0"/>
+          <a:chOff x="0" y="0"/>
+          <a:chExt cx="0" cy="0"/>
+        </a:xfrm>
+      </p:grpSpPr>
+      <p:sp>
+        <p:nvSpPr>
+          <p:cNvPr id="4" name="직사각형 3">
+            <a:extLst>
+              <a:ext uri="{FF2B5EF4-FFF2-40B4-BE49-F238E27FC236}">
+                <a16:creationId xmlns:a16="http://schemas.microsoft.com/office/drawing/2014/main" id="{CE7C2801-79F6-4D6B-B68F-59D3ACB9842E}"/>
+              </a:ext>
+            </a:extLst>
+          </p:cNvPr>
+          <p:cNvSpPr/>
+          <p:nvPr/>
+        </p:nvSpPr>
+        <p:spPr>
+          <a:xfrm>
+            <a:off x="1412501" y="1479612"/>
+            <a:ext cx="7686675" cy="5019675"/>
+          </a:xfrm>
+          <a:prstGeom prst="rect">
+            <a:avLst/>
+          </a:prstGeom>
+          <a:solidFill>
+            <a:schemeClr val="bg1"/>
+          </a:solidFill>
+          <a:ln w="38100"/>
+        </p:spPr>
+        <p:style>
+          <a:lnRef idx="2">
+            <a:schemeClr val="accent1">
+              <a:shade val="50000"/>
+            </a:schemeClr>
+          </a:lnRef>
+          <a:fillRef idx="1">
+            <a:schemeClr val="accent1"/>
+          </a:fillRef>
+          <a:effectRef idx="0">
+            <a:schemeClr val="accent1"/>
+          </a:effectRef>
+          <a:fontRef idx="minor">
+            <a:schemeClr val="lt1"/>
+          </a:fontRef>
+        </p:style>
+        <p:txBody>
+          <a:bodyPr rtlCol="0" anchor="ctr"/>
+          <a:lstStyle/>
+          <a:p>
+            <a:pPr algn="ctr"/>
+            <a:endParaRPr lang="ko-KR" altLang="en-US" dirty="0"/>
+          </a:p>
+        </p:txBody>
+      </p:sp>
+      <p:sp>
+        <p:nvSpPr>
+          <p:cNvPr id="10" name="TextBox 9">
+            <a:extLst>
+              <a:ext uri="{FF2B5EF4-FFF2-40B4-BE49-F238E27FC236}">
+                <a16:creationId xmlns:a16="http://schemas.microsoft.com/office/drawing/2014/main" id="{5324D91B-928F-4313-8383-F9D22C244291}"/>
+              </a:ext>
+            </a:extLst>
+          </p:cNvPr>
+          <p:cNvSpPr txBox="1"/>
+          <p:nvPr/>
+        </p:nvSpPr>
+        <p:spPr>
+          <a:xfrm>
+            <a:off x="2337546" y="2416035"/>
+            <a:ext cx="2985247" cy="1200329"/>
+          </a:xfrm>
+          <a:prstGeom prst="rect">
+            <a:avLst/>
+          </a:prstGeom>
+          <a:noFill/>
+        </p:spPr>
+        <p:txBody>
+          <a:bodyPr wrap="square" rtlCol="0">
+            <a:spAutoFit/>
+          </a:bodyPr>
+          <a:lstStyle/>
+          <a:p>
+            <a:r>
+              <a:rPr lang="en-US" altLang="ko-KR" dirty="0"/>
+              <a:t>Apple</a:t>
+            </a:r>
+            <a:br>
+              <a:rPr lang="en-US" altLang="ko-KR" dirty="0"/>
+            </a:br>
+            <a:r>
+              <a:rPr lang="en-US" altLang="ko-KR" dirty="0"/>
+              <a:t>(Random)</a:t>
+            </a:r>
+            <a:r>
+              <a:rPr lang="en-US" altLang="ko-KR" dirty="0" err="1"/>
+              <a:t>xPos</a:t>
+            </a:r>
+            <a:r>
+              <a:rPr lang="en-US" altLang="ko-KR" dirty="0"/>
+              <a:t> ,(Fixed) </a:t>
+            </a:r>
+            <a:r>
+              <a:rPr lang="en-US" altLang="ko-KR" dirty="0" err="1"/>
+              <a:t>yPos</a:t>
+            </a:r>
+            <a:r>
+              <a:rPr lang="en-US" altLang="ko-KR" dirty="0"/>
+              <a:t> , Speed</a:t>
+            </a:r>
+            <a:br>
+              <a:rPr lang="en-US" altLang="ko-KR" dirty="0"/>
+            </a:br>
+            <a:r>
+              <a:rPr lang="en-US" altLang="ko-KR" dirty="0"/>
+              <a:t>meet Player  Score = +3</a:t>
+            </a:r>
+            <a:endParaRPr lang="ko-KR" altLang="en-US" dirty="0"/>
+          </a:p>
+        </p:txBody>
+      </p:sp>
+      <p:cxnSp>
+        <p:nvCxnSpPr>
+          <p:cNvPr id="14" name="직선 연결선 13">
+            <a:extLst>
+              <a:ext uri="{FF2B5EF4-FFF2-40B4-BE49-F238E27FC236}">
+                <a16:creationId xmlns:a16="http://schemas.microsoft.com/office/drawing/2014/main" id="{EF0F6A29-9AC2-450A-A587-EBBE81C3305C}"/>
+              </a:ext>
+            </a:extLst>
+          </p:cNvPr>
+          <p:cNvCxnSpPr/>
+          <p:nvPr/>
+        </p:nvCxnSpPr>
+        <p:spPr>
+          <a:xfrm>
+            <a:off x="1416424" y="2241176"/>
+            <a:ext cx="7682752" cy="0"/>
+          </a:xfrm>
+          <a:prstGeom prst="line">
+            <a:avLst/>
+          </a:prstGeom>
+        </p:spPr>
+        <p:style>
+          <a:lnRef idx="1">
+            <a:schemeClr val="dk1"/>
+          </a:lnRef>
+          <a:fillRef idx="0">
+            <a:schemeClr val="dk1"/>
+          </a:fillRef>
+          <a:effectRef idx="0">
+            <a:schemeClr val="dk1"/>
+          </a:effectRef>
+          <a:fontRef idx="minor">
+            <a:schemeClr val="tx1"/>
+          </a:fontRef>
+        </p:style>
+      </p:cxnSp>
+      <p:pic>
+        <p:nvPicPr>
+          <p:cNvPr id="22" name="그림 21" descr="클립아트이(가) 표시된 사진&#10;&#10;자동 생성된 설명">
+            <a:extLst>
+              <a:ext uri="{FF2B5EF4-FFF2-40B4-BE49-F238E27FC236}">
+                <a16:creationId xmlns:a16="http://schemas.microsoft.com/office/drawing/2014/main" id="{26F1A410-0839-412B-84D3-EF8CD8C9702C}"/>
+              </a:ext>
+            </a:extLst>
+          </p:cNvPr>
+          <p:cNvPicPr>
+            <a:picLocks noChangeAspect="1"/>
+          </p:cNvPicPr>
+          <p:nvPr/>
+        </p:nvPicPr>
+        <p:blipFill rotWithShape="1">
+          <a:blip r:embed="rId2">
+            <a:extLst>
+              <a:ext uri="{28A0092B-C50C-407E-A947-70E740481C1C}">
+                <a14:useLocalDpi xmlns:a14="http://schemas.microsoft.com/office/drawing/2010/main" val="0"/>
+              </a:ext>
+            </a:extLst>
+          </a:blip>
+          <a:srcRect l="35360" t="23133" r="33113" b="15744"/>
+          <a:stretch/>
+        </p:blipFill>
+        <p:spPr>
+          <a:xfrm>
+            <a:off x="1515035" y="2298622"/>
+            <a:ext cx="798979" cy="822506"/>
+          </a:xfrm>
+          <a:prstGeom prst="rect">
+            <a:avLst/>
+          </a:prstGeom>
+        </p:spPr>
+      </p:pic>
+      <p:pic>
+        <p:nvPicPr>
+          <p:cNvPr id="24" name="그림 23">
+            <a:extLst>
+              <a:ext uri="{FF2B5EF4-FFF2-40B4-BE49-F238E27FC236}">
+                <a16:creationId xmlns:a16="http://schemas.microsoft.com/office/drawing/2014/main" id="{47B887C6-2F5E-438D-8426-E8238CB1E5EC}"/>
+              </a:ext>
+            </a:extLst>
+          </p:cNvPr>
+          <p:cNvPicPr>
+            <a:picLocks noChangeAspect="1"/>
+          </p:cNvPicPr>
+          <p:nvPr/>
+        </p:nvPicPr>
+        <p:blipFill>
+          <a:blip r:embed="rId3">
+            <a:extLst>
+              <a:ext uri="{28A0092B-C50C-407E-A947-70E740481C1C}">
+                <a14:useLocalDpi xmlns:a14="http://schemas.microsoft.com/office/drawing/2010/main" val="0"/>
+              </a:ext>
+            </a:extLst>
+          </a:blip>
+          <a:stretch>
+            <a:fillRect/>
+          </a:stretch>
+        </p:blipFill>
+        <p:spPr>
+          <a:xfrm>
+            <a:off x="5807308" y="2497099"/>
+            <a:ext cx="577384" cy="577384"/>
+          </a:xfrm>
+          <a:prstGeom prst="rect">
+            <a:avLst/>
+          </a:prstGeom>
+        </p:spPr>
+      </p:pic>
+      <p:sp>
+        <p:nvSpPr>
+          <p:cNvPr id="15" name="TextBox 14">
+            <a:extLst>
+              <a:ext uri="{FF2B5EF4-FFF2-40B4-BE49-F238E27FC236}">
+                <a16:creationId xmlns:a16="http://schemas.microsoft.com/office/drawing/2014/main" id="{A424CCE9-8778-42E5-A7A9-0685E549DDD8}"/>
+              </a:ext>
+            </a:extLst>
+          </p:cNvPr>
+          <p:cNvSpPr txBox="1"/>
+          <p:nvPr/>
+        </p:nvSpPr>
+        <p:spPr>
+          <a:xfrm>
+            <a:off x="1416424" y="396813"/>
+            <a:ext cx="6238875" cy="584775"/>
+          </a:xfrm>
+          <a:prstGeom prst="rect">
+            <a:avLst/>
+          </a:prstGeom>
+          <a:noFill/>
+        </p:spPr>
+        <p:txBody>
+          <a:bodyPr wrap="square" rtlCol="0">
+            <a:spAutoFit/>
+          </a:bodyPr>
+          <a:lstStyle/>
+          <a:p>
+            <a:r>
+              <a:rPr lang="en-US" altLang="ko-KR" sz="3200" dirty="0"/>
+              <a:t>Step4. +- Score</a:t>
+            </a:r>
+            <a:endParaRPr lang="ko-KR" altLang="en-US" sz="3200" dirty="0"/>
+          </a:p>
+        </p:txBody>
+      </p:sp>
+      <p:sp>
+        <p:nvSpPr>
+          <p:cNvPr id="16" name="TextBox 15">
+            <a:extLst>
+              <a:ext uri="{FF2B5EF4-FFF2-40B4-BE49-F238E27FC236}">
+                <a16:creationId xmlns:a16="http://schemas.microsoft.com/office/drawing/2014/main" id="{777CBE58-4E87-41D5-A1C9-C9D937339D1D}"/>
+              </a:ext>
+            </a:extLst>
+          </p:cNvPr>
+          <p:cNvSpPr txBox="1"/>
+          <p:nvPr/>
+        </p:nvSpPr>
+        <p:spPr>
+          <a:xfrm>
+            <a:off x="6384692" y="2410437"/>
+            <a:ext cx="2985247" cy="1200329"/>
+          </a:xfrm>
+          <a:prstGeom prst="rect">
+            <a:avLst/>
+          </a:prstGeom>
+          <a:noFill/>
+        </p:spPr>
+        <p:txBody>
+          <a:bodyPr wrap="square" rtlCol="0">
+            <a:spAutoFit/>
+          </a:bodyPr>
+          <a:lstStyle/>
+          <a:p>
+            <a:r>
+              <a:rPr lang="en-US" altLang="ko-KR" dirty="0"/>
+              <a:t>Bomb</a:t>
+            </a:r>
+            <a:br>
+              <a:rPr lang="en-US" altLang="ko-KR" dirty="0"/>
+            </a:br>
+            <a:r>
+              <a:rPr lang="en-US" altLang="ko-KR" dirty="0"/>
+              <a:t>(Random)</a:t>
+            </a:r>
+            <a:r>
+              <a:rPr lang="en-US" altLang="ko-KR" dirty="0" err="1"/>
+              <a:t>xPos</a:t>
+            </a:r>
+            <a:r>
+              <a:rPr lang="en-US" altLang="ko-KR" dirty="0"/>
+              <a:t> ,(Fixed) </a:t>
+            </a:r>
+            <a:r>
+              <a:rPr lang="en-US" altLang="ko-KR" dirty="0" err="1"/>
+              <a:t>yPos</a:t>
+            </a:r>
+            <a:r>
+              <a:rPr lang="en-US" altLang="ko-KR" dirty="0"/>
+              <a:t> , Speed</a:t>
+            </a:r>
+            <a:br>
+              <a:rPr lang="en-US" altLang="ko-KR" dirty="0"/>
+            </a:br>
+            <a:r>
+              <a:rPr lang="en-US" altLang="ko-KR" dirty="0"/>
+              <a:t>meet Player  Score = -5</a:t>
+            </a:r>
+            <a:endParaRPr lang="ko-KR" altLang="en-US" dirty="0"/>
+          </a:p>
+        </p:txBody>
+      </p:sp>
+      <p:sp>
+        <p:nvSpPr>
+          <p:cNvPr id="21" name="TextBox 20">
+            <a:extLst>
+              <a:ext uri="{FF2B5EF4-FFF2-40B4-BE49-F238E27FC236}">
+                <a16:creationId xmlns:a16="http://schemas.microsoft.com/office/drawing/2014/main" id="{A5DDEFD7-3E5F-4879-940E-A906959FA86C}"/>
+              </a:ext>
+            </a:extLst>
+          </p:cNvPr>
+          <p:cNvSpPr txBox="1"/>
+          <p:nvPr/>
+        </p:nvSpPr>
+        <p:spPr>
+          <a:xfrm>
+            <a:off x="5603487" y="5143015"/>
+            <a:ext cx="3451412" cy="1200329"/>
+          </a:xfrm>
+          <a:prstGeom prst="rect">
+            <a:avLst/>
+          </a:prstGeom>
+          <a:noFill/>
+        </p:spPr>
+        <p:txBody>
+          <a:bodyPr wrap="square" rtlCol="0">
+            <a:spAutoFit/>
+          </a:bodyPr>
+          <a:lstStyle/>
+          <a:p>
+            <a:r>
+              <a:rPr lang="en-US" altLang="ko-KR" dirty="0"/>
+              <a:t>Player</a:t>
+            </a:r>
+            <a:br>
+              <a:rPr lang="en-US" altLang="ko-KR" dirty="0"/>
+            </a:br>
+            <a:r>
+              <a:rPr lang="en-US" altLang="ko-KR" dirty="0"/>
+              <a:t>(moving) </a:t>
+            </a:r>
+            <a:r>
+              <a:rPr lang="en-US" altLang="ko-KR" dirty="0" err="1"/>
+              <a:t>xPos</a:t>
+            </a:r>
+            <a:r>
+              <a:rPr lang="en-US" altLang="ko-KR" dirty="0"/>
+              <a:t> , Fixed </a:t>
+            </a:r>
+            <a:r>
+              <a:rPr lang="en-US" altLang="ko-KR" dirty="0" err="1"/>
+              <a:t>yPos</a:t>
+            </a:r>
+            <a:r>
+              <a:rPr lang="en-US" altLang="ko-KR" dirty="0"/>
+              <a:t> , Speed</a:t>
+            </a:r>
+          </a:p>
+          <a:p>
+            <a:r>
+              <a:rPr lang="en-US" altLang="ko-KR" dirty="0"/>
+              <a:t>Start score =10</a:t>
+            </a:r>
+            <a:endParaRPr lang="ko-KR" altLang="en-US" dirty="0"/>
+          </a:p>
+        </p:txBody>
+      </p:sp>
+      <p:sp>
+        <p:nvSpPr>
+          <p:cNvPr id="2" name="직사각형 1">
+            <a:extLst>
+              <a:ext uri="{FF2B5EF4-FFF2-40B4-BE49-F238E27FC236}">
+                <a16:creationId xmlns:a16="http://schemas.microsoft.com/office/drawing/2014/main" id="{8265E099-B703-401D-ABF0-53ACD2FA3D80}"/>
+              </a:ext>
+            </a:extLst>
+          </p:cNvPr>
+          <p:cNvSpPr/>
+          <p:nvPr/>
+        </p:nvSpPr>
+        <p:spPr>
+          <a:xfrm>
+            <a:off x="1515035" y="1561201"/>
+            <a:ext cx="1351990" cy="554941"/>
+          </a:xfrm>
+          <a:prstGeom prst="rect">
+            <a:avLst/>
+          </a:prstGeom>
+          <a:solidFill>
+            <a:schemeClr val="bg1"/>
+          </a:solidFill>
+        </p:spPr>
+        <p:style>
+          <a:lnRef idx="2">
+            <a:schemeClr val="accent1">
+              <a:shade val="50000"/>
+            </a:schemeClr>
+          </a:lnRef>
+          <a:fillRef idx="1">
+            <a:schemeClr val="accent1"/>
+          </a:fillRef>
+          <a:effectRef idx="0">
+            <a:schemeClr val="accent1"/>
+          </a:effectRef>
+          <a:fontRef idx="minor">
+            <a:schemeClr val="lt1"/>
+          </a:fontRef>
+        </p:style>
+        <p:txBody>
+          <a:bodyPr rtlCol="0" anchor="ctr"/>
+          <a:lstStyle/>
+          <a:p>
+            <a:pPr algn="ctr"/>
+            <a:r>
+              <a:rPr lang="ko-KR" altLang="en-US" dirty="0" err="1">
+                <a:solidFill>
+                  <a:schemeClr val="tx1">
+                    <a:lumMod val="75000"/>
+                    <a:lumOff val="25000"/>
+                  </a:schemeClr>
+                </a:solidFill>
+              </a:rPr>
+              <a:t>점수판</a:t>
+            </a:r>
+            <a:endParaRPr lang="ko-KR" altLang="en-US" dirty="0">
+              <a:solidFill>
+                <a:schemeClr val="tx1">
+                  <a:lumMod val="75000"/>
+                  <a:lumOff val="25000"/>
+                </a:schemeClr>
+              </a:solidFill>
+            </a:endParaRPr>
+          </a:p>
+        </p:txBody>
+      </p:sp>
+      <p:sp>
+        <p:nvSpPr>
+          <p:cNvPr id="3" name="TextBox 2">
+            <a:extLst>
+              <a:ext uri="{FF2B5EF4-FFF2-40B4-BE49-F238E27FC236}">
+                <a16:creationId xmlns:a16="http://schemas.microsoft.com/office/drawing/2014/main" id="{D3722ABC-CADD-4813-A6A5-B35FEC2197E0}"/>
+              </a:ext>
+            </a:extLst>
+          </p:cNvPr>
+          <p:cNvSpPr txBox="1"/>
+          <p:nvPr/>
+        </p:nvSpPr>
+        <p:spPr>
+          <a:xfrm>
+            <a:off x="2980749" y="1550988"/>
+            <a:ext cx="3451412" cy="646331"/>
+          </a:xfrm>
+          <a:prstGeom prst="rect">
+            <a:avLst/>
+          </a:prstGeom>
+          <a:noFill/>
+        </p:spPr>
+        <p:txBody>
+          <a:bodyPr wrap="square" rtlCol="0">
+            <a:spAutoFit/>
+          </a:bodyPr>
+          <a:lstStyle/>
+          <a:p>
+            <a:r>
+              <a:rPr lang="en-US" altLang="ko-KR" dirty="0"/>
+              <a:t>Score Board</a:t>
+            </a:r>
+            <a:br>
+              <a:rPr lang="en-US" altLang="ko-KR" dirty="0"/>
+            </a:br>
+            <a:r>
+              <a:rPr lang="en-US" altLang="ko-KR" dirty="0"/>
+              <a:t>when Score &lt; 0 , </a:t>
+            </a:r>
+            <a:r>
+              <a:rPr lang="en-US" altLang="ko-KR" dirty="0" err="1"/>
+              <a:t>GameOver</a:t>
+            </a:r>
+            <a:endParaRPr lang="ko-KR" altLang="en-US" dirty="0"/>
+          </a:p>
+        </p:txBody>
+      </p:sp>
+      <p:sp>
+        <p:nvSpPr>
+          <p:cNvPr id="17" name="TextBox 16">
+            <a:extLst>
+              <a:ext uri="{FF2B5EF4-FFF2-40B4-BE49-F238E27FC236}">
+                <a16:creationId xmlns:a16="http://schemas.microsoft.com/office/drawing/2014/main" id="{E631C16B-3EC8-4632-8D82-5D8D1CA54CC8}"/>
+              </a:ext>
+            </a:extLst>
+          </p:cNvPr>
+          <p:cNvSpPr txBox="1"/>
+          <p:nvPr/>
+        </p:nvSpPr>
+        <p:spPr>
+          <a:xfrm>
+            <a:off x="9179859" y="2782669"/>
+            <a:ext cx="2716866" cy="923330"/>
+          </a:xfrm>
+          <a:prstGeom prst="rect">
+            <a:avLst/>
+          </a:prstGeom>
+          <a:noFill/>
+        </p:spPr>
+        <p:txBody>
+          <a:bodyPr wrap="square" rtlCol="0">
+            <a:spAutoFit/>
+          </a:bodyPr>
+          <a:lstStyle/>
+          <a:p>
+            <a:r>
+              <a:rPr lang="en-US" altLang="ko-KR" dirty="0"/>
+              <a:t>Make Board Structure</a:t>
+            </a:r>
+            <a:br>
+              <a:rPr lang="en-US" altLang="ko-KR" dirty="0"/>
+            </a:br>
+            <a:r>
+              <a:rPr lang="en-US" altLang="ko-KR" dirty="0"/>
+              <a:t>Player</a:t>
+            </a:r>
+            <a:r>
+              <a:rPr lang="ko-KR" altLang="en-US" dirty="0"/>
+              <a:t>의 </a:t>
+            </a:r>
+            <a:r>
+              <a:rPr lang="en-US" altLang="ko-KR" dirty="0"/>
+              <a:t>Board </a:t>
+            </a:r>
+            <a:r>
+              <a:rPr lang="ko-KR" altLang="en-US" dirty="0"/>
+              <a:t>내의 </a:t>
+            </a:r>
+            <a:endParaRPr lang="en-US" altLang="ko-KR" dirty="0"/>
+          </a:p>
+          <a:p>
+            <a:r>
+              <a:rPr lang="ko-KR" altLang="en-US" dirty="0"/>
+              <a:t>이동 범위 설정</a:t>
+            </a:r>
+            <a:endParaRPr lang="en-US" altLang="ko-KR" dirty="0"/>
+          </a:p>
+        </p:txBody>
+      </p:sp>
+      <p:pic>
+        <p:nvPicPr>
+          <p:cNvPr id="18" name="그림 17">
+            <a:extLst>
+              <a:ext uri="{FF2B5EF4-FFF2-40B4-BE49-F238E27FC236}">
+                <a16:creationId xmlns:a16="http://schemas.microsoft.com/office/drawing/2014/main" id="{DBD6E9F7-DC27-4D64-8D7D-E4BE9F13EE78}"/>
+              </a:ext>
+            </a:extLst>
+          </p:cNvPr>
+          <p:cNvPicPr>
+            <a:picLocks noChangeAspect="1"/>
+          </p:cNvPicPr>
+          <p:nvPr/>
+        </p:nvPicPr>
+        <p:blipFill>
+          <a:blip r:embed="rId4">
+            <a:extLst>
+              <a:ext uri="{28A0092B-C50C-407E-A947-70E740481C1C}">
+                <a14:useLocalDpi xmlns:a14="http://schemas.microsoft.com/office/drawing/2010/main" val="0"/>
+              </a:ext>
+            </a:extLst>
+          </a:blip>
+          <a:stretch>
+            <a:fillRect/>
+          </a:stretch>
+        </p:blipFill>
+        <p:spPr>
+          <a:xfrm>
+            <a:off x="4706455" y="5254505"/>
+            <a:ext cx="816349" cy="849003"/>
+          </a:xfrm>
+          <a:prstGeom prst="rect">
+            <a:avLst/>
+          </a:prstGeom>
+        </p:spPr>
+      </p:pic>
+      <p:sp>
+        <p:nvSpPr>
+          <p:cNvPr id="5" name="TextBox 4">
+            <a:extLst>
+              <a:ext uri="{FF2B5EF4-FFF2-40B4-BE49-F238E27FC236}">
+                <a16:creationId xmlns:a16="http://schemas.microsoft.com/office/drawing/2014/main" id="{1E3C4A79-E232-4B46-8139-403BFC055E0A}"/>
+              </a:ext>
+            </a:extLst>
+          </p:cNvPr>
+          <p:cNvSpPr txBox="1"/>
+          <p:nvPr/>
+        </p:nvSpPr>
+        <p:spPr>
+          <a:xfrm>
+            <a:off x="2494988" y="1040718"/>
+            <a:ext cx="2827805" cy="369332"/>
+          </a:xfrm>
+          <a:prstGeom prst="rect">
+            <a:avLst/>
+          </a:prstGeom>
+          <a:noFill/>
+        </p:spPr>
+        <p:txBody>
+          <a:bodyPr wrap="square" rtlCol="0">
+            <a:spAutoFit/>
+          </a:bodyPr>
+          <a:lstStyle/>
+          <a:p>
+            <a:r>
+              <a:rPr lang="en-US" altLang="ko-KR" dirty="0" err="1"/>
+              <a:t>Jlabel</a:t>
+            </a:r>
+            <a:r>
+              <a:rPr lang="en-US" altLang="ko-KR" dirty="0"/>
+              <a:t> </a:t>
+            </a:r>
+            <a:r>
+              <a:rPr lang="ko-KR" altLang="en-US" dirty="0"/>
+              <a:t>활용할 것</a:t>
+            </a:r>
+          </a:p>
+        </p:txBody>
+      </p:sp>
+      <p:sp>
+        <p:nvSpPr>
+          <p:cNvPr id="6" name="화살표: 아래쪽 5">
+            <a:extLst>
+              <a:ext uri="{FF2B5EF4-FFF2-40B4-BE49-F238E27FC236}">
+                <a16:creationId xmlns:a16="http://schemas.microsoft.com/office/drawing/2014/main" id="{B4451E1F-1D11-453C-8B4A-E8BEA0FC4D5E}"/>
+              </a:ext>
+            </a:extLst>
+          </p:cNvPr>
+          <p:cNvSpPr/>
+          <p:nvPr/>
+        </p:nvSpPr>
+        <p:spPr>
+          <a:xfrm rot="2521956">
+            <a:off x="2420063" y="1344228"/>
+            <a:ext cx="326201" cy="442100"/>
+          </a:xfrm>
+          <a:prstGeom prst="downArrow">
+            <a:avLst/>
+          </a:prstGeom>
+        </p:spPr>
+        <p:style>
+          <a:lnRef idx="2">
+            <a:schemeClr val="accent1">
+              <a:shade val="50000"/>
+            </a:schemeClr>
+          </a:lnRef>
+          <a:fillRef idx="1">
+            <a:schemeClr val="accent1"/>
+          </a:fillRef>
+          <a:effectRef idx="0">
+            <a:schemeClr val="accent1"/>
+          </a:effectRef>
+          <a:fontRef idx="minor">
+            <a:schemeClr val="lt1"/>
+          </a:fontRef>
+        </p:style>
+        <p:txBody>
+          <a:bodyPr rtlCol="0" anchor="ctr"/>
+          <a:lstStyle/>
+          <a:p>
+            <a:pPr algn="ctr"/>
+            <a:endParaRPr lang="ko-KR" altLang="en-US"/>
+          </a:p>
+        </p:txBody>
+      </p:sp>
+    </p:spTree>
+    <p:extLst>
+      <p:ext uri="{BB962C8B-B14F-4D97-AF65-F5344CB8AC3E}">
+        <p14:creationId xmlns:p14="http://schemas.microsoft.com/office/powerpoint/2010/main" val="4231633184"/>
+      </p:ext>
+    </p:extLst>
+  </p:cSld>
+  <p:clrMapOvr>
+    <a:masterClrMapping/>
+  </p:clrMapOvr>
+</p:sld>
+</file>
+
+<file path=ppt/slides/slide15.xml><?xml version="1.0" encoding="utf-8"?>
+<p:sld xmlns:r="http://schemas.openxmlformats.org/officeDocument/2006/relationships" xmlns:c="http://schemas.openxmlformats.org/drawingml/2006/chart" xmlns:a="http://schemas.openxmlformats.org/drawingml/2006/main" xmlns:dgm="http://schemas.openxmlformats.org/drawingml/2006/diagram" xmlns:dsp="http://schemas.microsoft.com/office/drawing/2008/diagram" xmlns:p="http://schemas.openxmlformats.org/presentationml/2006/main">
+  <p:cSld>
+    <p:spTree>
+      <p:nvGrpSpPr>
+        <p:cNvPr id="1" name=""/>
+        <p:cNvGrpSpPr/>
+        <p:nvPr/>
+      </p:nvGrpSpPr>
+      <p:grpSpPr>
+        <a:xfrm>
+          <a:off x="0" y="0"/>
+          <a:ext cx="0" cy="0"/>
+          <a:chOff x="0" y="0"/>
+          <a:chExt cx="0" cy="0"/>
+        </a:xfrm>
+      </p:grpSpPr>
+      <p:sp>
+        <p:nvSpPr>
+          <p:cNvPr id="2" name="제목 1"/>
+          <p:cNvSpPr>
+            <a:spLocks noGrp="1"/>
+          </p:cNvSpPr>
+          <p:nvPr>
+            <p:ph type="title" idx="0"/>
+          </p:nvPr>
+        </p:nvSpPr>
+        <p:spPr/>
+        <p:txBody>
+          <a:bodyPr/>
+          <a:lstStyle/>
+          <a:p>
+            <a:pPr lvl="0">
+              <a:defRPr/>
+            </a:pPr>
+            <a:r>
+              <a:rPr lang="en-US" altLang="ko-KR"/>
+              <a:t>Step4. CodeReview </a:t>
+            </a:r>
+            <a:endParaRPr lang="ko-KR" altLang="en-US"/>
+          </a:p>
+        </p:txBody>
+      </p:sp>
+      <p:pic>
+        <p:nvPicPr>
+          <p:cNvPr id="14" name=""/>
+          <p:cNvPicPr>
+            <a:picLocks noChangeAspect="1"/>
+          </p:cNvPicPr>
+          <p:nvPr/>
+        </p:nvPicPr>
+        <p:blipFill rotWithShape="1">
+          <a:blip r:embed="rId2"/>
+          <a:stretch>
+            <a:fillRect/>
+          </a:stretch>
+        </p:blipFill>
+        <p:spPr>
+          <a:xfrm>
+            <a:off x="915862" y="1675521"/>
+            <a:ext cx="7774918" cy="4830562"/>
+          </a:xfrm>
+          <a:prstGeom prst="rect">
+            <a:avLst/>
+          </a:prstGeom>
+        </p:spPr>
+      </p:pic>
+    </p:spTree>
+  </p:cSld>
+  <p:clrMapOvr>
+    <a:masterClrMapping/>
+  </p:clrMapOvr>
+  <mc:AlternateContent xmlns:mc="http://schemas.openxmlformats.org/markup-compatibility/2006">
+    <mc:Choice xmlns:p14="http://schemas.microsoft.com/office/powerpoint/2010/main" Requires="p14">
+      <p:transition xmlns:mc="http://schemas.openxmlformats.org/markup-compatibility/2006" xmlns:p14="http://schemas.microsoft.com/office/powerpoint/2010/main" mc:Ignorable="p14" p14:dur="500"/>
+    </mc:Choice>
+    <mc:Fallback>
+      <p:transition/>
+    </mc:Fallback>
+  </mc:AlternateContent>
+</p:sld>
+</file>
+
+<file path=ppt/slides/slide16.xml><?xml version="1.0" encoding="utf-8"?>
+<p:sld xmlns:r="http://schemas.openxmlformats.org/officeDocument/2006/relationships" xmlns:c="http://schemas.openxmlformats.org/drawingml/2006/chart" xmlns:a="http://schemas.openxmlformats.org/drawingml/2006/main" xmlns:dgm="http://schemas.openxmlformats.org/drawingml/2006/diagram" xmlns:dsp="http://schemas.microsoft.com/office/drawing/2008/diagram" xmlns:p="http://schemas.openxmlformats.org/presentationml/2006/main">
+  <p:cSld>
+    <p:spTree>
+      <p:nvGrpSpPr>
+        <p:cNvPr id="1" name=""/>
+        <p:cNvGrpSpPr/>
+        <p:nvPr/>
+      </p:nvGrpSpPr>
+      <p:grpSpPr>
+        <a:xfrm>
+          <a:off x="0" y="0"/>
+          <a:ext cx="0" cy="0"/>
+          <a:chOff x="0" y="0"/>
+          <a:chExt cx="0" cy="0"/>
+        </a:xfrm>
+      </p:grpSpPr>
+      <p:sp>
+        <p:nvSpPr>
+          <p:cNvPr id="2" name="제목 1"/>
+          <p:cNvSpPr>
+            <a:spLocks noGrp="1"/>
+          </p:cNvSpPr>
+          <p:nvPr>
+            <p:ph type="title" idx="0"/>
+          </p:nvPr>
+        </p:nvSpPr>
+        <p:spPr/>
+        <p:txBody>
+          <a:bodyPr/>
+          <a:lstStyle/>
+          <a:p>
+            <a:pPr lvl="0">
+              <a:defRPr/>
+            </a:pPr>
+            <a:r>
+              <a:rPr lang="en-US" altLang="ko-KR"/>
+              <a:t>Step4. CodeReview </a:t>
+            </a:r>
+            <a:endParaRPr lang="ko-KR" altLang="en-US"/>
+          </a:p>
+        </p:txBody>
+      </p:sp>
+      <p:pic>
+        <p:nvPicPr>
+          <p:cNvPr id="15" name=""/>
+          <p:cNvPicPr>
+            <a:picLocks noChangeAspect="1"/>
+          </p:cNvPicPr>
+          <p:nvPr/>
+        </p:nvPicPr>
+        <p:blipFill rotWithShape="1">
+          <a:blip r:embed="rId2"/>
+          <a:stretch>
+            <a:fillRect/>
+          </a:stretch>
+        </p:blipFill>
+        <p:spPr>
+          <a:xfrm>
+            <a:off x="865316" y="1528912"/>
+            <a:ext cx="8448486" cy="1759104"/>
+          </a:xfrm>
+          <a:prstGeom prst="rect">
+            <a:avLst/>
+          </a:prstGeom>
+        </p:spPr>
+      </p:pic>
+      <p:pic>
+        <p:nvPicPr>
+          <p:cNvPr id="16" name=""/>
+          <p:cNvPicPr>
+            <a:picLocks noChangeAspect="1"/>
+          </p:cNvPicPr>
+          <p:nvPr/>
+        </p:nvPicPr>
+        <p:blipFill rotWithShape="1">
+          <a:blip r:embed="rId3"/>
+          <a:stretch>
+            <a:fillRect/>
+          </a:stretch>
+        </p:blipFill>
+        <p:spPr>
+          <a:xfrm>
+            <a:off x="1014039" y="3632750"/>
+            <a:ext cx="8036258" cy="2015208"/>
+          </a:xfrm>
+          <a:prstGeom prst="rect">
+            <a:avLst/>
+          </a:prstGeom>
+        </p:spPr>
+      </p:pic>
+    </p:spTree>
+  </p:cSld>
+  <p:clrMapOvr>
+    <a:masterClrMapping/>
+  </p:clrMapOvr>
+  <mc:AlternateContent xmlns:mc="http://schemas.openxmlformats.org/markup-compatibility/2006">
+    <mc:Choice xmlns:p14="http://schemas.microsoft.com/office/powerpoint/2010/main" Requires="p14">
+      <p:transition xmlns:mc="http://schemas.openxmlformats.org/markup-compatibility/2006" xmlns:p14="http://schemas.microsoft.com/office/powerpoint/2010/main" mc:Ignorable="p14" p14:dur="500"/>
+    </mc:Choice>
+    <mc:Fallback>
+      <p:transition/>
+    </mc:Fallback>
+  </mc:AlternateContent>
+</p:sld>
+</file>
+
+<file path=ppt/slides/slide17.xml><?xml version="1.0" encoding="utf-8"?>
+<p:sld xmlns:a="http://schemas.openxmlformats.org/drawingml/2006/main" xmlns:r="http://schemas.openxmlformats.org/officeDocument/2006/relationships" xmlns:p="http://schemas.openxmlformats.org/presentationml/2006/main">
+  <p:cSld>
+    <p:spTree>
+      <p:nvGrpSpPr>
+        <p:cNvPr id="1" name=""/>
+        <p:cNvGrpSpPr/>
+        <p:nvPr/>
+      </p:nvGrpSpPr>
+      <p:grpSpPr>
+        <a:xfrm>
+          <a:off x="0" y="0"/>
+          <a:ext cx="0" cy="0"/>
+          <a:chOff x="0" y="0"/>
+          <a:chExt cx="0" cy="0"/>
+        </a:xfrm>
+      </p:grpSpPr>
+      <p:sp>
+        <p:nvSpPr>
+          <p:cNvPr id="4" name="직사각형 3">
+            <a:extLst>
+              <a:ext uri="{FF2B5EF4-FFF2-40B4-BE49-F238E27FC236}">
+                <a16:creationId xmlns:a16="http://schemas.microsoft.com/office/drawing/2014/main" id="{CE7C2801-79F6-4D6B-B68F-59D3ACB9842E}"/>
+              </a:ext>
+            </a:extLst>
+          </p:cNvPr>
+          <p:cNvSpPr/>
+          <p:nvPr/>
+        </p:nvSpPr>
+        <p:spPr>
+          <a:xfrm>
+            <a:off x="1412501" y="1479612"/>
+            <a:ext cx="7686675" cy="5019675"/>
+          </a:xfrm>
+          <a:prstGeom prst="rect">
+            <a:avLst/>
+          </a:prstGeom>
+          <a:solidFill>
+            <a:schemeClr val="bg1"/>
+          </a:solidFill>
+          <a:ln w="38100"/>
+        </p:spPr>
+        <p:style>
+          <a:lnRef idx="2">
+            <a:schemeClr val="accent1">
+              <a:shade val="50000"/>
+            </a:schemeClr>
+          </a:lnRef>
+          <a:fillRef idx="1">
+            <a:schemeClr val="accent1"/>
+          </a:fillRef>
+          <a:effectRef idx="0">
+            <a:schemeClr val="accent1"/>
+          </a:effectRef>
+          <a:fontRef idx="minor">
+            <a:schemeClr val="lt1"/>
+          </a:fontRef>
+        </p:style>
+        <p:txBody>
+          <a:bodyPr rtlCol="0" anchor="ctr"/>
+          <a:lstStyle/>
+          <a:p>
+            <a:pPr algn="ctr"/>
+            <a:endParaRPr lang="ko-KR" altLang="en-US" dirty="0"/>
+          </a:p>
+        </p:txBody>
+      </p:sp>
+      <p:sp>
+        <p:nvSpPr>
+          <p:cNvPr id="10" name="TextBox 9">
+            <a:extLst>
+              <a:ext uri="{FF2B5EF4-FFF2-40B4-BE49-F238E27FC236}">
+                <a16:creationId xmlns:a16="http://schemas.microsoft.com/office/drawing/2014/main" id="{5324D91B-928F-4313-8383-F9D22C244291}"/>
+              </a:ext>
+            </a:extLst>
+          </p:cNvPr>
+          <p:cNvSpPr txBox="1"/>
+          <p:nvPr/>
+        </p:nvSpPr>
+        <p:spPr>
+          <a:xfrm>
+            <a:off x="2337545" y="2410437"/>
+            <a:ext cx="2985247" cy="1200329"/>
+          </a:xfrm>
+          <a:prstGeom prst="rect">
+            <a:avLst/>
+          </a:prstGeom>
+          <a:noFill/>
+        </p:spPr>
+        <p:txBody>
+          <a:bodyPr wrap="square" rtlCol="0">
+            <a:spAutoFit/>
+          </a:bodyPr>
+          <a:lstStyle/>
+          <a:p>
+            <a:r>
+              <a:rPr lang="en-US" altLang="ko-KR" dirty="0"/>
+              <a:t>Apple</a:t>
+            </a:r>
+            <a:br>
+              <a:rPr lang="en-US" altLang="ko-KR" dirty="0"/>
+            </a:br>
+            <a:r>
+              <a:rPr lang="en-US" altLang="ko-KR" dirty="0"/>
+              <a:t>(Random)</a:t>
+            </a:r>
+            <a:r>
+              <a:rPr lang="en-US" altLang="ko-KR" dirty="0" err="1"/>
+              <a:t>xPos</a:t>
+            </a:r>
+            <a:r>
+              <a:rPr lang="en-US" altLang="ko-KR" dirty="0"/>
+              <a:t> ,(Fixed) </a:t>
+            </a:r>
+            <a:r>
+              <a:rPr lang="en-US" altLang="ko-KR" dirty="0" err="1"/>
+              <a:t>yPos</a:t>
+            </a:r>
+            <a:r>
+              <a:rPr lang="en-US" altLang="ko-KR" dirty="0"/>
+              <a:t> , Speed</a:t>
+            </a:r>
+            <a:br>
+              <a:rPr lang="en-US" altLang="ko-KR" dirty="0"/>
+            </a:br>
+            <a:r>
+              <a:rPr lang="en-US" altLang="ko-KR" dirty="0"/>
+              <a:t>meet Player  Score = +3</a:t>
+            </a:r>
+            <a:endParaRPr lang="ko-KR" altLang="en-US" dirty="0"/>
+          </a:p>
+        </p:txBody>
+      </p:sp>
+      <p:cxnSp>
+        <p:nvCxnSpPr>
+          <p:cNvPr id="14" name="직선 연결선 13">
+            <a:extLst>
+              <a:ext uri="{FF2B5EF4-FFF2-40B4-BE49-F238E27FC236}">
+                <a16:creationId xmlns:a16="http://schemas.microsoft.com/office/drawing/2014/main" id="{EF0F6A29-9AC2-450A-A587-EBBE81C3305C}"/>
+              </a:ext>
+            </a:extLst>
+          </p:cNvPr>
+          <p:cNvCxnSpPr/>
+          <p:nvPr/>
+        </p:nvCxnSpPr>
+        <p:spPr>
+          <a:xfrm>
+            <a:off x="1416424" y="2241176"/>
+            <a:ext cx="7682752" cy="0"/>
+          </a:xfrm>
+          <a:prstGeom prst="line">
+            <a:avLst/>
+          </a:prstGeom>
+        </p:spPr>
+        <p:style>
+          <a:lnRef idx="1">
+            <a:schemeClr val="dk1"/>
+          </a:lnRef>
+          <a:fillRef idx="0">
+            <a:schemeClr val="dk1"/>
+          </a:fillRef>
+          <a:effectRef idx="0">
+            <a:schemeClr val="dk1"/>
+          </a:effectRef>
+          <a:fontRef idx="minor">
+            <a:schemeClr val="tx1"/>
+          </a:fontRef>
+        </p:style>
+      </p:cxnSp>
+      <p:pic>
+        <p:nvPicPr>
+          <p:cNvPr id="22" name="그림 21" descr="클립아트이(가) 표시된 사진&#10;&#10;자동 생성된 설명">
+            <a:extLst>
+              <a:ext uri="{FF2B5EF4-FFF2-40B4-BE49-F238E27FC236}">
+                <a16:creationId xmlns:a16="http://schemas.microsoft.com/office/drawing/2014/main" id="{26F1A410-0839-412B-84D3-EF8CD8C9702C}"/>
+              </a:ext>
+            </a:extLst>
+          </p:cNvPr>
+          <p:cNvPicPr>
+            <a:picLocks noChangeAspect="1"/>
+          </p:cNvPicPr>
+          <p:nvPr/>
+        </p:nvPicPr>
+        <p:blipFill rotWithShape="1">
+          <a:blip r:embed="rId2">
+            <a:extLst>
+              <a:ext uri="{28A0092B-C50C-407E-A947-70E740481C1C}">
+                <a14:useLocalDpi xmlns:a14="http://schemas.microsoft.com/office/drawing/2010/main" val="0"/>
+              </a:ext>
+            </a:extLst>
+          </a:blip>
+          <a:srcRect l="35360" t="23133" r="33113" b="15744"/>
+          <a:stretch/>
+        </p:blipFill>
+        <p:spPr>
+          <a:xfrm>
+            <a:off x="1515035" y="2298622"/>
+            <a:ext cx="798979" cy="822506"/>
+          </a:xfrm>
+          <a:prstGeom prst="rect">
+            <a:avLst/>
+          </a:prstGeom>
+        </p:spPr>
+      </p:pic>
+      <p:pic>
+        <p:nvPicPr>
+          <p:cNvPr id="24" name="그림 23">
+            <a:extLst>
+              <a:ext uri="{FF2B5EF4-FFF2-40B4-BE49-F238E27FC236}">
+                <a16:creationId xmlns:a16="http://schemas.microsoft.com/office/drawing/2014/main" id="{47B887C6-2F5E-438D-8426-E8238CB1E5EC}"/>
+              </a:ext>
+            </a:extLst>
+          </p:cNvPr>
+          <p:cNvPicPr>
+            <a:picLocks noChangeAspect="1"/>
+          </p:cNvPicPr>
+          <p:nvPr/>
+        </p:nvPicPr>
+        <p:blipFill>
+          <a:blip r:embed="rId3">
+            <a:extLst>
+              <a:ext uri="{28A0092B-C50C-407E-A947-70E740481C1C}">
+                <a14:useLocalDpi xmlns:a14="http://schemas.microsoft.com/office/drawing/2010/main" val="0"/>
+              </a:ext>
+            </a:extLst>
+          </a:blip>
+          <a:stretch>
+            <a:fillRect/>
+          </a:stretch>
+        </p:blipFill>
+        <p:spPr>
+          <a:xfrm>
+            <a:off x="5807308" y="2497099"/>
+            <a:ext cx="577384" cy="577384"/>
+          </a:xfrm>
+          <a:prstGeom prst="rect">
+            <a:avLst/>
+          </a:prstGeom>
+        </p:spPr>
+      </p:pic>
+      <p:sp>
+        <p:nvSpPr>
+          <p:cNvPr id="15" name="TextBox 14">
+            <a:extLst>
+              <a:ext uri="{FF2B5EF4-FFF2-40B4-BE49-F238E27FC236}">
+                <a16:creationId xmlns:a16="http://schemas.microsoft.com/office/drawing/2014/main" id="{A424CCE9-8778-42E5-A7A9-0685E549DDD8}"/>
+              </a:ext>
+            </a:extLst>
+          </p:cNvPr>
+          <p:cNvSpPr txBox="1"/>
+          <p:nvPr/>
+        </p:nvSpPr>
+        <p:spPr>
+          <a:xfrm>
+            <a:off x="1412501" y="438236"/>
+            <a:ext cx="6238875" cy="584775"/>
+          </a:xfrm>
+          <a:prstGeom prst="rect">
+            <a:avLst/>
+          </a:prstGeom>
+          <a:noFill/>
+        </p:spPr>
+        <p:txBody>
+          <a:bodyPr wrap="square" rtlCol="0">
+            <a:spAutoFit/>
+          </a:bodyPr>
+          <a:lstStyle/>
+          <a:p>
+            <a:r>
+              <a:rPr lang="en-US" altLang="ko-KR" sz="3200" dirty="0"/>
+              <a:t>Step5. Start Button</a:t>
+            </a:r>
+            <a:endParaRPr lang="ko-KR" altLang="en-US" sz="3200" dirty="0"/>
+          </a:p>
+        </p:txBody>
+      </p:sp>
+      <p:sp>
+        <p:nvSpPr>
+          <p:cNvPr id="16" name="TextBox 15">
+            <a:extLst>
+              <a:ext uri="{FF2B5EF4-FFF2-40B4-BE49-F238E27FC236}">
+                <a16:creationId xmlns:a16="http://schemas.microsoft.com/office/drawing/2014/main" id="{777CBE58-4E87-41D5-A1C9-C9D937339D1D}"/>
+              </a:ext>
+            </a:extLst>
+          </p:cNvPr>
+          <p:cNvSpPr txBox="1"/>
+          <p:nvPr/>
+        </p:nvSpPr>
+        <p:spPr>
+          <a:xfrm>
+            <a:off x="6384692" y="2410437"/>
+            <a:ext cx="2985247" cy="1200329"/>
+          </a:xfrm>
+          <a:prstGeom prst="rect">
+            <a:avLst/>
+          </a:prstGeom>
+          <a:noFill/>
+        </p:spPr>
+        <p:txBody>
+          <a:bodyPr wrap="square" rtlCol="0">
+            <a:spAutoFit/>
+          </a:bodyPr>
+          <a:lstStyle/>
+          <a:p>
+            <a:r>
+              <a:rPr lang="en-US" altLang="ko-KR" dirty="0"/>
+              <a:t>Bomb</a:t>
+            </a:r>
+            <a:br>
+              <a:rPr lang="en-US" altLang="ko-KR" dirty="0"/>
+            </a:br>
+            <a:r>
+              <a:rPr lang="en-US" altLang="ko-KR" dirty="0"/>
+              <a:t>(Random)</a:t>
+            </a:r>
+            <a:r>
+              <a:rPr lang="en-US" altLang="ko-KR" dirty="0" err="1"/>
+              <a:t>xPos</a:t>
+            </a:r>
+            <a:r>
+              <a:rPr lang="en-US" altLang="ko-KR" dirty="0"/>
+              <a:t> ,(Fixed) </a:t>
+            </a:r>
+            <a:r>
+              <a:rPr lang="en-US" altLang="ko-KR" dirty="0" err="1"/>
+              <a:t>yPos</a:t>
+            </a:r>
+            <a:r>
+              <a:rPr lang="en-US" altLang="ko-KR" dirty="0"/>
+              <a:t> , Speed</a:t>
+            </a:r>
+            <a:br>
+              <a:rPr lang="en-US" altLang="ko-KR" dirty="0"/>
+            </a:br>
+            <a:r>
+              <a:rPr lang="en-US" altLang="ko-KR" dirty="0"/>
+              <a:t>meet Player  Score = -5</a:t>
+            </a:r>
+            <a:endParaRPr lang="ko-KR" altLang="en-US" dirty="0"/>
+          </a:p>
+        </p:txBody>
+      </p:sp>
+      <p:sp>
+        <p:nvSpPr>
+          <p:cNvPr id="21" name="TextBox 20">
+            <a:extLst>
+              <a:ext uri="{FF2B5EF4-FFF2-40B4-BE49-F238E27FC236}">
+                <a16:creationId xmlns:a16="http://schemas.microsoft.com/office/drawing/2014/main" id="{A5DDEFD7-3E5F-4879-940E-A906959FA86C}"/>
+              </a:ext>
+            </a:extLst>
+          </p:cNvPr>
+          <p:cNvSpPr txBox="1"/>
+          <p:nvPr/>
+        </p:nvSpPr>
+        <p:spPr>
+          <a:xfrm>
+            <a:off x="5603487" y="5143015"/>
+            <a:ext cx="3451412" cy="1200329"/>
+          </a:xfrm>
+          <a:prstGeom prst="rect">
+            <a:avLst/>
+          </a:prstGeom>
+          <a:noFill/>
+        </p:spPr>
+        <p:txBody>
+          <a:bodyPr wrap="square" rtlCol="0">
+            <a:spAutoFit/>
+          </a:bodyPr>
+          <a:lstStyle/>
+          <a:p>
+            <a:r>
+              <a:rPr lang="en-US" altLang="ko-KR" dirty="0"/>
+              <a:t>Player</a:t>
+            </a:r>
+            <a:br>
+              <a:rPr lang="en-US" altLang="ko-KR" dirty="0"/>
+            </a:br>
+            <a:r>
+              <a:rPr lang="en-US" altLang="ko-KR" dirty="0"/>
+              <a:t>(moving) </a:t>
+            </a:r>
+            <a:r>
+              <a:rPr lang="en-US" altLang="ko-KR" dirty="0" err="1"/>
+              <a:t>xPos</a:t>
+            </a:r>
+            <a:r>
+              <a:rPr lang="en-US" altLang="ko-KR" dirty="0"/>
+              <a:t>, Fixed </a:t>
+            </a:r>
+            <a:r>
+              <a:rPr lang="en-US" altLang="ko-KR" dirty="0" err="1"/>
+              <a:t>ypos</a:t>
+            </a:r>
+            <a:r>
+              <a:rPr lang="en-US" altLang="ko-KR" dirty="0"/>
+              <a:t> , Speed</a:t>
+            </a:r>
+          </a:p>
+          <a:p>
+            <a:r>
+              <a:rPr lang="en-US" altLang="ko-KR" dirty="0"/>
+              <a:t>Start Score = +10</a:t>
+            </a:r>
+            <a:endParaRPr lang="ko-KR" altLang="en-US" dirty="0"/>
+          </a:p>
+        </p:txBody>
+      </p:sp>
+      <p:sp>
+        <p:nvSpPr>
+          <p:cNvPr id="2" name="직사각형 1">
+            <a:extLst>
+              <a:ext uri="{FF2B5EF4-FFF2-40B4-BE49-F238E27FC236}">
+                <a16:creationId xmlns:a16="http://schemas.microsoft.com/office/drawing/2014/main" id="{8265E099-B703-401D-ABF0-53ACD2FA3D80}"/>
+              </a:ext>
+            </a:extLst>
+          </p:cNvPr>
+          <p:cNvSpPr/>
+          <p:nvPr/>
+        </p:nvSpPr>
+        <p:spPr>
+          <a:xfrm>
+            <a:off x="1515035" y="1561201"/>
+            <a:ext cx="1351990" cy="554941"/>
+          </a:xfrm>
+          <a:prstGeom prst="rect">
+            <a:avLst/>
+          </a:prstGeom>
+          <a:solidFill>
+            <a:schemeClr val="bg1"/>
+          </a:solidFill>
+        </p:spPr>
+        <p:style>
+          <a:lnRef idx="2">
+            <a:schemeClr val="accent1">
+              <a:shade val="50000"/>
+            </a:schemeClr>
+          </a:lnRef>
+          <a:fillRef idx="1">
+            <a:schemeClr val="accent1"/>
+          </a:fillRef>
+          <a:effectRef idx="0">
+            <a:schemeClr val="accent1"/>
+          </a:effectRef>
+          <a:fontRef idx="minor">
+            <a:schemeClr val="lt1"/>
+          </a:fontRef>
+        </p:style>
+        <p:txBody>
+          <a:bodyPr rtlCol="0" anchor="ctr"/>
+          <a:lstStyle/>
+          <a:p>
+            <a:pPr algn="ctr"/>
+            <a:endParaRPr lang="ko-KR" altLang="en-US"/>
+          </a:p>
+        </p:txBody>
+      </p:sp>
+      <p:sp>
+        <p:nvSpPr>
+          <p:cNvPr id="3" name="TextBox 2">
+            <a:extLst>
+              <a:ext uri="{FF2B5EF4-FFF2-40B4-BE49-F238E27FC236}">
+                <a16:creationId xmlns:a16="http://schemas.microsoft.com/office/drawing/2014/main" id="{D3722ABC-CADD-4813-A6A5-B35FEC2197E0}"/>
+              </a:ext>
+            </a:extLst>
+          </p:cNvPr>
+          <p:cNvSpPr txBox="1"/>
+          <p:nvPr/>
+        </p:nvSpPr>
+        <p:spPr>
+          <a:xfrm>
+            <a:off x="3000374" y="1479612"/>
+            <a:ext cx="3451412" cy="646331"/>
+          </a:xfrm>
+          <a:prstGeom prst="rect">
+            <a:avLst/>
+          </a:prstGeom>
+          <a:noFill/>
+        </p:spPr>
+        <p:txBody>
+          <a:bodyPr wrap="square" rtlCol="0">
+            <a:spAutoFit/>
+          </a:bodyPr>
+          <a:lstStyle/>
+          <a:p>
+            <a:r>
+              <a:rPr lang="en-US" altLang="ko-KR" dirty="0"/>
+              <a:t>Score Board</a:t>
+            </a:r>
+            <a:br>
+              <a:rPr lang="en-US" altLang="ko-KR" dirty="0"/>
+            </a:br>
+            <a:r>
+              <a:rPr lang="en-US" altLang="ko-KR" dirty="0"/>
+              <a:t>when Score &lt; 0 , </a:t>
+            </a:r>
+            <a:r>
+              <a:rPr lang="en-US" altLang="ko-KR" dirty="0" err="1"/>
+              <a:t>GameOver</a:t>
+            </a:r>
+            <a:endParaRPr lang="ko-KR" altLang="en-US" dirty="0"/>
+          </a:p>
+        </p:txBody>
+      </p:sp>
+      <p:sp>
+        <p:nvSpPr>
+          <p:cNvPr id="5" name="직사각형 4">
+            <a:extLst>
+              <a:ext uri="{FF2B5EF4-FFF2-40B4-BE49-F238E27FC236}">
+                <a16:creationId xmlns:a16="http://schemas.microsoft.com/office/drawing/2014/main" id="{3DBCFE17-C4C1-46D8-93E8-A0BD325A7591}"/>
+              </a:ext>
+            </a:extLst>
+          </p:cNvPr>
+          <p:cNvSpPr/>
+          <p:nvPr/>
+        </p:nvSpPr>
+        <p:spPr>
+          <a:xfrm>
+            <a:off x="6833345" y="1512881"/>
+            <a:ext cx="2265831" cy="750158"/>
+          </a:xfrm>
+          <a:prstGeom prst="rect">
+            <a:avLst/>
+          </a:prstGeom>
+        </p:spPr>
+        <p:style>
+          <a:lnRef idx="2">
+            <a:schemeClr val="dk1">
+              <a:shade val="50000"/>
+            </a:schemeClr>
+          </a:lnRef>
+          <a:fillRef idx="1">
+            <a:schemeClr val="dk1"/>
+          </a:fillRef>
+          <a:effectRef idx="0">
+            <a:schemeClr val="dk1"/>
+          </a:effectRef>
+          <a:fontRef idx="minor">
+            <a:schemeClr val="lt1"/>
+          </a:fontRef>
+        </p:style>
+        <p:txBody>
+          <a:bodyPr rtlCol="0" anchor="ctr"/>
+          <a:lstStyle/>
+          <a:p>
+            <a:pPr algn="ctr"/>
+            <a:r>
+              <a:rPr lang="en-US" altLang="ko-KR" dirty="0" err="1"/>
+              <a:t>StartGame</a:t>
+            </a:r>
+            <a:endParaRPr lang="ko-KR" altLang="en-US" dirty="0"/>
+          </a:p>
+        </p:txBody>
+      </p:sp>
+      <p:sp>
+        <p:nvSpPr>
+          <p:cNvPr id="7" name="TextBox 6">
+            <a:extLst>
+              <a:ext uri="{FF2B5EF4-FFF2-40B4-BE49-F238E27FC236}">
+                <a16:creationId xmlns:a16="http://schemas.microsoft.com/office/drawing/2014/main" id="{75ABF2F8-D683-4E3C-99F2-F3A3EEB686AB}"/>
+              </a:ext>
+            </a:extLst>
+          </p:cNvPr>
+          <p:cNvSpPr txBox="1"/>
+          <p:nvPr/>
+        </p:nvSpPr>
+        <p:spPr>
+          <a:xfrm>
+            <a:off x="9179859" y="1561201"/>
+            <a:ext cx="2657475" cy="646331"/>
+          </a:xfrm>
+          <a:prstGeom prst="rect">
+            <a:avLst/>
+          </a:prstGeom>
+          <a:noFill/>
+        </p:spPr>
+        <p:txBody>
+          <a:bodyPr wrap="square" rtlCol="0">
+            <a:spAutoFit/>
+          </a:bodyPr>
+          <a:lstStyle/>
+          <a:p>
+            <a:r>
+              <a:rPr lang="en-US" altLang="ko-KR" dirty="0"/>
+              <a:t>Click This Button, Game Start Event</a:t>
+            </a:r>
+            <a:endParaRPr lang="ko-KR" altLang="en-US" dirty="0"/>
+          </a:p>
+        </p:txBody>
+      </p:sp>
+      <p:sp>
+        <p:nvSpPr>
+          <p:cNvPr id="17" name="TextBox 16">
+            <a:extLst>
+              <a:ext uri="{FF2B5EF4-FFF2-40B4-BE49-F238E27FC236}">
+                <a16:creationId xmlns:a16="http://schemas.microsoft.com/office/drawing/2014/main" id="{E711AA67-6FB5-4286-8397-AB8CA3E525CC}"/>
+              </a:ext>
+            </a:extLst>
+          </p:cNvPr>
+          <p:cNvSpPr txBox="1"/>
+          <p:nvPr/>
+        </p:nvSpPr>
+        <p:spPr>
+          <a:xfrm>
+            <a:off x="9207615" y="4131696"/>
+            <a:ext cx="2716866" cy="923330"/>
+          </a:xfrm>
+          <a:prstGeom prst="rect">
+            <a:avLst/>
+          </a:prstGeom>
+          <a:noFill/>
+        </p:spPr>
+        <p:txBody>
+          <a:bodyPr wrap="square" rtlCol="0">
+            <a:spAutoFit/>
+          </a:bodyPr>
+          <a:lstStyle/>
+          <a:p>
+            <a:r>
+              <a:rPr lang="en-US" altLang="ko-KR" dirty="0"/>
+              <a:t>Make Board Structure</a:t>
+            </a:r>
+            <a:br>
+              <a:rPr lang="en-US" altLang="ko-KR" dirty="0"/>
+            </a:br>
+            <a:r>
+              <a:rPr lang="en-US" altLang="ko-KR" dirty="0"/>
+              <a:t>Player</a:t>
+            </a:r>
+            <a:r>
+              <a:rPr lang="ko-KR" altLang="en-US" dirty="0"/>
+              <a:t>의 </a:t>
+            </a:r>
+            <a:r>
+              <a:rPr lang="en-US" altLang="ko-KR" dirty="0"/>
+              <a:t>Board </a:t>
+            </a:r>
+            <a:r>
+              <a:rPr lang="ko-KR" altLang="en-US" dirty="0"/>
+              <a:t>내의 </a:t>
+            </a:r>
+            <a:endParaRPr lang="en-US" altLang="ko-KR" dirty="0"/>
+          </a:p>
+          <a:p>
+            <a:r>
+              <a:rPr lang="ko-KR" altLang="en-US" dirty="0"/>
+              <a:t>이동 범위 설정</a:t>
+            </a:r>
+            <a:endParaRPr lang="en-US" altLang="ko-KR" dirty="0"/>
+          </a:p>
+        </p:txBody>
+      </p:sp>
+      <p:pic>
+        <p:nvPicPr>
+          <p:cNvPr id="18" name="그림 17">
+            <a:extLst>
+              <a:ext uri="{FF2B5EF4-FFF2-40B4-BE49-F238E27FC236}">
+                <a16:creationId xmlns:a16="http://schemas.microsoft.com/office/drawing/2014/main" id="{6D24452E-EF80-4DA6-BF8C-4D75F65A4718}"/>
+              </a:ext>
+            </a:extLst>
+          </p:cNvPr>
+          <p:cNvPicPr>
+            <a:picLocks noChangeAspect="1"/>
+          </p:cNvPicPr>
+          <p:nvPr/>
+        </p:nvPicPr>
+        <p:blipFill>
+          <a:blip r:embed="rId4">
+            <a:extLst>
+              <a:ext uri="{28A0092B-C50C-407E-A947-70E740481C1C}">
+                <a14:useLocalDpi xmlns:a14="http://schemas.microsoft.com/office/drawing/2010/main" val="0"/>
+              </a:ext>
+            </a:extLst>
+          </a:blip>
+          <a:stretch>
+            <a:fillRect/>
+          </a:stretch>
+        </p:blipFill>
+        <p:spPr>
+          <a:xfrm>
+            <a:off x="4706455" y="5227704"/>
+            <a:ext cx="816349" cy="849003"/>
+          </a:xfrm>
+          <a:prstGeom prst="rect">
+            <a:avLst/>
+          </a:prstGeom>
+        </p:spPr>
+      </p:pic>
+      <p:sp>
+        <p:nvSpPr>
+          <p:cNvPr id="6" name="TextBox 5">
+            <a:extLst>
+              <a:ext uri="{FF2B5EF4-FFF2-40B4-BE49-F238E27FC236}">
+                <a16:creationId xmlns:a16="http://schemas.microsoft.com/office/drawing/2014/main" id="{B23C37CC-BA09-437D-B51A-40C2ED831BFB}"/>
+              </a:ext>
+            </a:extLst>
+          </p:cNvPr>
+          <p:cNvSpPr txBox="1"/>
+          <p:nvPr/>
+        </p:nvSpPr>
+        <p:spPr>
+          <a:xfrm>
+            <a:off x="9224682" y="719635"/>
+            <a:ext cx="2627219" cy="369332"/>
+          </a:xfrm>
+          <a:prstGeom prst="rect">
+            <a:avLst/>
+          </a:prstGeom>
+          <a:noFill/>
+        </p:spPr>
+        <p:txBody>
+          <a:bodyPr wrap="square" rtlCol="0">
+            <a:spAutoFit/>
+          </a:bodyPr>
+          <a:lstStyle/>
+          <a:p>
+            <a:r>
+              <a:rPr lang="en-US" altLang="ko-KR" dirty="0" err="1"/>
+              <a:t>ButtonListener</a:t>
+            </a:r>
+            <a:r>
+              <a:rPr lang="en-US" altLang="ko-KR" dirty="0"/>
+              <a:t> </a:t>
+            </a:r>
+            <a:r>
+              <a:rPr lang="ko-KR" altLang="en-US" dirty="0"/>
+              <a:t>활용</a:t>
+            </a:r>
+          </a:p>
+        </p:txBody>
+      </p:sp>
+      <p:sp>
+        <p:nvSpPr>
+          <p:cNvPr id="8" name="화살표: 오른쪽 7">
+            <a:extLst>
+              <a:ext uri="{FF2B5EF4-FFF2-40B4-BE49-F238E27FC236}">
+                <a16:creationId xmlns:a16="http://schemas.microsoft.com/office/drawing/2014/main" id="{DC8C3EC0-FFA3-4DD3-BE54-7368BA63F53D}"/>
+              </a:ext>
+            </a:extLst>
+          </p:cNvPr>
+          <p:cNvSpPr/>
+          <p:nvPr/>
+        </p:nvSpPr>
+        <p:spPr>
+          <a:xfrm rot="8447522">
+            <a:off x="8458046" y="1309490"/>
+            <a:ext cx="1094042" cy="259717"/>
+          </a:xfrm>
+          <a:prstGeom prst="rightArrow">
+            <a:avLst/>
+          </a:prstGeom>
+        </p:spPr>
+        <p:style>
+          <a:lnRef idx="2">
+            <a:schemeClr val="accent1">
+              <a:shade val="50000"/>
+            </a:schemeClr>
+          </a:lnRef>
+          <a:fillRef idx="1">
+            <a:schemeClr val="accent1"/>
+          </a:fillRef>
+          <a:effectRef idx="0">
+            <a:schemeClr val="accent1"/>
+          </a:effectRef>
+          <a:fontRef idx="minor">
+            <a:schemeClr val="lt1"/>
+          </a:fontRef>
+        </p:style>
+        <p:txBody>
+          <a:bodyPr rtlCol="0" anchor="ctr"/>
+          <a:lstStyle/>
+          <a:p>
+            <a:pPr algn="ctr"/>
+            <a:endParaRPr lang="ko-KR" altLang="en-US"/>
+          </a:p>
+        </p:txBody>
+      </p:sp>
+    </p:spTree>
+    <p:extLst>
+      <p:ext uri="{BB962C8B-B14F-4D97-AF65-F5344CB8AC3E}">
+        <p14:creationId xmlns:p14="http://schemas.microsoft.com/office/powerpoint/2010/main" val="3750679167"/>
+      </p:ext>
+    </p:extLst>
+  </p:cSld>
+  <p:clrMapOvr>
+    <a:masterClrMapping/>
+  </p:clrMapOvr>
+</p:sld>
+</file>
+
+<file path=ppt/slides/slide18.xml><?xml version="1.0" encoding="utf-8"?>
+<p:sld xmlns:r="http://schemas.openxmlformats.org/officeDocument/2006/relationships" xmlns:c="http://schemas.openxmlformats.org/drawingml/2006/chart" xmlns:a="http://schemas.openxmlformats.org/drawingml/2006/main" xmlns:dgm="http://schemas.openxmlformats.org/drawingml/2006/diagram" xmlns:dsp="http://schemas.microsoft.com/office/drawing/2008/diagram" xmlns:p="http://schemas.openxmlformats.org/presentationml/2006/main">
+  <p:cSld>
+    <p:spTree>
+      <p:nvGrpSpPr>
+        <p:cNvPr id="1" name=""/>
+        <p:cNvGrpSpPr/>
+        <p:nvPr/>
+      </p:nvGrpSpPr>
+      <p:grpSpPr>
+        <a:xfrm>
+          <a:off x="0" y="0"/>
+          <a:ext cx="0" cy="0"/>
+          <a:chOff x="0" y="0"/>
+          <a:chExt cx="0" cy="0"/>
+        </a:xfrm>
+      </p:grpSpPr>
+      <p:sp>
+        <p:nvSpPr>
+          <p:cNvPr id="2" name="제목 1"/>
+          <p:cNvSpPr>
+            <a:spLocks noGrp="1"/>
+          </p:cNvSpPr>
+          <p:nvPr>
+            <p:ph type="title" idx="0"/>
+          </p:nvPr>
+        </p:nvSpPr>
+        <p:spPr/>
+        <p:txBody>
+          <a:bodyPr/>
+          <a:lstStyle/>
+          <a:p>
+            <a:pPr lvl="0">
+              <a:defRPr/>
+            </a:pPr>
+            <a:r>
+              <a:rPr lang="en-US" altLang="ko-KR"/>
+              <a:t>Step5. CodeReview </a:t>
+            </a:r>
+            <a:endParaRPr lang="ko-KR" altLang="en-US"/>
+          </a:p>
+        </p:txBody>
+      </p:sp>
+      <p:pic>
+        <p:nvPicPr>
+          <p:cNvPr id="10" name=""/>
+          <p:cNvPicPr>
+            <a:picLocks noChangeAspect="1"/>
+          </p:cNvPicPr>
+          <p:nvPr/>
+        </p:nvPicPr>
+        <p:blipFill rotWithShape="1">
+          <a:blip r:embed="rId2"/>
+          <a:stretch>
+            <a:fillRect/>
+          </a:stretch>
+        </p:blipFill>
+        <p:spPr>
+          <a:xfrm>
+            <a:off x="1038631" y="1733313"/>
+            <a:ext cx="4820322" cy="1695686"/>
+          </a:xfrm>
+          <a:prstGeom prst="rect">
+            <a:avLst/>
+          </a:prstGeom>
+        </p:spPr>
+      </p:pic>
+    </p:spTree>
+  </p:cSld>
+  <p:clrMapOvr>
+    <a:masterClrMapping/>
+  </p:clrMapOvr>
+  <mc:AlternateContent xmlns:mc="http://schemas.openxmlformats.org/markup-compatibility/2006">
+    <mc:Choice xmlns:p14="http://schemas.microsoft.com/office/powerpoint/2010/main" Requires="p14">
+      <p:transition xmlns:mc="http://schemas.openxmlformats.org/markup-compatibility/2006" xmlns:p14="http://schemas.microsoft.com/office/powerpoint/2010/main" mc:Ignorable="p14" p14:dur="500"/>
+    </mc:Choice>
+    <mc:Fallback>
+      <p:transition/>
+    </mc:Fallback>
+  </mc:AlternateContent>
+</p:sld>
+</file>
+
+<file path=ppt/slides/slide19.xml><?xml version="1.0" encoding="utf-8"?>
+<p:sld xmlns:r="http://schemas.openxmlformats.org/officeDocument/2006/relationships" xmlns:c="http://schemas.openxmlformats.org/drawingml/2006/chart" xmlns:a="http://schemas.openxmlformats.org/drawingml/2006/main" xmlns:dgm="http://schemas.openxmlformats.org/drawingml/2006/diagram" xmlns:dsp="http://schemas.microsoft.com/office/drawing/2008/diagram" xmlns:p="http://schemas.openxmlformats.org/presentationml/2006/main">
+  <p:cSld>
+    <p:spTree>
+      <p:nvGrpSpPr>
+        <p:cNvPr id="1" name=""/>
+        <p:cNvGrpSpPr/>
+        <p:nvPr/>
+      </p:nvGrpSpPr>
+      <p:grpSpPr>
+        <a:xfrm>
+          <a:off x="0" y="0"/>
+          <a:ext cx="0" cy="0"/>
+          <a:chOff x="0" y="0"/>
+          <a:chExt cx="0" cy="0"/>
+        </a:xfrm>
+      </p:grpSpPr>
+      <p:sp>
+        <p:nvSpPr>
+          <p:cNvPr id="2" name="제목 1"/>
+          <p:cNvSpPr>
+            <a:spLocks noGrp="1"/>
+          </p:cNvSpPr>
+          <p:nvPr>
+            <p:ph type="title" idx="0"/>
+          </p:nvPr>
+        </p:nvSpPr>
+        <p:spPr/>
+        <p:txBody>
+          <a:bodyPr/>
+          <a:lstStyle/>
+          <a:p>
+            <a:pPr lvl="0">
+              <a:defRPr/>
+            </a:pPr>
+            <a:r>
+              <a:rPr lang="en-US" altLang="ko-KR"/>
+              <a:t>Step5. CodeReview </a:t>
+            </a:r>
+            <a:endParaRPr lang="ko-KR" altLang="en-US"/>
+          </a:p>
+        </p:txBody>
+      </p:sp>
+      <p:pic>
+        <p:nvPicPr>
+          <p:cNvPr id="20" name=""/>
+          <p:cNvPicPr>
+            <a:picLocks noChangeAspect="1"/>
+          </p:cNvPicPr>
+          <p:nvPr/>
+        </p:nvPicPr>
+        <p:blipFill rotWithShape="1">
+          <a:blip r:embed="rId2"/>
+          <a:stretch>
+            <a:fillRect/>
+          </a:stretch>
+        </p:blipFill>
+        <p:spPr>
+          <a:xfrm>
+            <a:off x="922967" y="1593620"/>
+            <a:ext cx="6160341" cy="4734585"/>
+          </a:xfrm>
+          <a:prstGeom prst="rect">
+            <a:avLst/>
+          </a:prstGeom>
+        </p:spPr>
+      </p:pic>
+    </p:spTree>
+  </p:cSld>
+  <p:clrMapOvr>
+    <a:masterClrMapping/>
+  </p:clrMapOvr>
+  <mc:AlternateContent xmlns:mc="http://schemas.openxmlformats.org/markup-compatibility/2006">
+    <mc:Choice xmlns:p14="http://schemas.microsoft.com/office/powerpoint/2010/main" Requires="p14">
+      <p:transition xmlns:mc="http://schemas.openxmlformats.org/markup-compatibility/2006" xmlns:p14="http://schemas.microsoft.com/office/powerpoint/2010/main" mc:Ignorable="p14" p14:dur="500"/>
+    </mc:Choice>
+    <mc:Fallback>
+      <p:transition/>
+    </mc:Fallback>
+  </mc:AlternateContent>
+</p:sld>
+</file>
+
 <file path=ppt/slides/slide2.xml><?xml version="1.0" encoding="utf-8"?>
 <p:sld xmlns:a="http://schemas.openxmlformats.org/drawingml/2006/main" xmlns:r="http://schemas.openxmlformats.org/officeDocument/2006/relationships" xmlns:p="http://schemas.openxmlformats.org/presentationml/2006/main">
   <p:cSld>
@@ -4811,3168 +7708,7 @@
 </p:sld>
 </file>
 
-<file path=ppt/slides/slide3.xml><?xml version="1.0" encoding="utf-8"?>
-<p:sld xmlns:a="http://schemas.openxmlformats.org/drawingml/2006/main" xmlns:r="http://schemas.openxmlformats.org/officeDocument/2006/relationships" xmlns:p="http://schemas.openxmlformats.org/presentationml/2006/main">
-  <p:cSld>
-    <p:bg>
-      <p:bgPr>
-        <a:solidFill>
-          <a:schemeClr val="bg1"/>
-        </a:solidFill>
-        <a:effectLst/>
-      </p:bgPr>
-    </p:bg>
-    <p:spTree>
-      <p:nvGrpSpPr>
-        <p:cNvPr id="1" name=""/>
-        <p:cNvGrpSpPr/>
-        <p:nvPr/>
-      </p:nvGrpSpPr>
-      <p:grpSpPr>
-        <a:xfrm>
-          <a:off x="0" y="0"/>
-          <a:ext cx="0" cy="0"/>
-          <a:chOff x="0" y="0"/>
-          <a:chExt cx="0" cy="0"/>
-        </a:xfrm>
-      </p:grpSpPr>
-      <p:sp>
-        <p:nvSpPr>
-          <p:cNvPr id="15" name="Flowchart: Document 14">
-            <a:extLst>
-              <a:ext uri="{FF2B5EF4-FFF2-40B4-BE49-F238E27FC236}">
-                <a16:creationId xmlns:a16="http://schemas.microsoft.com/office/drawing/2014/main" id="{D12DDE76-C203-4047-9998-63900085B5E8}"/>
-              </a:ext>
-              <a:ext uri="{C183D7F6-B498-43B3-948B-1728B52AA6E4}">
-                <adec:decorative xmlns:adec="http://schemas.microsoft.com/office/drawing/2017/decorative" val="1"/>
-              </a:ext>
-            </a:extLst>
-          </p:cNvPr>
-          <p:cNvSpPr>
-            <a:spLocks noGrp="1" noRot="1" noChangeAspect="1" noMove="1" noResize="1" noEditPoints="1" noAdjustHandles="1" noChangeArrowheads="1" noChangeShapeType="1" noTextEdit="1"/>
-          </p:cNvSpPr>
-          <p:nvPr>
-            <p:extLst>
-              <p:ext uri="{386F3935-93C4-4BCD-93E2-E3B085C9AB24}">
-                <p16:designElem xmlns:p16="http://schemas.microsoft.com/office/powerpoint/2015/main" val="1"/>
-              </p:ext>
-            </p:extLst>
-          </p:nvPr>
-        </p:nvSpPr>
-        <p:spPr>
-          <a:xfrm>
-            <a:off x="638175" y="0"/>
-            <a:ext cx="3248025" cy="3400426"/>
-          </a:xfrm>
-          <a:prstGeom prst="flowChartDocument">
-            <a:avLst/>
-          </a:prstGeom>
-          <a:solidFill>
-            <a:schemeClr val="accent1"/>
-          </a:solidFill>
-          <a:ln>
-            <a:noFill/>
-          </a:ln>
-        </p:spPr>
-        <p:style>
-          <a:lnRef idx="2">
-            <a:schemeClr val="accent1">
-              <a:shade val="50000"/>
-            </a:schemeClr>
-          </a:lnRef>
-          <a:fillRef idx="1">
-            <a:schemeClr val="accent1"/>
-          </a:fillRef>
-          <a:effectRef idx="0">
-            <a:schemeClr val="accent1"/>
-          </a:effectRef>
-          <a:fontRef idx="minor">
-            <a:schemeClr val="lt1"/>
-          </a:fontRef>
-        </p:style>
-        <p:txBody>
-          <a:bodyPr rtlCol="0" anchor="ctr"/>
-          <a:lstStyle/>
-          <a:p>
-            <a:pPr algn="ctr"/>
-            <a:endParaRPr lang="en-US"/>
-          </a:p>
-        </p:txBody>
-      </p:sp>
-      <p:sp>
-        <p:nvSpPr>
-          <p:cNvPr id="10" name="TextBox 9">
-            <a:extLst>
-              <a:ext uri="{FF2B5EF4-FFF2-40B4-BE49-F238E27FC236}">
-                <a16:creationId xmlns:a16="http://schemas.microsoft.com/office/drawing/2014/main" id="{ADAE5B67-C9E7-457B-BA61-3C2E46238B8D}"/>
-              </a:ext>
-            </a:extLst>
-          </p:cNvPr>
-          <p:cNvSpPr txBox="1"/>
-          <p:nvPr/>
-        </p:nvSpPr>
-        <p:spPr>
-          <a:xfrm>
-            <a:off x="838200" y="171162"/>
-            <a:ext cx="2840182" cy="2371148"/>
-          </a:xfrm>
-          <a:prstGeom prst="rect">
-            <a:avLst/>
-          </a:prstGeom>
-        </p:spPr>
-        <p:txBody>
-          <a:bodyPr vert="horz" lIns="91440" tIns="45720" rIns="91440" bIns="45720" rtlCol="0" anchor="ctr">
-            <a:normAutofit/>
-          </a:bodyPr>
-          <a:lstStyle/>
-          <a:p>
-            <a:pPr latinLnBrk="0">
-              <a:lnSpc>
-                <a:spcPct val="90000"/>
-              </a:lnSpc>
-              <a:spcBef>
-                <a:spcPct val="0"/>
-              </a:spcBef>
-              <a:spcAft>
-                <a:spcPts val="600"/>
-              </a:spcAft>
-            </a:pPr>
-            <a:r>
-              <a:rPr lang="en-US" altLang="ko-KR" sz="3200" kern="1200">
-                <a:solidFill>
-                  <a:srgbClr val="FFFFFF"/>
-                </a:solidFill>
-                <a:latin typeface="+mj-lt"/>
-                <a:ea typeface="+mj-ea"/>
-                <a:cs typeface="+mj-cs"/>
-              </a:rPr>
-              <a:t>Dead Or Alive Class Diagram</a:t>
-            </a:r>
-          </a:p>
-        </p:txBody>
-      </p:sp>
-      <p:pic>
-        <p:nvPicPr>
-          <p:cNvPr id="9" name="그림 8">
-            <a:extLst>
-              <a:ext uri="{FF2B5EF4-FFF2-40B4-BE49-F238E27FC236}">
-                <a16:creationId xmlns:a16="http://schemas.microsoft.com/office/drawing/2014/main" id="{1AB827F0-4C9D-4A58-969B-853D00CED724}"/>
-              </a:ext>
-            </a:extLst>
-          </p:cNvPr>
-          <p:cNvPicPr>
-            <a:picLocks noChangeAspect="1"/>
-          </p:cNvPicPr>
-          <p:nvPr/>
-        </p:nvPicPr>
-        <p:blipFill>
-          <a:blip r:embed="rId2">
-            <a:extLst>
-              <a:ext uri="{28A0092B-C50C-407E-A947-70E740481C1C}">
-                <a14:useLocalDpi xmlns:a14="http://schemas.microsoft.com/office/drawing/2010/main" val="0"/>
-              </a:ext>
-            </a:extLst>
-          </a:blip>
-          <a:stretch>
-            <a:fillRect/>
-          </a:stretch>
-        </p:blipFill>
-        <p:spPr>
-          <a:xfrm>
-            <a:off x="4790944" y="640080"/>
-            <a:ext cx="6181514" cy="5578816"/>
-          </a:xfrm>
-          <a:prstGeom prst="rect">
-            <a:avLst/>
-          </a:prstGeom>
-          <a:solidFill>
-            <a:srgbClr val="FFFFFF">
-              <a:shade val="85000"/>
-            </a:srgbClr>
-          </a:solidFill>
-          <a:scene3d>
-            <a:camera prst="orthographicFront"/>
-            <a:lightRig rig="twoPt" dir="t">
-              <a:rot lat="0" lon="0" rev="7800000"/>
-            </a:lightRig>
-          </a:scene3d>
-          <a:sp3d contourW="6350">
-            <a:bevelT w="50800" h="16510"/>
-            <a:contourClr>
-              <a:srgbClr val="C0C0C0"/>
-            </a:contourClr>
-          </a:sp3d>
-        </p:spPr>
-      </p:pic>
-    </p:spTree>
-    <p:extLst>
-      <p:ext uri="{BB962C8B-B14F-4D97-AF65-F5344CB8AC3E}">
-        <p14:creationId xmlns:p14="http://schemas.microsoft.com/office/powerpoint/2010/main" val="4158069455"/>
-      </p:ext>
-    </p:extLst>
-  </p:cSld>
-  <p:clrMapOvr>
-    <a:masterClrMapping/>
-  </p:clrMapOvr>
-</p:sld>
-</file>
-
-<file path=ppt/slides/slide4.xml><?xml version="1.0" encoding="utf-8"?>
-<p:sld xmlns:a="http://schemas.openxmlformats.org/drawingml/2006/main" xmlns:r="http://schemas.openxmlformats.org/officeDocument/2006/relationships" xmlns:p="http://schemas.openxmlformats.org/presentationml/2006/main">
-  <p:cSld>
-    <p:spTree>
-      <p:nvGrpSpPr>
-        <p:cNvPr id="1" name=""/>
-        <p:cNvGrpSpPr/>
-        <p:nvPr/>
-      </p:nvGrpSpPr>
-      <p:grpSpPr>
-        <a:xfrm>
-          <a:off x="0" y="0"/>
-          <a:ext cx="0" cy="0"/>
-          <a:chOff x="0" y="0"/>
-          <a:chExt cx="0" cy="0"/>
-        </a:xfrm>
-      </p:grpSpPr>
-      <p:sp>
-        <p:nvSpPr>
-          <p:cNvPr id="4" name="직사각형 3">
-            <a:extLst>
-              <a:ext uri="{FF2B5EF4-FFF2-40B4-BE49-F238E27FC236}">
-                <a16:creationId xmlns:a16="http://schemas.microsoft.com/office/drawing/2014/main" id="{CE7C2801-79F6-4D6B-B68F-59D3ACB9842E}"/>
-              </a:ext>
-            </a:extLst>
-          </p:cNvPr>
-          <p:cNvSpPr/>
-          <p:nvPr/>
-        </p:nvSpPr>
-        <p:spPr>
-          <a:xfrm>
-            <a:off x="1416424" y="1441512"/>
-            <a:ext cx="7686675" cy="5019675"/>
-          </a:xfrm>
-          <a:prstGeom prst="rect">
-            <a:avLst/>
-          </a:prstGeom>
-          <a:solidFill>
-            <a:schemeClr val="bg1"/>
-          </a:solidFill>
-          <a:ln w="38100"/>
-        </p:spPr>
-        <p:style>
-          <a:lnRef idx="2">
-            <a:schemeClr val="accent1">
-              <a:shade val="50000"/>
-            </a:schemeClr>
-          </a:lnRef>
-          <a:fillRef idx="1">
-            <a:schemeClr val="accent1"/>
-          </a:fillRef>
-          <a:effectRef idx="0">
-            <a:schemeClr val="accent1"/>
-          </a:effectRef>
-          <a:fontRef idx="minor">
-            <a:schemeClr val="lt1"/>
-          </a:fontRef>
-        </p:style>
-        <p:txBody>
-          <a:bodyPr rtlCol="0" anchor="ctr"/>
-          <a:lstStyle/>
-          <a:p>
-            <a:pPr algn="ctr"/>
-            <a:endParaRPr lang="ko-KR" altLang="en-US" dirty="0"/>
-          </a:p>
-        </p:txBody>
-      </p:sp>
-      <p:cxnSp>
-        <p:nvCxnSpPr>
-          <p:cNvPr id="14" name="직선 연결선 13">
-            <a:extLst>
-              <a:ext uri="{FF2B5EF4-FFF2-40B4-BE49-F238E27FC236}">
-                <a16:creationId xmlns:a16="http://schemas.microsoft.com/office/drawing/2014/main" id="{EF0F6A29-9AC2-450A-A587-EBBE81C3305C}"/>
-              </a:ext>
-            </a:extLst>
-          </p:cNvPr>
-          <p:cNvCxnSpPr/>
-          <p:nvPr/>
-        </p:nvCxnSpPr>
-        <p:spPr>
-          <a:xfrm>
-            <a:off x="1416424" y="2241176"/>
-            <a:ext cx="7682752" cy="0"/>
-          </a:xfrm>
-          <a:prstGeom prst="line">
-            <a:avLst/>
-          </a:prstGeom>
-        </p:spPr>
-        <p:style>
-          <a:lnRef idx="1">
-            <a:schemeClr val="dk1"/>
-          </a:lnRef>
-          <a:fillRef idx="0">
-            <a:schemeClr val="dk1"/>
-          </a:fillRef>
-          <a:effectRef idx="0">
-            <a:schemeClr val="dk1"/>
-          </a:effectRef>
-          <a:fontRef idx="minor">
-            <a:schemeClr val="tx1"/>
-          </a:fontRef>
-        </p:style>
-      </p:cxnSp>
-      <p:sp>
-        <p:nvSpPr>
-          <p:cNvPr id="2" name="TextBox 1">
-            <a:extLst>
-              <a:ext uri="{FF2B5EF4-FFF2-40B4-BE49-F238E27FC236}">
-                <a16:creationId xmlns:a16="http://schemas.microsoft.com/office/drawing/2014/main" id="{27461405-922E-4AD7-98D0-65742DC669C9}"/>
-              </a:ext>
-            </a:extLst>
-          </p:cNvPr>
-          <p:cNvSpPr txBox="1"/>
-          <p:nvPr/>
-        </p:nvSpPr>
-        <p:spPr>
-          <a:xfrm>
-            <a:off x="1416424" y="396813"/>
-            <a:ext cx="6238875" cy="584775"/>
-          </a:xfrm>
-          <a:prstGeom prst="rect">
-            <a:avLst/>
-          </a:prstGeom>
-          <a:noFill/>
-        </p:spPr>
-        <p:txBody>
-          <a:bodyPr wrap="square" rtlCol="0">
-            <a:spAutoFit/>
-          </a:bodyPr>
-          <a:lstStyle/>
-          <a:p>
-            <a:r>
-              <a:rPr lang="en-US" altLang="ko-KR" sz="3200" dirty="0"/>
-              <a:t>Step1. Frame</a:t>
-            </a:r>
-            <a:endParaRPr lang="ko-KR" altLang="en-US" sz="3200" dirty="0"/>
-          </a:p>
-        </p:txBody>
-      </p:sp>
-      <p:sp>
-        <p:nvSpPr>
-          <p:cNvPr id="16" name="TextBox 15">
-            <a:extLst>
-              <a:ext uri="{FF2B5EF4-FFF2-40B4-BE49-F238E27FC236}">
-                <a16:creationId xmlns:a16="http://schemas.microsoft.com/office/drawing/2014/main" id="{14E85170-C0AF-4B82-81C5-3405F73D9140}"/>
-              </a:ext>
-            </a:extLst>
-          </p:cNvPr>
-          <p:cNvSpPr txBox="1"/>
-          <p:nvPr/>
-        </p:nvSpPr>
-        <p:spPr>
-          <a:xfrm>
-            <a:off x="9336181" y="4710081"/>
-            <a:ext cx="2716866" cy="646331"/>
-          </a:xfrm>
-          <a:prstGeom prst="rect">
-            <a:avLst/>
-          </a:prstGeom>
-          <a:noFill/>
-        </p:spPr>
-        <p:txBody>
-          <a:bodyPr wrap="square" rtlCol="0">
-            <a:spAutoFit/>
-          </a:bodyPr>
-          <a:lstStyle/>
-          <a:p>
-            <a:r>
-              <a:rPr lang="en-US" altLang="ko-KR" dirty="0"/>
-              <a:t>Make Board Structure</a:t>
-            </a:r>
-            <a:br>
-              <a:rPr lang="en-US" altLang="ko-KR" dirty="0"/>
-            </a:br>
-            <a:r>
-              <a:rPr lang="en-US" altLang="ko-KR" dirty="0"/>
-              <a:t>Player </a:t>
-            </a:r>
-            <a:r>
-              <a:rPr lang="ko-KR" altLang="en-US" dirty="0"/>
-              <a:t>움직임 범위 설정</a:t>
-            </a:r>
-            <a:endParaRPr lang="en-US" altLang="ko-KR" dirty="0"/>
-          </a:p>
-        </p:txBody>
-      </p:sp>
-      <p:sp>
-        <p:nvSpPr>
-          <p:cNvPr id="5" name="TextBox 4">
-            <a:extLst>
-              <a:ext uri="{FF2B5EF4-FFF2-40B4-BE49-F238E27FC236}">
-                <a16:creationId xmlns:a16="http://schemas.microsoft.com/office/drawing/2014/main" id="{9BA232E3-FDB5-40AA-9199-5F4F7CC03603}"/>
-              </a:ext>
-            </a:extLst>
-          </p:cNvPr>
-          <p:cNvSpPr txBox="1"/>
-          <p:nvPr/>
-        </p:nvSpPr>
-        <p:spPr>
-          <a:xfrm>
-            <a:off x="9457765" y="1264024"/>
-            <a:ext cx="2868706" cy="2862322"/>
-          </a:xfrm>
-          <a:prstGeom prst="rect">
-            <a:avLst/>
-          </a:prstGeom>
-          <a:noFill/>
-        </p:spPr>
-        <p:txBody>
-          <a:bodyPr wrap="square" rtlCol="0">
-            <a:spAutoFit/>
-          </a:bodyPr>
-          <a:lstStyle/>
-          <a:p>
-            <a:r>
-              <a:rPr lang="en-US" altLang="ko-KR" dirty="0" err="1"/>
-              <a:t>JPanel</a:t>
-            </a:r>
-            <a:endParaRPr lang="en-US" altLang="ko-KR" dirty="0"/>
-          </a:p>
-          <a:p>
-            <a:r>
-              <a:rPr lang="en-US" altLang="ko-KR" dirty="0" err="1"/>
-              <a:t>BorderLayout.North</a:t>
-            </a:r>
-            <a:endParaRPr lang="en-US" altLang="ko-KR" dirty="0"/>
-          </a:p>
-          <a:p>
-            <a:endParaRPr lang="en-US" altLang="ko-KR" dirty="0"/>
-          </a:p>
-          <a:p>
-            <a:endParaRPr lang="en-US" altLang="ko-KR" dirty="0"/>
-          </a:p>
-          <a:p>
-            <a:endParaRPr lang="en-US" altLang="ko-KR" dirty="0"/>
-          </a:p>
-          <a:p>
-            <a:endParaRPr lang="en-US" altLang="ko-KR" dirty="0"/>
-          </a:p>
-          <a:p>
-            <a:endParaRPr lang="en-US" altLang="ko-KR" dirty="0"/>
-          </a:p>
-          <a:p>
-            <a:endParaRPr lang="en-US" altLang="ko-KR" dirty="0"/>
-          </a:p>
-          <a:p>
-            <a:r>
-              <a:rPr lang="en-US" altLang="ko-KR" dirty="0" err="1"/>
-              <a:t>BorderLayout.Center</a:t>
-            </a:r>
-            <a:endParaRPr lang="en-US" altLang="ko-KR" dirty="0"/>
-          </a:p>
-          <a:p>
-            <a:endParaRPr lang="ko-KR" altLang="en-US" dirty="0"/>
-          </a:p>
-        </p:txBody>
-      </p:sp>
-      <p:sp>
-        <p:nvSpPr>
-          <p:cNvPr id="6" name="화살표: 오른쪽 5">
-            <a:extLst>
-              <a:ext uri="{FF2B5EF4-FFF2-40B4-BE49-F238E27FC236}">
-                <a16:creationId xmlns:a16="http://schemas.microsoft.com/office/drawing/2014/main" id="{341CCC0B-904E-482E-8013-62348EC105B4}"/>
-              </a:ext>
-            </a:extLst>
-          </p:cNvPr>
-          <p:cNvSpPr/>
-          <p:nvPr/>
-        </p:nvSpPr>
-        <p:spPr>
-          <a:xfrm rot="10800000">
-            <a:off x="8721680" y="1577529"/>
-            <a:ext cx="765922" cy="331694"/>
-          </a:xfrm>
-          <a:prstGeom prst="rightArrow">
-            <a:avLst/>
-          </a:prstGeom>
-        </p:spPr>
-        <p:style>
-          <a:lnRef idx="2">
-            <a:schemeClr val="accent1">
-              <a:shade val="50000"/>
-            </a:schemeClr>
-          </a:lnRef>
-          <a:fillRef idx="1">
-            <a:schemeClr val="accent1"/>
-          </a:fillRef>
-          <a:effectRef idx="0">
-            <a:schemeClr val="accent1"/>
-          </a:effectRef>
-          <a:fontRef idx="minor">
-            <a:schemeClr val="lt1"/>
-          </a:fontRef>
-        </p:style>
-        <p:txBody>
-          <a:bodyPr rtlCol="0" anchor="ctr"/>
-          <a:lstStyle/>
-          <a:p>
-            <a:pPr algn="ctr"/>
-            <a:endParaRPr lang="ko-KR" altLang="en-US"/>
-          </a:p>
-        </p:txBody>
-      </p:sp>
-      <p:sp>
-        <p:nvSpPr>
-          <p:cNvPr id="9" name="화살표: 오른쪽 8">
-            <a:extLst>
-              <a:ext uri="{FF2B5EF4-FFF2-40B4-BE49-F238E27FC236}">
-                <a16:creationId xmlns:a16="http://schemas.microsoft.com/office/drawing/2014/main" id="{BF23E284-5CE1-4A5D-803E-8DD0B5F6F1B9}"/>
-              </a:ext>
-            </a:extLst>
-          </p:cNvPr>
-          <p:cNvSpPr/>
-          <p:nvPr/>
-        </p:nvSpPr>
-        <p:spPr>
-          <a:xfrm rot="10800000">
-            <a:off x="8721680" y="3486991"/>
-            <a:ext cx="765922" cy="331694"/>
-          </a:xfrm>
-          <a:prstGeom prst="rightArrow">
-            <a:avLst/>
-          </a:prstGeom>
-        </p:spPr>
-        <p:style>
-          <a:lnRef idx="2">
-            <a:schemeClr val="accent1">
-              <a:shade val="50000"/>
-            </a:schemeClr>
-          </a:lnRef>
-          <a:fillRef idx="1">
-            <a:schemeClr val="accent1"/>
-          </a:fillRef>
-          <a:effectRef idx="0">
-            <a:schemeClr val="accent1"/>
-          </a:effectRef>
-          <a:fontRef idx="minor">
-            <a:schemeClr val="lt1"/>
-          </a:fontRef>
-        </p:style>
-        <p:txBody>
-          <a:bodyPr rtlCol="0" anchor="ctr"/>
-          <a:lstStyle/>
-          <a:p>
-            <a:pPr algn="ctr"/>
-            <a:endParaRPr lang="ko-KR" altLang="en-US"/>
-          </a:p>
-        </p:txBody>
-      </p:sp>
-    </p:spTree>
-    <p:extLst>
-      <p:ext uri="{BB962C8B-B14F-4D97-AF65-F5344CB8AC3E}">
-        <p14:creationId xmlns:p14="http://schemas.microsoft.com/office/powerpoint/2010/main" val="2203581041"/>
-      </p:ext>
-    </p:extLst>
-  </p:cSld>
-  <p:clrMapOvr>
-    <a:masterClrMapping/>
-  </p:clrMapOvr>
-</p:sld>
-</file>
-
-<file path=ppt/slides/slide5.xml><?xml version="1.0" encoding="utf-8"?>
-<p:sld xmlns:a="http://schemas.openxmlformats.org/drawingml/2006/main" xmlns:r="http://schemas.openxmlformats.org/officeDocument/2006/relationships" xmlns:p="http://schemas.openxmlformats.org/presentationml/2006/main">
-  <p:cSld>
-    <p:spTree>
-      <p:nvGrpSpPr>
-        <p:cNvPr id="1" name=""/>
-        <p:cNvGrpSpPr/>
-        <p:nvPr/>
-      </p:nvGrpSpPr>
-      <p:grpSpPr>
-        <a:xfrm>
-          <a:off x="0" y="0"/>
-          <a:ext cx="0" cy="0"/>
-          <a:chOff x="0" y="0"/>
-          <a:chExt cx="0" cy="0"/>
-        </a:xfrm>
-      </p:grpSpPr>
-      <p:sp>
-        <p:nvSpPr>
-          <p:cNvPr id="4" name="직사각형 3">
-            <a:extLst>
-              <a:ext uri="{FF2B5EF4-FFF2-40B4-BE49-F238E27FC236}">
-                <a16:creationId xmlns:a16="http://schemas.microsoft.com/office/drawing/2014/main" id="{CE7C2801-79F6-4D6B-B68F-59D3ACB9842E}"/>
-              </a:ext>
-            </a:extLst>
-          </p:cNvPr>
-          <p:cNvSpPr/>
-          <p:nvPr/>
-        </p:nvSpPr>
-        <p:spPr>
-          <a:xfrm>
-            <a:off x="1416424" y="1396092"/>
-            <a:ext cx="7686675" cy="5019675"/>
-          </a:xfrm>
-          <a:prstGeom prst="rect">
-            <a:avLst/>
-          </a:prstGeom>
-          <a:solidFill>
-            <a:schemeClr val="bg1"/>
-          </a:solidFill>
-          <a:ln w="38100"/>
-        </p:spPr>
-        <p:style>
-          <a:lnRef idx="2">
-            <a:schemeClr val="accent1">
-              <a:shade val="50000"/>
-            </a:schemeClr>
-          </a:lnRef>
-          <a:fillRef idx="1">
-            <a:schemeClr val="accent1"/>
-          </a:fillRef>
-          <a:effectRef idx="0">
-            <a:schemeClr val="accent1"/>
-          </a:effectRef>
-          <a:fontRef idx="minor">
-            <a:schemeClr val="lt1"/>
-          </a:fontRef>
-        </p:style>
-        <p:txBody>
-          <a:bodyPr rtlCol="0" anchor="ctr"/>
-          <a:lstStyle/>
-          <a:p>
-            <a:pPr algn="ctr"/>
-            <a:endParaRPr lang="ko-KR" altLang="en-US" dirty="0"/>
-          </a:p>
-        </p:txBody>
-      </p:sp>
-      <p:sp>
-        <p:nvSpPr>
-          <p:cNvPr id="8" name="TextBox 7">
-            <a:extLst>
-              <a:ext uri="{FF2B5EF4-FFF2-40B4-BE49-F238E27FC236}">
-                <a16:creationId xmlns:a16="http://schemas.microsoft.com/office/drawing/2014/main" id="{A1E104CF-CE16-403C-A7B5-17C1A3961EEF}"/>
-              </a:ext>
-            </a:extLst>
-          </p:cNvPr>
-          <p:cNvSpPr txBox="1"/>
-          <p:nvPr/>
-        </p:nvSpPr>
-        <p:spPr>
-          <a:xfrm>
-            <a:off x="5647764" y="5481045"/>
-            <a:ext cx="3451412" cy="923330"/>
-          </a:xfrm>
-          <a:prstGeom prst="rect">
-            <a:avLst/>
-          </a:prstGeom>
-          <a:noFill/>
-        </p:spPr>
-        <p:txBody>
-          <a:bodyPr wrap="square" rtlCol="0">
-            <a:spAutoFit/>
-          </a:bodyPr>
-          <a:lstStyle/>
-          <a:p>
-            <a:r>
-              <a:rPr lang="en-US" altLang="ko-KR" dirty="0"/>
-              <a:t>Player</a:t>
-            </a:r>
-            <a:br>
-              <a:rPr lang="en-US" altLang="ko-KR" dirty="0"/>
-            </a:br>
-            <a:r>
-              <a:rPr lang="en-US" altLang="ko-KR" dirty="0"/>
-              <a:t>(moving) </a:t>
-            </a:r>
-            <a:r>
-              <a:rPr lang="en-US" altLang="ko-KR" dirty="0" err="1"/>
-              <a:t>xPos</a:t>
-            </a:r>
-            <a:r>
-              <a:rPr lang="en-US" altLang="ko-KR" dirty="0"/>
-              <a:t> , (Fixed) </a:t>
-            </a:r>
-            <a:r>
-              <a:rPr lang="en-US" altLang="ko-KR" dirty="0" err="1"/>
-              <a:t>yPos</a:t>
-            </a:r>
-            <a:r>
-              <a:rPr lang="en-US" altLang="ko-KR" dirty="0"/>
-              <a:t> , Speed</a:t>
-            </a:r>
-            <a:endParaRPr lang="ko-KR" altLang="en-US" dirty="0"/>
-          </a:p>
-        </p:txBody>
-      </p:sp>
-      <p:cxnSp>
-        <p:nvCxnSpPr>
-          <p:cNvPr id="14" name="직선 연결선 13">
-            <a:extLst>
-              <a:ext uri="{FF2B5EF4-FFF2-40B4-BE49-F238E27FC236}">
-                <a16:creationId xmlns:a16="http://schemas.microsoft.com/office/drawing/2014/main" id="{EF0F6A29-9AC2-450A-A587-EBBE81C3305C}"/>
-              </a:ext>
-            </a:extLst>
-          </p:cNvPr>
-          <p:cNvCxnSpPr/>
-          <p:nvPr/>
-        </p:nvCxnSpPr>
-        <p:spPr>
-          <a:xfrm>
-            <a:off x="1416424" y="2241176"/>
-            <a:ext cx="7682752" cy="0"/>
-          </a:xfrm>
-          <a:prstGeom prst="line">
-            <a:avLst/>
-          </a:prstGeom>
-        </p:spPr>
-        <p:style>
-          <a:lnRef idx="1">
-            <a:schemeClr val="dk1"/>
-          </a:lnRef>
-          <a:fillRef idx="0">
-            <a:schemeClr val="dk1"/>
-          </a:fillRef>
-          <a:effectRef idx="0">
-            <a:schemeClr val="dk1"/>
-          </a:effectRef>
-          <a:fontRef idx="minor">
-            <a:schemeClr val="tx1"/>
-          </a:fontRef>
-        </p:style>
-      </p:cxnSp>
-      <p:sp>
-        <p:nvSpPr>
-          <p:cNvPr id="15" name="TextBox 14">
-            <a:extLst>
-              <a:ext uri="{FF2B5EF4-FFF2-40B4-BE49-F238E27FC236}">
-                <a16:creationId xmlns:a16="http://schemas.microsoft.com/office/drawing/2014/main" id="{BC5BF7A5-951C-4105-8312-5B4EDD0388B2}"/>
-              </a:ext>
-            </a:extLst>
-          </p:cNvPr>
-          <p:cNvSpPr txBox="1"/>
-          <p:nvPr/>
-        </p:nvSpPr>
-        <p:spPr>
-          <a:xfrm>
-            <a:off x="1416424" y="396813"/>
-            <a:ext cx="6238875" cy="584775"/>
-          </a:xfrm>
-          <a:prstGeom prst="rect">
-            <a:avLst/>
-          </a:prstGeom>
-          <a:noFill/>
-        </p:spPr>
-        <p:txBody>
-          <a:bodyPr wrap="square" rtlCol="0">
-            <a:spAutoFit/>
-          </a:bodyPr>
-          <a:lstStyle/>
-          <a:p>
-            <a:r>
-              <a:rPr lang="en-US" altLang="ko-KR" sz="3200" dirty="0"/>
-              <a:t>Step2. Player</a:t>
-            </a:r>
-            <a:endParaRPr lang="ko-KR" altLang="en-US" sz="3200" dirty="0"/>
-          </a:p>
-        </p:txBody>
-      </p:sp>
-      <p:sp>
-        <p:nvSpPr>
-          <p:cNvPr id="16" name="TextBox 15">
-            <a:extLst>
-              <a:ext uri="{FF2B5EF4-FFF2-40B4-BE49-F238E27FC236}">
-                <a16:creationId xmlns:a16="http://schemas.microsoft.com/office/drawing/2014/main" id="{E7C0FBE8-FBEC-496C-8E4C-096EA67A35D5}"/>
-              </a:ext>
-            </a:extLst>
-          </p:cNvPr>
-          <p:cNvSpPr txBox="1"/>
-          <p:nvPr/>
-        </p:nvSpPr>
-        <p:spPr>
-          <a:xfrm>
-            <a:off x="9251576" y="3804645"/>
-            <a:ext cx="2716866" cy="923330"/>
-          </a:xfrm>
-          <a:prstGeom prst="rect">
-            <a:avLst/>
-          </a:prstGeom>
-          <a:noFill/>
-        </p:spPr>
-        <p:txBody>
-          <a:bodyPr wrap="square" rtlCol="0">
-            <a:spAutoFit/>
-          </a:bodyPr>
-          <a:lstStyle/>
-          <a:p>
-            <a:r>
-              <a:rPr lang="en-US" altLang="ko-KR" dirty="0"/>
-              <a:t>Make Board Structure</a:t>
-            </a:r>
-            <a:br>
-              <a:rPr lang="en-US" altLang="ko-KR" dirty="0"/>
-            </a:br>
-            <a:r>
-              <a:rPr lang="en-US" altLang="ko-KR" dirty="0"/>
-              <a:t>Player</a:t>
-            </a:r>
-            <a:r>
-              <a:rPr lang="ko-KR" altLang="en-US" dirty="0"/>
-              <a:t>의 </a:t>
-            </a:r>
-            <a:r>
-              <a:rPr lang="en-US" altLang="ko-KR" dirty="0"/>
-              <a:t>Board </a:t>
-            </a:r>
-            <a:r>
-              <a:rPr lang="ko-KR" altLang="en-US" dirty="0"/>
-              <a:t>내의 </a:t>
-            </a:r>
-            <a:endParaRPr lang="en-US" altLang="ko-KR" dirty="0"/>
-          </a:p>
-          <a:p>
-            <a:r>
-              <a:rPr lang="ko-KR" altLang="en-US" dirty="0"/>
-              <a:t>이동 범위 설정</a:t>
-            </a:r>
-            <a:endParaRPr lang="en-US" altLang="ko-KR" dirty="0"/>
-          </a:p>
-        </p:txBody>
-      </p:sp>
-      <p:pic>
-        <p:nvPicPr>
-          <p:cNvPr id="3" name="그림 2">
-            <a:extLst>
-              <a:ext uri="{FF2B5EF4-FFF2-40B4-BE49-F238E27FC236}">
-                <a16:creationId xmlns:a16="http://schemas.microsoft.com/office/drawing/2014/main" id="{169CF64E-D175-4CEA-8B51-3EAC3B59A887}"/>
-              </a:ext>
-            </a:extLst>
-          </p:cNvPr>
-          <p:cNvPicPr>
-            <a:picLocks noChangeAspect="1"/>
-          </p:cNvPicPr>
-          <p:nvPr/>
-        </p:nvPicPr>
-        <p:blipFill>
-          <a:blip r:embed="rId2">
-            <a:extLst>
-              <a:ext uri="{28A0092B-C50C-407E-A947-70E740481C1C}">
-                <a14:useLocalDpi xmlns:a14="http://schemas.microsoft.com/office/drawing/2010/main" val="0"/>
-              </a:ext>
-            </a:extLst>
-          </a:blip>
-          <a:stretch>
-            <a:fillRect/>
-          </a:stretch>
-        </p:blipFill>
-        <p:spPr>
-          <a:xfrm>
-            <a:off x="4754655" y="5461908"/>
-            <a:ext cx="816349" cy="849003"/>
-          </a:xfrm>
-          <a:prstGeom prst="rect">
-            <a:avLst/>
-          </a:prstGeom>
-        </p:spPr>
-      </p:pic>
-      <p:sp>
-        <p:nvSpPr>
-          <p:cNvPr id="2" name="TextBox 1">
-            <a:extLst>
-              <a:ext uri="{FF2B5EF4-FFF2-40B4-BE49-F238E27FC236}">
-                <a16:creationId xmlns:a16="http://schemas.microsoft.com/office/drawing/2014/main" id="{12FEFAFF-8D72-46A1-8BC5-2147F7AD4755}"/>
-              </a:ext>
-            </a:extLst>
-          </p:cNvPr>
-          <p:cNvSpPr txBox="1"/>
-          <p:nvPr/>
-        </p:nvSpPr>
-        <p:spPr>
-          <a:xfrm>
-            <a:off x="9560299" y="5664580"/>
-            <a:ext cx="1806949" cy="646331"/>
-          </a:xfrm>
-          <a:prstGeom prst="rect">
-            <a:avLst/>
-          </a:prstGeom>
-          <a:noFill/>
-        </p:spPr>
-        <p:txBody>
-          <a:bodyPr wrap="square" rtlCol="0">
-            <a:spAutoFit/>
-          </a:bodyPr>
-          <a:lstStyle/>
-          <a:p>
-            <a:r>
-              <a:rPr lang="ko-KR" altLang="en-US" dirty="0"/>
-              <a:t>이벤트 처리</a:t>
-            </a:r>
-            <a:endParaRPr lang="en-US" altLang="ko-KR" dirty="0"/>
-          </a:p>
-          <a:p>
-            <a:r>
-              <a:rPr lang="en-US" altLang="ko-KR" dirty="0" err="1"/>
-              <a:t>KeyListener</a:t>
-            </a:r>
-            <a:endParaRPr lang="ko-KR" altLang="en-US" dirty="0"/>
-          </a:p>
-        </p:txBody>
-      </p:sp>
-      <p:sp>
-        <p:nvSpPr>
-          <p:cNvPr id="5" name="화살표: 오른쪽 4">
-            <a:extLst>
-              <a:ext uri="{FF2B5EF4-FFF2-40B4-BE49-F238E27FC236}">
-                <a16:creationId xmlns:a16="http://schemas.microsoft.com/office/drawing/2014/main" id="{62C12035-51F9-43E0-B744-2B8CFD3531F2}"/>
-              </a:ext>
-            </a:extLst>
-          </p:cNvPr>
-          <p:cNvSpPr/>
-          <p:nvPr/>
-        </p:nvSpPr>
-        <p:spPr>
-          <a:xfrm rot="10800000">
-            <a:off x="8909235" y="5886409"/>
-            <a:ext cx="476812" cy="200613"/>
-          </a:xfrm>
-          <a:prstGeom prst="rightArrow">
-            <a:avLst/>
-          </a:prstGeom>
-        </p:spPr>
-        <p:style>
-          <a:lnRef idx="2">
-            <a:schemeClr val="accent1">
-              <a:shade val="50000"/>
-            </a:schemeClr>
-          </a:lnRef>
-          <a:fillRef idx="1">
-            <a:schemeClr val="accent1"/>
-          </a:fillRef>
-          <a:effectRef idx="0">
-            <a:schemeClr val="accent1"/>
-          </a:effectRef>
-          <a:fontRef idx="minor">
-            <a:schemeClr val="lt1"/>
-          </a:fontRef>
-        </p:style>
-        <p:txBody>
-          <a:bodyPr rtlCol="0" anchor="ctr"/>
-          <a:lstStyle/>
-          <a:p>
-            <a:pPr algn="ctr"/>
-            <a:endParaRPr lang="ko-KR" altLang="en-US"/>
-          </a:p>
-        </p:txBody>
-      </p:sp>
-    </p:spTree>
-    <p:extLst>
-      <p:ext uri="{BB962C8B-B14F-4D97-AF65-F5344CB8AC3E}">
-        <p14:creationId xmlns:p14="http://schemas.microsoft.com/office/powerpoint/2010/main" val="654412764"/>
-      </p:ext>
-    </p:extLst>
-  </p:cSld>
-  <p:clrMapOvr>
-    <a:masterClrMapping/>
-  </p:clrMapOvr>
-</p:sld>
-</file>
-
-<file path=ppt/slides/slide6.xml><?xml version="1.0" encoding="utf-8"?>
-<p:sld xmlns:a="http://schemas.openxmlformats.org/drawingml/2006/main" xmlns:r="http://schemas.openxmlformats.org/officeDocument/2006/relationships" xmlns:p="http://schemas.openxmlformats.org/presentationml/2006/main">
-  <p:cSld>
-    <p:spTree>
-      <p:nvGrpSpPr>
-        <p:cNvPr id="1" name=""/>
-        <p:cNvGrpSpPr/>
-        <p:nvPr/>
-      </p:nvGrpSpPr>
-      <p:grpSpPr>
-        <a:xfrm>
-          <a:off x="0" y="0"/>
-          <a:ext cx="0" cy="0"/>
-          <a:chOff x="0" y="0"/>
-          <a:chExt cx="0" cy="0"/>
-        </a:xfrm>
-      </p:grpSpPr>
-      <p:sp>
-        <p:nvSpPr>
-          <p:cNvPr id="4" name="직사각형 3">
-            <a:extLst>
-              <a:ext uri="{FF2B5EF4-FFF2-40B4-BE49-F238E27FC236}">
-                <a16:creationId xmlns:a16="http://schemas.microsoft.com/office/drawing/2014/main" id="{CE7C2801-79F6-4D6B-B68F-59D3ACB9842E}"/>
-              </a:ext>
-            </a:extLst>
-          </p:cNvPr>
-          <p:cNvSpPr/>
-          <p:nvPr/>
-        </p:nvSpPr>
-        <p:spPr>
-          <a:xfrm>
-            <a:off x="1412501" y="1479612"/>
-            <a:ext cx="7686675" cy="5019675"/>
-          </a:xfrm>
-          <a:prstGeom prst="rect">
-            <a:avLst/>
-          </a:prstGeom>
-          <a:solidFill>
-            <a:schemeClr val="bg1"/>
-          </a:solidFill>
-          <a:ln w="38100"/>
-        </p:spPr>
-        <p:style>
-          <a:lnRef idx="2">
-            <a:schemeClr val="accent1">
-              <a:shade val="50000"/>
-            </a:schemeClr>
-          </a:lnRef>
-          <a:fillRef idx="1">
-            <a:schemeClr val="accent1"/>
-          </a:fillRef>
-          <a:effectRef idx="0">
-            <a:schemeClr val="accent1"/>
-          </a:effectRef>
-          <a:fontRef idx="minor">
-            <a:schemeClr val="lt1"/>
-          </a:fontRef>
-        </p:style>
-        <p:txBody>
-          <a:bodyPr rtlCol="0" anchor="ctr"/>
-          <a:lstStyle/>
-          <a:p>
-            <a:pPr algn="ctr"/>
-            <a:endParaRPr lang="ko-KR" altLang="en-US" dirty="0"/>
-          </a:p>
-        </p:txBody>
-      </p:sp>
-      <p:sp>
-        <p:nvSpPr>
-          <p:cNvPr id="10" name="TextBox 9">
-            <a:extLst>
-              <a:ext uri="{FF2B5EF4-FFF2-40B4-BE49-F238E27FC236}">
-                <a16:creationId xmlns:a16="http://schemas.microsoft.com/office/drawing/2014/main" id="{5324D91B-928F-4313-8383-F9D22C244291}"/>
-              </a:ext>
-            </a:extLst>
-          </p:cNvPr>
-          <p:cNvSpPr txBox="1"/>
-          <p:nvPr/>
-        </p:nvSpPr>
-        <p:spPr>
-          <a:xfrm>
-            <a:off x="2337546" y="2416035"/>
-            <a:ext cx="2985247" cy="923330"/>
-          </a:xfrm>
-          <a:prstGeom prst="rect">
-            <a:avLst/>
-          </a:prstGeom>
-          <a:noFill/>
-        </p:spPr>
-        <p:txBody>
-          <a:bodyPr wrap="square" rtlCol="0">
-            <a:spAutoFit/>
-          </a:bodyPr>
-          <a:lstStyle/>
-          <a:p>
-            <a:r>
-              <a:rPr lang="en-US" altLang="ko-KR" dirty="0"/>
-              <a:t>Apple</a:t>
-            </a:r>
-            <a:br>
-              <a:rPr lang="en-US" altLang="ko-KR" dirty="0"/>
-            </a:br>
-            <a:r>
-              <a:rPr lang="en-US" altLang="ko-KR" dirty="0"/>
-              <a:t>(Random)</a:t>
-            </a:r>
-            <a:r>
-              <a:rPr lang="en-US" altLang="ko-KR" dirty="0" err="1"/>
-              <a:t>xPos</a:t>
-            </a:r>
-            <a:r>
-              <a:rPr lang="en-US" altLang="ko-KR" dirty="0"/>
-              <a:t> ,(Fixed) </a:t>
-            </a:r>
-            <a:r>
-              <a:rPr lang="en-US" altLang="ko-KR" dirty="0" err="1"/>
-              <a:t>yPos</a:t>
-            </a:r>
-            <a:r>
-              <a:rPr lang="en-US" altLang="ko-KR" dirty="0"/>
-              <a:t> , Speed</a:t>
-            </a:r>
-            <a:endParaRPr lang="ko-KR" altLang="en-US" dirty="0"/>
-          </a:p>
-        </p:txBody>
-      </p:sp>
-      <p:cxnSp>
-        <p:nvCxnSpPr>
-          <p:cNvPr id="14" name="직선 연결선 13">
-            <a:extLst>
-              <a:ext uri="{FF2B5EF4-FFF2-40B4-BE49-F238E27FC236}">
-                <a16:creationId xmlns:a16="http://schemas.microsoft.com/office/drawing/2014/main" id="{EF0F6A29-9AC2-450A-A587-EBBE81C3305C}"/>
-              </a:ext>
-            </a:extLst>
-          </p:cNvPr>
-          <p:cNvCxnSpPr/>
-          <p:nvPr/>
-        </p:nvCxnSpPr>
-        <p:spPr>
-          <a:xfrm>
-            <a:off x="1416424" y="2241176"/>
-            <a:ext cx="7682752" cy="0"/>
-          </a:xfrm>
-          <a:prstGeom prst="line">
-            <a:avLst/>
-          </a:prstGeom>
-        </p:spPr>
-        <p:style>
-          <a:lnRef idx="1">
-            <a:schemeClr val="dk1"/>
-          </a:lnRef>
-          <a:fillRef idx="0">
-            <a:schemeClr val="dk1"/>
-          </a:fillRef>
-          <a:effectRef idx="0">
-            <a:schemeClr val="dk1"/>
-          </a:effectRef>
-          <a:fontRef idx="minor">
-            <a:schemeClr val="tx1"/>
-          </a:fontRef>
-        </p:style>
-      </p:cxnSp>
-      <p:pic>
-        <p:nvPicPr>
-          <p:cNvPr id="22" name="그림 21" descr="클립아트이(가) 표시된 사진&#10;&#10;자동 생성된 설명">
-            <a:extLst>
-              <a:ext uri="{FF2B5EF4-FFF2-40B4-BE49-F238E27FC236}">
-                <a16:creationId xmlns:a16="http://schemas.microsoft.com/office/drawing/2014/main" id="{26F1A410-0839-412B-84D3-EF8CD8C9702C}"/>
-              </a:ext>
-            </a:extLst>
-          </p:cNvPr>
-          <p:cNvPicPr>
-            <a:picLocks noChangeAspect="1"/>
-          </p:cNvPicPr>
-          <p:nvPr/>
-        </p:nvPicPr>
-        <p:blipFill rotWithShape="1">
-          <a:blip r:embed="rId2">
-            <a:extLst>
-              <a:ext uri="{28A0092B-C50C-407E-A947-70E740481C1C}">
-                <a14:useLocalDpi xmlns:a14="http://schemas.microsoft.com/office/drawing/2010/main" val="0"/>
-              </a:ext>
-            </a:extLst>
-          </a:blip>
-          <a:srcRect l="35360" t="23133" r="33113" b="15744"/>
-          <a:stretch/>
-        </p:blipFill>
-        <p:spPr>
-          <a:xfrm>
-            <a:off x="1515035" y="2298622"/>
-            <a:ext cx="798979" cy="822506"/>
-          </a:xfrm>
-          <a:prstGeom prst="rect">
-            <a:avLst/>
-          </a:prstGeom>
-        </p:spPr>
-      </p:pic>
-      <p:pic>
-        <p:nvPicPr>
-          <p:cNvPr id="24" name="그림 23">
-            <a:extLst>
-              <a:ext uri="{FF2B5EF4-FFF2-40B4-BE49-F238E27FC236}">
-                <a16:creationId xmlns:a16="http://schemas.microsoft.com/office/drawing/2014/main" id="{47B887C6-2F5E-438D-8426-E8238CB1E5EC}"/>
-              </a:ext>
-            </a:extLst>
-          </p:cNvPr>
-          <p:cNvPicPr>
-            <a:picLocks noChangeAspect="1"/>
-          </p:cNvPicPr>
-          <p:nvPr/>
-        </p:nvPicPr>
-        <p:blipFill>
-          <a:blip r:embed="rId3">
-            <a:extLst>
-              <a:ext uri="{28A0092B-C50C-407E-A947-70E740481C1C}">
-                <a14:useLocalDpi xmlns:a14="http://schemas.microsoft.com/office/drawing/2010/main" val="0"/>
-              </a:ext>
-            </a:extLst>
-          </a:blip>
-          <a:stretch>
-            <a:fillRect/>
-          </a:stretch>
-        </p:blipFill>
-        <p:spPr>
-          <a:xfrm>
-            <a:off x="5807308" y="2497099"/>
-            <a:ext cx="577384" cy="577384"/>
-          </a:xfrm>
-          <a:prstGeom prst="rect">
-            <a:avLst/>
-          </a:prstGeom>
-        </p:spPr>
-      </p:pic>
-      <p:sp>
-        <p:nvSpPr>
-          <p:cNvPr id="15" name="TextBox 14">
-            <a:extLst>
-              <a:ext uri="{FF2B5EF4-FFF2-40B4-BE49-F238E27FC236}">
-                <a16:creationId xmlns:a16="http://schemas.microsoft.com/office/drawing/2014/main" id="{A424CCE9-8778-42E5-A7A9-0685E549DDD8}"/>
-              </a:ext>
-            </a:extLst>
-          </p:cNvPr>
-          <p:cNvSpPr txBox="1"/>
-          <p:nvPr/>
-        </p:nvSpPr>
-        <p:spPr>
-          <a:xfrm>
-            <a:off x="1416424" y="396813"/>
-            <a:ext cx="6238875" cy="584775"/>
-          </a:xfrm>
-          <a:prstGeom prst="rect">
-            <a:avLst/>
-          </a:prstGeom>
-          <a:noFill/>
-        </p:spPr>
-        <p:txBody>
-          <a:bodyPr wrap="square" rtlCol="0">
-            <a:spAutoFit/>
-          </a:bodyPr>
-          <a:lstStyle/>
-          <a:p>
-            <a:r>
-              <a:rPr lang="en-US" altLang="ko-KR" sz="3200" dirty="0"/>
-              <a:t>Step3. Apple &amp; Bomb</a:t>
-            </a:r>
-            <a:endParaRPr lang="ko-KR" altLang="en-US" sz="3200" dirty="0"/>
-          </a:p>
-        </p:txBody>
-      </p:sp>
-      <p:sp>
-        <p:nvSpPr>
-          <p:cNvPr id="16" name="TextBox 15">
-            <a:extLst>
-              <a:ext uri="{FF2B5EF4-FFF2-40B4-BE49-F238E27FC236}">
-                <a16:creationId xmlns:a16="http://schemas.microsoft.com/office/drawing/2014/main" id="{777CBE58-4E87-41D5-A1C9-C9D937339D1D}"/>
-              </a:ext>
-            </a:extLst>
-          </p:cNvPr>
-          <p:cNvSpPr txBox="1"/>
-          <p:nvPr/>
-        </p:nvSpPr>
-        <p:spPr>
-          <a:xfrm>
-            <a:off x="6384692" y="2410437"/>
-            <a:ext cx="2985247" cy="923330"/>
-          </a:xfrm>
-          <a:prstGeom prst="rect">
-            <a:avLst/>
-          </a:prstGeom>
-          <a:noFill/>
-        </p:spPr>
-        <p:txBody>
-          <a:bodyPr wrap="square" rtlCol="0">
-            <a:spAutoFit/>
-          </a:bodyPr>
-          <a:lstStyle/>
-          <a:p>
-            <a:r>
-              <a:rPr lang="en-US" altLang="ko-KR" dirty="0"/>
-              <a:t>Bomb</a:t>
-            </a:r>
-            <a:br>
-              <a:rPr lang="en-US" altLang="ko-KR" dirty="0"/>
-            </a:br>
-            <a:r>
-              <a:rPr lang="en-US" altLang="ko-KR" dirty="0"/>
-              <a:t>(Random)</a:t>
-            </a:r>
-            <a:r>
-              <a:rPr lang="en-US" altLang="ko-KR" dirty="0" err="1"/>
-              <a:t>xPos</a:t>
-            </a:r>
-            <a:r>
-              <a:rPr lang="en-US" altLang="ko-KR" dirty="0"/>
-              <a:t> ,(Fixed) </a:t>
-            </a:r>
-            <a:r>
-              <a:rPr lang="en-US" altLang="ko-KR" dirty="0" err="1"/>
-              <a:t>yPos</a:t>
-            </a:r>
-            <a:r>
-              <a:rPr lang="en-US" altLang="ko-KR" dirty="0"/>
-              <a:t> , Speed</a:t>
-            </a:r>
-            <a:endParaRPr lang="ko-KR" altLang="en-US" dirty="0"/>
-          </a:p>
-        </p:txBody>
-      </p:sp>
-      <p:sp>
-        <p:nvSpPr>
-          <p:cNvPr id="21" name="TextBox 20">
-            <a:extLst>
-              <a:ext uri="{FF2B5EF4-FFF2-40B4-BE49-F238E27FC236}">
-                <a16:creationId xmlns:a16="http://schemas.microsoft.com/office/drawing/2014/main" id="{A5DDEFD7-3E5F-4879-940E-A906959FA86C}"/>
-              </a:ext>
-            </a:extLst>
-          </p:cNvPr>
-          <p:cNvSpPr txBox="1"/>
-          <p:nvPr/>
-        </p:nvSpPr>
-        <p:spPr>
-          <a:xfrm>
-            <a:off x="5603487" y="5143015"/>
-            <a:ext cx="3451412" cy="923330"/>
-          </a:xfrm>
-          <a:prstGeom prst="rect">
-            <a:avLst/>
-          </a:prstGeom>
-          <a:noFill/>
-        </p:spPr>
-        <p:txBody>
-          <a:bodyPr wrap="square" rtlCol="0">
-            <a:spAutoFit/>
-          </a:bodyPr>
-          <a:lstStyle/>
-          <a:p>
-            <a:r>
-              <a:rPr lang="en-US" altLang="ko-KR" dirty="0"/>
-              <a:t>Player</a:t>
-            </a:r>
-            <a:br>
-              <a:rPr lang="en-US" altLang="ko-KR" dirty="0"/>
-            </a:br>
-            <a:r>
-              <a:rPr lang="en-US" altLang="ko-KR" dirty="0"/>
-              <a:t>(moving) </a:t>
-            </a:r>
-            <a:r>
-              <a:rPr lang="en-US" altLang="ko-KR" dirty="0" err="1"/>
-              <a:t>xPos</a:t>
-            </a:r>
-            <a:r>
-              <a:rPr lang="en-US" altLang="ko-KR" dirty="0"/>
-              <a:t> , Fixed </a:t>
-            </a:r>
-            <a:r>
-              <a:rPr lang="en-US" altLang="ko-KR" dirty="0" err="1"/>
-              <a:t>yPos</a:t>
-            </a:r>
-            <a:r>
-              <a:rPr lang="en-US" altLang="ko-KR" dirty="0"/>
-              <a:t> , Speed</a:t>
-            </a:r>
-            <a:endParaRPr lang="ko-KR" altLang="en-US" dirty="0"/>
-          </a:p>
-        </p:txBody>
-      </p:sp>
-      <p:sp>
-        <p:nvSpPr>
-          <p:cNvPr id="23" name="TextBox 22">
-            <a:extLst>
-              <a:ext uri="{FF2B5EF4-FFF2-40B4-BE49-F238E27FC236}">
-                <a16:creationId xmlns:a16="http://schemas.microsoft.com/office/drawing/2014/main" id="{7373AD74-2461-406A-8FE5-B5E8801FC9BE}"/>
-              </a:ext>
-            </a:extLst>
-          </p:cNvPr>
-          <p:cNvSpPr txBox="1"/>
-          <p:nvPr/>
-        </p:nvSpPr>
-        <p:spPr>
-          <a:xfrm>
-            <a:off x="9369939" y="4454862"/>
-            <a:ext cx="2716866" cy="923330"/>
-          </a:xfrm>
-          <a:prstGeom prst="rect">
-            <a:avLst/>
-          </a:prstGeom>
-          <a:noFill/>
-        </p:spPr>
-        <p:txBody>
-          <a:bodyPr wrap="square" rtlCol="0">
-            <a:spAutoFit/>
-          </a:bodyPr>
-          <a:lstStyle/>
-          <a:p>
-            <a:r>
-              <a:rPr lang="en-US" altLang="ko-KR" dirty="0"/>
-              <a:t>Make Board Structure</a:t>
-            </a:r>
-            <a:br>
-              <a:rPr lang="en-US" altLang="ko-KR" dirty="0"/>
-            </a:br>
-            <a:r>
-              <a:rPr lang="en-US" altLang="ko-KR" dirty="0"/>
-              <a:t>Player</a:t>
-            </a:r>
-            <a:r>
-              <a:rPr lang="ko-KR" altLang="en-US" dirty="0"/>
-              <a:t>의 </a:t>
-            </a:r>
-            <a:r>
-              <a:rPr lang="en-US" altLang="ko-KR" dirty="0"/>
-              <a:t>Board </a:t>
-            </a:r>
-            <a:r>
-              <a:rPr lang="ko-KR" altLang="en-US" dirty="0"/>
-              <a:t>내의 </a:t>
-            </a:r>
-            <a:endParaRPr lang="en-US" altLang="ko-KR" dirty="0"/>
-          </a:p>
-          <a:p>
-            <a:r>
-              <a:rPr lang="ko-KR" altLang="en-US" dirty="0"/>
-              <a:t>이동 범위 설정</a:t>
-            </a:r>
-            <a:endParaRPr lang="en-US" altLang="ko-KR" dirty="0"/>
-          </a:p>
-        </p:txBody>
-      </p:sp>
-      <p:pic>
-        <p:nvPicPr>
-          <p:cNvPr id="12" name="그림 11">
-            <a:extLst>
-              <a:ext uri="{FF2B5EF4-FFF2-40B4-BE49-F238E27FC236}">
-                <a16:creationId xmlns:a16="http://schemas.microsoft.com/office/drawing/2014/main" id="{0BD8DC56-738D-474E-9F0C-31901409661E}"/>
-              </a:ext>
-            </a:extLst>
-          </p:cNvPr>
-          <p:cNvPicPr>
-            <a:picLocks noChangeAspect="1"/>
-          </p:cNvPicPr>
-          <p:nvPr/>
-        </p:nvPicPr>
-        <p:blipFill>
-          <a:blip r:embed="rId4">
-            <a:extLst>
-              <a:ext uri="{28A0092B-C50C-407E-A947-70E740481C1C}">
-                <a14:useLocalDpi xmlns:a14="http://schemas.microsoft.com/office/drawing/2010/main" val="0"/>
-              </a:ext>
-            </a:extLst>
-          </a:blip>
-          <a:stretch>
-            <a:fillRect/>
-          </a:stretch>
-        </p:blipFill>
-        <p:spPr>
-          <a:xfrm>
-            <a:off x="4706455" y="5254505"/>
-            <a:ext cx="816349" cy="849003"/>
-          </a:xfrm>
-          <a:prstGeom prst="rect">
-            <a:avLst/>
-          </a:prstGeom>
-        </p:spPr>
-      </p:pic>
-      <p:sp>
-        <p:nvSpPr>
-          <p:cNvPr id="2" name="TextBox 1">
-            <a:extLst>
-              <a:ext uri="{FF2B5EF4-FFF2-40B4-BE49-F238E27FC236}">
-                <a16:creationId xmlns:a16="http://schemas.microsoft.com/office/drawing/2014/main" id="{10FCD571-D0CB-43AD-AD0A-4AEC909F1081}"/>
-              </a:ext>
-            </a:extLst>
-          </p:cNvPr>
-          <p:cNvSpPr txBox="1"/>
-          <p:nvPr/>
-        </p:nvSpPr>
-        <p:spPr>
-          <a:xfrm>
-            <a:off x="9476604" y="2625836"/>
-            <a:ext cx="2715395" cy="1200329"/>
-          </a:xfrm>
-          <a:prstGeom prst="rect">
-            <a:avLst/>
-          </a:prstGeom>
-          <a:noFill/>
-        </p:spPr>
-        <p:txBody>
-          <a:bodyPr wrap="square" rtlCol="0">
-            <a:spAutoFit/>
-          </a:bodyPr>
-          <a:lstStyle/>
-          <a:p>
-            <a:r>
-              <a:rPr lang="en-US" altLang="ko-KR" dirty="0" err="1"/>
-              <a:t>Javax.swing.Timer</a:t>
-            </a:r>
-            <a:endParaRPr lang="en-US" altLang="ko-KR" dirty="0"/>
-          </a:p>
-          <a:p>
-            <a:r>
-              <a:rPr lang="ko-KR" altLang="en-US" dirty="0"/>
-              <a:t>활용하여 일정 간격마다 </a:t>
-            </a:r>
-            <a:r>
-              <a:rPr lang="en-US" altLang="ko-KR" dirty="0"/>
-              <a:t>Apple, Bomb </a:t>
-            </a:r>
-            <a:r>
-              <a:rPr lang="ko-KR" altLang="en-US" dirty="0"/>
-              <a:t>의 </a:t>
-            </a:r>
-            <a:r>
-              <a:rPr lang="en-US" altLang="ko-KR" dirty="0" err="1"/>
-              <a:t>yPos</a:t>
-            </a:r>
-            <a:endParaRPr lang="en-US" altLang="ko-KR" dirty="0"/>
-          </a:p>
-          <a:p>
-            <a:r>
-              <a:rPr lang="ko-KR" altLang="en-US" dirty="0"/>
-              <a:t>증가 시키기</a:t>
-            </a:r>
-            <a:r>
-              <a:rPr lang="en-US" altLang="ko-KR" dirty="0"/>
-              <a:t>.</a:t>
-            </a:r>
-            <a:endParaRPr lang="ko-KR" altLang="en-US" dirty="0"/>
-          </a:p>
-        </p:txBody>
-      </p:sp>
-      <p:sp>
-        <p:nvSpPr>
-          <p:cNvPr id="3" name="화살표: 오른쪽 2">
-            <a:extLst>
-              <a:ext uri="{FF2B5EF4-FFF2-40B4-BE49-F238E27FC236}">
-                <a16:creationId xmlns:a16="http://schemas.microsoft.com/office/drawing/2014/main" id="{B2FE0486-A7C2-48CE-B55A-2C7C5505DC73}"/>
-              </a:ext>
-            </a:extLst>
-          </p:cNvPr>
-          <p:cNvSpPr/>
-          <p:nvPr/>
-        </p:nvSpPr>
-        <p:spPr>
-          <a:xfrm rot="10800000">
-            <a:off x="8866093" y="2785791"/>
-            <a:ext cx="610510" cy="216950"/>
-          </a:xfrm>
-          <a:prstGeom prst="rightArrow">
-            <a:avLst/>
-          </a:prstGeom>
-        </p:spPr>
-        <p:style>
-          <a:lnRef idx="2">
-            <a:schemeClr val="accent1">
-              <a:shade val="50000"/>
-            </a:schemeClr>
-          </a:lnRef>
-          <a:fillRef idx="1">
-            <a:schemeClr val="accent1"/>
-          </a:fillRef>
-          <a:effectRef idx="0">
-            <a:schemeClr val="accent1"/>
-          </a:effectRef>
-          <a:fontRef idx="minor">
-            <a:schemeClr val="lt1"/>
-          </a:fontRef>
-        </p:style>
-        <p:txBody>
-          <a:bodyPr rtlCol="0" anchor="ctr"/>
-          <a:lstStyle/>
-          <a:p>
-            <a:pPr algn="ctr"/>
-            <a:endParaRPr lang="ko-KR" altLang="en-US"/>
-          </a:p>
-        </p:txBody>
-      </p:sp>
-      <p:sp>
-        <p:nvSpPr>
-          <p:cNvPr id="5" name="TextBox 4">
-            <a:extLst>
-              <a:ext uri="{FF2B5EF4-FFF2-40B4-BE49-F238E27FC236}">
-                <a16:creationId xmlns:a16="http://schemas.microsoft.com/office/drawing/2014/main" id="{D06CC49F-F0A7-4D19-86A1-89CFA295E6F1}"/>
-              </a:ext>
-            </a:extLst>
-          </p:cNvPr>
-          <p:cNvSpPr txBox="1"/>
-          <p:nvPr/>
-        </p:nvSpPr>
-        <p:spPr>
-          <a:xfrm>
-            <a:off x="9369939" y="1308847"/>
-            <a:ext cx="2715395" cy="923330"/>
-          </a:xfrm>
-          <a:prstGeom prst="rect">
-            <a:avLst/>
-          </a:prstGeom>
-          <a:noFill/>
-        </p:spPr>
-        <p:txBody>
-          <a:bodyPr wrap="square" rtlCol="0">
-            <a:spAutoFit/>
-          </a:bodyPr>
-          <a:lstStyle/>
-          <a:p>
-            <a:r>
-              <a:rPr lang="en-US" altLang="ko-KR" dirty="0"/>
-              <a:t>Apple</a:t>
-            </a:r>
-            <a:r>
-              <a:rPr lang="ko-KR" altLang="en-US" dirty="0"/>
-              <a:t>과 </a:t>
-            </a:r>
-            <a:r>
-              <a:rPr lang="en-US" altLang="ko-KR" dirty="0"/>
-              <a:t>Bomb</a:t>
-            </a:r>
-            <a:r>
-              <a:rPr lang="ko-KR" altLang="en-US" dirty="0"/>
-              <a:t>은 </a:t>
-            </a:r>
-            <a:endParaRPr lang="en-US" altLang="ko-KR" dirty="0"/>
-          </a:p>
-          <a:p>
-            <a:r>
-              <a:rPr lang="en-US" altLang="ko-KR" dirty="0" err="1"/>
-              <a:t>Math.random</a:t>
-            </a:r>
-            <a:r>
-              <a:rPr lang="en-US" altLang="ko-KR" dirty="0"/>
-              <a:t>()</a:t>
-            </a:r>
-            <a:r>
-              <a:rPr lang="ko-KR" altLang="en-US" dirty="0"/>
-              <a:t>을 활용하여 </a:t>
-            </a:r>
-            <a:r>
-              <a:rPr lang="en-US" altLang="ko-KR" dirty="0" err="1"/>
-              <a:t>xPos</a:t>
-            </a:r>
-            <a:r>
-              <a:rPr lang="ko-KR" altLang="en-US" dirty="0"/>
-              <a:t>를 조정한다</a:t>
-            </a:r>
-            <a:r>
-              <a:rPr lang="en-US" altLang="ko-KR" dirty="0"/>
-              <a:t>.</a:t>
-            </a:r>
-            <a:endParaRPr lang="ko-KR" altLang="en-US" dirty="0"/>
-          </a:p>
-        </p:txBody>
-      </p:sp>
-    </p:spTree>
-    <p:extLst>
-      <p:ext uri="{BB962C8B-B14F-4D97-AF65-F5344CB8AC3E}">
-        <p14:creationId xmlns:p14="http://schemas.microsoft.com/office/powerpoint/2010/main" val="1543507930"/>
-      </p:ext>
-    </p:extLst>
-  </p:cSld>
-  <p:clrMapOvr>
-    <a:masterClrMapping/>
-  </p:clrMapOvr>
-</p:sld>
-</file>
-
-<file path=ppt/slides/slide7.xml><?xml version="1.0" encoding="utf-8"?>
-<p:sld xmlns:a="http://schemas.openxmlformats.org/drawingml/2006/main" xmlns:r="http://schemas.openxmlformats.org/officeDocument/2006/relationships" xmlns:p="http://schemas.openxmlformats.org/presentationml/2006/main">
-  <p:cSld>
-    <p:spTree>
-      <p:nvGrpSpPr>
-        <p:cNvPr id="1" name=""/>
-        <p:cNvGrpSpPr/>
-        <p:nvPr/>
-      </p:nvGrpSpPr>
-      <p:grpSpPr>
-        <a:xfrm>
-          <a:off x="0" y="0"/>
-          <a:ext cx="0" cy="0"/>
-          <a:chOff x="0" y="0"/>
-          <a:chExt cx="0" cy="0"/>
-        </a:xfrm>
-      </p:grpSpPr>
-      <p:sp>
-        <p:nvSpPr>
-          <p:cNvPr id="4" name="직사각형 3">
-            <a:extLst>
-              <a:ext uri="{FF2B5EF4-FFF2-40B4-BE49-F238E27FC236}">
-                <a16:creationId xmlns:a16="http://schemas.microsoft.com/office/drawing/2014/main" id="{CE7C2801-79F6-4D6B-B68F-59D3ACB9842E}"/>
-              </a:ext>
-            </a:extLst>
-          </p:cNvPr>
-          <p:cNvSpPr/>
-          <p:nvPr/>
-        </p:nvSpPr>
-        <p:spPr>
-          <a:xfrm>
-            <a:off x="1412501" y="1479612"/>
-            <a:ext cx="7686675" cy="5019675"/>
-          </a:xfrm>
-          <a:prstGeom prst="rect">
-            <a:avLst/>
-          </a:prstGeom>
-          <a:solidFill>
-            <a:schemeClr val="bg1"/>
-          </a:solidFill>
-          <a:ln w="38100"/>
-        </p:spPr>
-        <p:style>
-          <a:lnRef idx="2">
-            <a:schemeClr val="accent1">
-              <a:shade val="50000"/>
-            </a:schemeClr>
-          </a:lnRef>
-          <a:fillRef idx="1">
-            <a:schemeClr val="accent1"/>
-          </a:fillRef>
-          <a:effectRef idx="0">
-            <a:schemeClr val="accent1"/>
-          </a:effectRef>
-          <a:fontRef idx="minor">
-            <a:schemeClr val="lt1"/>
-          </a:fontRef>
-        </p:style>
-        <p:txBody>
-          <a:bodyPr rtlCol="0" anchor="ctr"/>
-          <a:lstStyle/>
-          <a:p>
-            <a:pPr algn="ctr"/>
-            <a:endParaRPr lang="ko-KR" altLang="en-US" dirty="0"/>
-          </a:p>
-        </p:txBody>
-      </p:sp>
-      <p:sp>
-        <p:nvSpPr>
-          <p:cNvPr id="10" name="TextBox 9">
-            <a:extLst>
-              <a:ext uri="{FF2B5EF4-FFF2-40B4-BE49-F238E27FC236}">
-                <a16:creationId xmlns:a16="http://schemas.microsoft.com/office/drawing/2014/main" id="{5324D91B-928F-4313-8383-F9D22C244291}"/>
-              </a:ext>
-            </a:extLst>
-          </p:cNvPr>
-          <p:cNvSpPr txBox="1"/>
-          <p:nvPr/>
-        </p:nvSpPr>
-        <p:spPr>
-          <a:xfrm>
-            <a:off x="2337546" y="2416035"/>
-            <a:ext cx="2985247" cy="1200329"/>
-          </a:xfrm>
-          <a:prstGeom prst="rect">
-            <a:avLst/>
-          </a:prstGeom>
-          <a:noFill/>
-        </p:spPr>
-        <p:txBody>
-          <a:bodyPr wrap="square" rtlCol="0">
-            <a:spAutoFit/>
-          </a:bodyPr>
-          <a:lstStyle/>
-          <a:p>
-            <a:r>
-              <a:rPr lang="en-US" altLang="ko-KR" dirty="0"/>
-              <a:t>Apple</a:t>
-            </a:r>
-            <a:br>
-              <a:rPr lang="en-US" altLang="ko-KR" dirty="0"/>
-            </a:br>
-            <a:r>
-              <a:rPr lang="en-US" altLang="ko-KR" dirty="0"/>
-              <a:t>(Random)</a:t>
-            </a:r>
-            <a:r>
-              <a:rPr lang="en-US" altLang="ko-KR" dirty="0" err="1"/>
-              <a:t>xPos</a:t>
-            </a:r>
-            <a:r>
-              <a:rPr lang="en-US" altLang="ko-KR" dirty="0"/>
-              <a:t> ,(Fixed) </a:t>
-            </a:r>
-            <a:r>
-              <a:rPr lang="en-US" altLang="ko-KR" dirty="0" err="1"/>
-              <a:t>yPos</a:t>
-            </a:r>
-            <a:r>
-              <a:rPr lang="en-US" altLang="ko-KR" dirty="0"/>
-              <a:t> , Speed</a:t>
-            </a:r>
-            <a:br>
-              <a:rPr lang="en-US" altLang="ko-KR" dirty="0"/>
-            </a:br>
-            <a:r>
-              <a:rPr lang="en-US" altLang="ko-KR" dirty="0"/>
-              <a:t>meet Player  Score = +3</a:t>
-            </a:r>
-            <a:endParaRPr lang="ko-KR" altLang="en-US" dirty="0"/>
-          </a:p>
-        </p:txBody>
-      </p:sp>
-      <p:cxnSp>
-        <p:nvCxnSpPr>
-          <p:cNvPr id="14" name="직선 연결선 13">
-            <a:extLst>
-              <a:ext uri="{FF2B5EF4-FFF2-40B4-BE49-F238E27FC236}">
-                <a16:creationId xmlns:a16="http://schemas.microsoft.com/office/drawing/2014/main" id="{EF0F6A29-9AC2-450A-A587-EBBE81C3305C}"/>
-              </a:ext>
-            </a:extLst>
-          </p:cNvPr>
-          <p:cNvCxnSpPr/>
-          <p:nvPr/>
-        </p:nvCxnSpPr>
-        <p:spPr>
-          <a:xfrm>
-            <a:off x="1416424" y="2241176"/>
-            <a:ext cx="7682752" cy="0"/>
-          </a:xfrm>
-          <a:prstGeom prst="line">
-            <a:avLst/>
-          </a:prstGeom>
-        </p:spPr>
-        <p:style>
-          <a:lnRef idx="1">
-            <a:schemeClr val="dk1"/>
-          </a:lnRef>
-          <a:fillRef idx="0">
-            <a:schemeClr val="dk1"/>
-          </a:fillRef>
-          <a:effectRef idx="0">
-            <a:schemeClr val="dk1"/>
-          </a:effectRef>
-          <a:fontRef idx="minor">
-            <a:schemeClr val="tx1"/>
-          </a:fontRef>
-        </p:style>
-      </p:cxnSp>
-      <p:pic>
-        <p:nvPicPr>
-          <p:cNvPr id="22" name="그림 21" descr="클립아트이(가) 표시된 사진&#10;&#10;자동 생성된 설명">
-            <a:extLst>
-              <a:ext uri="{FF2B5EF4-FFF2-40B4-BE49-F238E27FC236}">
-                <a16:creationId xmlns:a16="http://schemas.microsoft.com/office/drawing/2014/main" id="{26F1A410-0839-412B-84D3-EF8CD8C9702C}"/>
-              </a:ext>
-            </a:extLst>
-          </p:cNvPr>
-          <p:cNvPicPr>
-            <a:picLocks noChangeAspect="1"/>
-          </p:cNvPicPr>
-          <p:nvPr/>
-        </p:nvPicPr>
-        <p:blipFill rotWithShape="1">
-          <a:blip r:embed="rId2">
-            <a:extLst>
-              <a:ext uri="{28A0092B-C50C-407E-A947-70E740481C1C}">
-                <a14:useLocalDpi xmlns:a14="http://schemas.microsoft.com/office/drawing/2010/main" val="0"/>
-              </a:ext>
-            </a:extLst>
-          </a:blip>
-          <a:srcRect l="35360" t="23133" r="33113" b="15744"/>
-          <a:stretch/>
-        </p:blipFill>
-        <p:spPr>
-          <a:xfrm>
-            <a:off x="1515035" y="2298622"/>
-            <a:ext cx="798979" cy="822506"/>
-          </a:xfrm>
-          <a:prstGeom prst="rect">
-            <a:avLst/>
-          </a:prstGeom>
-        </p:spPr>
-      </p:pic>
-      <p:pic>
-        <p:nvPicPr>
-          <p:cNvPr id="24" name="그림 23">
-            <a:extLst>
-              <a:ext uri="{FF2B5EF4-FFF2-40B4-BE49-F238E27FC236}">
-                <a16:creationId xmlns:a16="http://schemas.microsoft.com/office/drawing/2014/main" id="{47B887C6-2F5E-438D-8426-E8238CB1E5EC}"/>
-              </a:ext>
-            </a:extLst>
-          </p:cNvPr>
-          <p:cNvPicPr>
-            <a:picLocks noChangeAspect="1"/>
-          </p:cNvPicPr>
-          <p:nvPr/>
-        </p:nvPicPr>
-        <p:blipFill>
-          <a:blip r:embed="rId3">
-            <a:extLst>
-              <a:ext uri="{28A0092B-C50C-407E-A947-70E740481C1C}">
-                <a14:useLocalDpi xmlns:a14="http://schemas.microsoft.com/office/drawing/2010/main" val="0"/>
-              </a:ext>
-            </a:extLst>
-          </a:blip>
-          <a:stretch>
-            <a:fillRect/>
-          </a:stretch>
-        </p:blipFill>
-        <p:spPr>
-          <a:xfrm>
-            <a:off x="5807308" y="2497099"/>
-            <a:ext cx="577384" cy="577384"/>
-          </a:xfrm>
-          <a:prstGeom prst="rect">
-            <a:avLst/>
-          </a:prstGeom>
-        </p:spPr>
-      </p:pic>
-      <p:sp>
-        <p:nvSpPr>
-          <p:cNvPr id="15" name="TextBox 14">
-            <a:extLst>
-              <a:ext uri="{FF2B5EF4-FFF2-40B4-BE49-F238E27FC236}">
-                <a16:creationId xmlns:a16="http://schemas.microsoft.com/office/drawing/2014/main" id="{A424CCE9-8778-42E5-A7A9-0685E549DDD8}"/>
-              </a:ext>
-            </a:extLst>
-          </p:cNvPr>
-          <p:cNvSpPr txBox="1"/>
-          <p:nvPr/>
-        </p:nvSpPr>
-        <p:spPr>
-          <a:xfrm>
-            <a:off x="1416424" y="396813"/>
-            <a:ext cx="6238875" cy="584775"/>
-          </a:xfrm>
-          <a:prstGeom prst="rect">
-            <a:avLst/>
-          </a:prstGeom>
-          <a:noFill/>
-        </p:spPr>
-        <p:txBody>
-          <a:bodyPr wrap="square" rtlCol="0">
-            <a:spAutoFit/>
-          </a:bodyPr>
-          <a:lstStyle/>
-          <a:p>
-            <a:r>
-              <a:rPr lang="en-US" altLang="ko-KR" sz="3200" dirty="0"/>
-              <a:t>Step4. +- Score</a:t>
-            </a:r>
-            <a:endParaRPr lang="ko-KR" altLang="en-US" sz="3200" dirty="0"/>
-          </a:p>
-        </p:txBody>
-      </p:sp>
-      <p:sp>
-        <p:nvSpPr>
-          <p:cNvPr id="16" name="TextBox 15">
-            <a:extLst>
-              <a:ext uri="{FF2B5EF4-FFF2-40B4-BE49-F238E27FC236}">
-                <a16:creationId xmlns:a16="http://schemas.microsoft.com/office/drawing/2014/main" id="{777CBE58-4E87-41D5-A1C9-C9D937339D1D}"/>
-              </a:ext>
-            </a:extLst>
-          </p:cNvPr>
-          <p:cNvSpPr txBox="1"/>
-          <p:nvPr/>
-        </p:nvSpPr>
-        <p:spPr>
-          <a:xfrm>
-            <a:off x="6384692" y="2410437"/>
-            <a:ext cx="2985247" cy="1200329"/>
-          </a:xfrm>
-          <a:prstGeom prst="rect">
-            <a:avLst/>
-          </a:prstGeom>
-          <a:noFill/>
-        </p:spPr>
-        <p:txBody>
-          <a:bodyPr wrap="square" rtlCol="0">
-            <a:spAutoFit/>
-          </a:bodyPr>
-          <a:lstStyle/>
-          <a:p>
-            <a:r>
-              <a:rPr lang="en-US" altLang="ko-KR" dirty="0"/>
-              <a:t>Bomb</a:t>
-            </a:r>
-            <a:br>
-              <a:rPr lang="en-US" altLang="ko-KR" dirty="0"/>
-            </a:br>
-            <a:r>
-              <a:rPr lang="en-US" altLang="ko-KR" dirty="0"/>
-              <a:t>(Random)</a:t>
-            </a:r>
-            <a:r>
-              <a:rPr lang="en-US" altLang="ko-KR" dirty="0" err="1"/>
-              <a:t>xPos</a:t>
-            </a:r>
-            <a:r>
-              <a:rPr lang="en-US" altLang="ko-KR" dirty="0"/>
-              <a:t> ,(Fixed) </a:t>
-            </a:r>
-            <a:r>
-              <a:rPr lang="en-US" altLang="ko-KR" dirty="0" err="1"/>
-              <a:t>yPos</a:t>
-            </a:r>
-            <a:r>
-              <a:rPr lang="en-US" altLang="ko-KR" dirty="0"/>
-              <a:t> , Speed</a:t>
-            </a:r>
-            <a:br>
-              <a:rPr lang="en-US" altLang="ko-KR" dirty="0"/>
-            </a:br>
-            <a:r>
-              <a:rPr lang="en-US" altLang="ko-KR" dirty="0"/>
-              <a:t>meet Player  Score = -5</a:t>
-            </a:r>
-            <a:endParaRPr lang="ko-KR" altLang="en-US" dirty="0"/>
-          </a:p>
-        </p:txBody>
-      </p:sp>
-      <p:sp>
-        <p:nvSpPr>
-          <p:cNvPr id="21" name="TextBox 20">
-            <a:extLst>
-              <a:ext uri="{FF2B5EF4-FFF2-40B4-BE49-F238E27FC236}">
-                <a16:creationId xmlns:a16="http://schemas.microsoft.com/office/drawing/2014/main" id="{A5DDEFD7-3E5F-4879-940E-A906959FA86C}"/>
-              </a:ext>
-            </a:extLst>
-          </p:cNvPr>
-          <p:cNvSpPr txBox="1"/>
-          <p:nvPr/>
-        </p:nvSpPr>
-        <p:spPr>
-          <a:xfrm>
-            <a:off x="5603487" y="5143015"/>
-            <a:ext cx="3451412" cy="1200329"/>
-          </a:xfrm>
-          <a:prstGeom prst="rect">
-            <a:avLst/>
-          </a:prstGeom>
-          <a:noFill/>
-        </p:spPr>
-        <p:txBody>
-          <a:bodyPr wrap="square" rtlCol="0">
-            <a:spAutoFit/>
-          </a:bodyPr>
-          <a:lstStyle/>
-          <a:p>
-            <a:r>
-              <a:rPr lang="en-US" altLang="ko-KR" dirty="0"/>
-              <a:t>Player</a:t>
-            </a:r>
-            <a:br>
-              <a:rPr lang="en-US" altLang="ko-KR" dirty="0"/>
-            </a:br>
-            <a:r>
-              <a:rPr lang="en-US" altLang="ko-KR" dirty="0"/>
-              <a:t>(moving) </a:t>
-            </a:r>
-            <a:r>
-              <a:rPr lang="en-US" altLang="ko-KR" dirty="0" err="1"/>
-              <a:t>xPos</a:t>
-            </a:r>
-            <a:r>
-              <a:rPr lang="en-US" altLang="ko-KR" dirty="0"/>
-              <a:t> , Fixed </a:t>
-            </a:r>
-            <a:r>
-              <a:rPr lang="en-US" altLang="ko-KR" dirty="0" err="1"/>
-              <a:t>yPos</a:t>
-            </a:r>
-            <a:r>
-              <a:rPr lang="en-US" altLang="ko-KR" dirty="0"/>
-              <a:t> , Speed</a:t>
-            </a:r>
-          </a:p>
-          <a:p>
-            <a:r>
-              <a:rPr lang="en-US" altLang="ko-KR" dirty="0"/>
-              <a:t>Start score =10</a:t>
-            </a:r>
-            <a:endParaRPr lang="ko-KR" altLang="en-US" dirty="0"/>
-          </a:p>
-        </p:txBody>
-      </p:sp>
-      <p:sp>
-        <p:nvSpPr>
-          <p:cNvPr id="2" name="직사각형 1">
-            <a:extLst>
-              <a:ext uri="{FF2B5EF4-FFF2-40B4-BE49-F238E27FC236}">
-                <a16:creationId xmlns:a16="http://schemas.microsoft.com/office/drawing/2014/main" id="{8265E099-B703-401D-ABF0-53ACD2FA3D80}"/>
-              </a:ext>
-            </a:extLst>
-          </p:cNvPr>
-          <p:cNvSpPr/>
-          <p:nvPr/>
-        </p:nvSpPr>
-        <p:spPr>
-          <a:xfrm>
-            <a:off x="1515035" y="1561201"/>
-            <a:ext cx="1351990" cy="554941"/>
-          </a:xfrm>
-          <a:prstGeom prst="rect">
-            <a:avLst/>
-          </a:prstGeom>
-          <a:solidFill>
-            <a:schemeClr val="bg1"/>
-          </a:solidFill>
-        </p:spPr>
-        <p:style>
-          <a:lnRef idx="2">
-            <a:schemeClr val="accent1">
-              <a:shade val="50000"/>
-            </a:schemeClr>
-          </a:lnRef>
-          <a:fillRef idx="1">
-            <a:schemeClr val="accent1"/>
-          </a:fillRef>
-          <a:effectRef idx="0">
-            <a:schemeClr val="accent1"/>
-          </a:effectRef>
-          <a:fontRef idx="minor">
-            <a:schemeClr val="lt1"/>
-          </a:fontRef>
-        </p:style>
-        <p:txBody>
-          <a:bodyPr rtlCol="0" anchor="ctr"/>
-          <a:lstStyle/>
-          <a:p>
-            <a:pPr algn="ctr"/>
-            <a:r>
-              <a:rPr lang="ko-KR" altLang="en-US" dirty="0" err="1">
-                <a:solidFill>
-                  <a:schemeClr val="tx1">
-                    <a:lumMod val="75000"/>
-                    <a:lumOff val="25000"/>
-                  </a:schemeClr>
-                </a:solidFill>
-              </a:rPr>
-              <a:t>점수판</a:t>
-            </a:r>
-            <a:endParaRPr lang="ko-KR" altLang="en-US" dirty="0">
-              <a:solidFill>
-                <a:schemeClr val="tx1">
-                  <a:lumMod val="75000"/>
-                  <a:lumOff val="25000"/>
-                </a:schemeClr>
-              </a:solidFill>
-            </a:endParaRPr>
-          </a:p>
-        </p:txBody>
-      </p:sp>
-      <p:sp>
-        <p:nvSpPr>
-          <p:cNvPr id="3" name="TextBox 2">
-            <a:extLst>
-              <a:ext uri="{FF2B5EF4-FFF2-40B4-BE49-F238E27FC236}">
-                <a16:creationId xmlns:a16="http://schemas.microsoft.com/office/drawing/2014/main" id="{D3722ABC-CADD-4813-A6A5-B35FEC2197E0}"/>
-              </a:ext>
-            </a:extLst>
-          </p:cNvPr>
-          <p:cNvSpPr txBox="1"/>
-          <p:nvPr/>
-        </p:nvSpPr>
-        <p:spPr>
-          <a:xfrm>
-            <a:off x="3000374" y="1479612"/>
-            <a:ext cx="3451412" cy="646331"/>
-          </a:xfrm>
-          <a:prstGeom prst="rect">
-            <a:avLst/>
-          </a:prstGeom>
-          <a:noFill/>
-        </p:spPr>
-        <p:txBody>
-          <a:bodyPr wrap="square" rtlCol="0">
-            <a:spAutoFit/>
-          </a:bodyPr>
-          <a:lstStyle/>
-          <a:p>
-            <a:r>
-              <a:rPr lang="en-US" altLang="ko-KR" dirty="0"/>
-              <a:t>Score Board</a:t>
-            </a:r>
-            <a:br>
-              <a:rPr lang="en-US" altLang="ko-KR" dirty="0"/>
-            </a:br>
-            <a:r>
-              <a:rPr lang="en-US" altLang="ko-KR" dirty="0"/>
-              <a:t>when Score &lt; 0 , </a:t>
-            </a:r>
-            <a:r>
-              <a:rPr lang="en-US" altLang="ko-KR" dirty="0" err="1"/>
-              <a:t>GameOver</a:t>
-            </a:r>
-            <a:endParaRPr lang="ko-KR" altLang="en-US" dirty="0"/>
-          </a:p>
-        </p:txBody>
-      </p:sp>
-      <p:sp>
-        <p:nvSpPr>
-          <p:cNvPr id="17" name="TextBox 16">
-            <a:extLst>
-              <a:ext uri="{FF2B5EF4-FFF2-40B4-BE49-F238E27FC236}">
-                <a16:creationId xmlns:a16="http://schemas.microsoft.com/office/drawing/2014/main" id="{E631C16B-3EC8-4632-8D82-5D8D1CA54CC8}"/>
-              </a:ext>
-            </a:extLst>
-          </p:cNvPr>
-          <p:cNvSpPr txBox="1"/>
-          <p:nvPr/>
-        </p:nvSpPr>
-        <p:spPr>
-          <a:xfrm>
-            <a:off x="9179859" y="2782669"/>
-            <a:ext cx="2716866" cy="923330"/>
-          </a:xfrm>
-          <a:prstGeom prst="rect">
-            <a:avLst/>
-          </a:prstGeom>
-          <a:noFill/>
-        </p:spPr>
-        <p:txBody>
-          <a:bodyPr wrap="square" rtlCol="0">
-            <a:spAutoFit/>
-          </a:bodyPr>
-          <a:lstStyle/>
-          <a:p>
-            <a:r>
-              <a:rPr lang="en-US" altLang="ko-KR" dirty="0"/>
-              <a:t>Make Board Structure</a:t>
-            </a:r>
-            <a:br>
-              <a:rPr lang="en-US" altLang="ko-KR" dirty="0"/>
-            </a:br>
-            <a:r>
-              <a:rPr lang="en-US" altLang="ko-KR" dirty="0"/>
-              <a:t>Player</a:t>
-            </a:r>
-            <a:r>
-              <a:rPr lang="ko-KR" altLang="en-US" dirty="0"/>
-              <a:t>의 </a:t>
-            </a:r>
-            <a:r>
-              <a:rPr lang="en-US" altLang="ko-KR" dirty="0"/>
-              <a:t>Board </a:t>
-            </a:r>
-            <a:r>
-              <a:rPr lang="ko-KR" altLang="en-US" dirty="0"/>
-              <a:t>내의 </a:t>
-            </a:r>
-            <a:endParaRPr lang="en-US" altLang="ko-KR" dirty="0"/>
-          </a:p>
-          <a:p>
-            <a:r>
-              <a:rPr lang="ko-KR" altLang="en-US" dirty="0"/>
-              <a:t>이동 범위 설정</a:t>
-            </a:r>
-            <a:endParaRPr lang="en-US" altLang="ko-KR" dirty="0"/>
-          </a:p>
-        </p:txBody>
-      </p:sp>
-      <p:pic>
-        <p:nvPicPr>
-          <p:cNvPr id="18" name="그림 17">
-            <a:extLst>
-              <a:ext uri="{FF2B5EF4-FFF2-40B4-BE49-F238E27FC236}">
-                <a16:creationId xmlns:a16="http://schemas.microsoft.com/office/drawing/2014/main" id="{DBD6E9F7-DC27-4D64-8D7D-E4BE9F13EE78}"/>
-              </a:ext>
-            </a:extLst>
-          </p:cNvPr>
-          <p:cNvPicPr>
-            <a:picLocks noChangeAspect="1"/>
-          </p:cNvPicPr>
-          <p:nvPr/>
-        </p:nvPicPr>
-        <p:blipFill>
-          <a:blip r:embed="rId4">
-            <a:extLst>
-              <a:ext uri="{28A0092B-C50C-407E-A947-70E740481C1C}">
-                <a14:useLocalDpi xmlns:a14="http://schemas.microsoft.com/office/drawing/2010/main" val="0"/>
-              </a:ext>
-            </a:extLst>
-          </a:blip>
-          <a:stretch>
-            <a:fillRect/>
-          </a:stretch>
-        </p:blipFill>
-        <p:spPr>
-          <a:xfrm>
-            <a:off x="4706455" y="5254505"/>
-            <a:ext cx="816349" cy="849003"/>
-          </a:xfrm>
-          <a:prstGeom prst="rect">
-            <a:avLst/>
-          </a:prstGeom>
-        </p:spPr>
-      </p:pic>
-      <p:sp>
-        <p:nvSpPr>
-          <p:cNvPr id="5" name="TextBox 4">
-            <a:extLst>
-              <a:ext uri="{FF2B5EF4-FFF2-40B4-BE49-F238E27FC236}">
-                <a16:creationId xmlns:a16="http://schemas.microsoft.com/office/drawing/2014/main" id="{1E3C4A79-E232-4B46-8139-403BFC055E0A}"/>
-              </a:ext>
-            </a:extLst>
-          </p:cNvPr>
-          <p:cNvSpPr txBox="1"/>
-          <p:nvPr/>
-        </p:nvSpPr>
-        <p:spPr>
-          <a:xfrm>
-            <a:off x="2494988" y="1040718"/>
-            <a:ext cx="2827805" cy="369332"/>
-          </a:xfrm>
-          <a:prstGeom prst="rect">
-            <a:avLst/>
-          </a:prstGeom>
-          <a:noFill/>
-        </p:spPr>
-        <p:txBody>
-          <a:bodyPr wrap="square" rtlCol="0">
-            <a:spAutoFit/>
-          </a:bodyPr>
-          <a:lstStyle/>
-          <a:p>
-            <a:r>
-              <a:rPr lang="en-US" altLang="ko-KR" dirty="0" err="1"/>
-              <a:t>Jlabel</a:t>
-            </a:r>
-            <a:r>
-              <a:rPr lang="en-US" altLang="ko-KR" dirty="0"/>
-              <a:t> </a:t>
-            </a:r>
-            <a:r>
-              <a:rPr lang="ko-KR" altLang="en-US" dirty="0"/>
-              <a:t>활용할 것</a:t>
-            </a:r>
-          </a:p>
-        </p:txBody>
-      </p:sp>
-      <p:sp>
-        <p:nvSpPr>
-          <p:cNvPr id="6" name="화살표: 아래쪽 5">
-            <a:extLst>
-              <a:ext uri="{FF2B5EF4-FFF2-40B4-BE49-F238E27FC236}">
-                <a16:creationId xmlns:a16="http://schemas.microsoft.com/office/drawing/2014/main" id="{B4451E1F-1D11-453C-8B4A-E8BEA0FC4D5E}"/>
-              </a:ext>
-            </a:extLst>
-          </p:cNvPr>
-          <p:cNvSpPr/>
-          <p:nvPr/>
-        </p:nvSpPr>
-        <p:spPr>
-          <a:xfrm rot="2521956">
-            <a:off x="2420063" y="1344228"/>
-            <a:ext cx="326201" cy="442100"/>
-          </a:xfrm>
-          <a:prstGeom prst="downArrow">
-            <a:avLst/>
-          </a:prstGeom>
-        </p:spPr>
-        <p:style>
-          <a:lnRef idx="2">
-            <a:schemeClr val="accent1">
-              <a:shade val="50000"/>
-            </a:schemeClr>
-          </a:lnRef>
-          <a:fillRef idx="1">
-            <a:schemeClr val="accent1"/>
-          </a:fillRef>
-          <a:effectRef idx="0">
-            <a:schemeClr val="accent1"/>
-          </a:effectRef>
-          <a:fontRef idx="minor">
-            <a:schemeClr val="lt1"/>
-          </a:fontRef>
-        </p:style>
-        <p:txBody>
-          <a:bodyPr rtlCol="0" anchor="ctr"/>
-          <a:lstStyle/>
-          <a:p>
-            <a:pPr algn="ctr"/>
-            <a:endParaRPr lang="ko-KR" altLang="en-US"/>
-          </a:p>
-        </p:txBody>
-      </p:sp>
-    </p:spTree>
-    <p:extLst>
-      <p:ext uri="{BB962C8B-B14F-4D97-AF65-F5344CB8AC3E}">
-        <p14:creationId xmlns:p14="http://schemas.microsoft.com/office/powerpoint/2010/main" val="4231633184"/>
-      </p:ext>
-    </p:extLst>
-  </p:cSld>
-  <p:clrMapOvr>
-    <a:masterClrMapping/>
-  </p:clrMapOvr>
-</p:sld>
-</file>
-
-<file path=ppt/slides/slide8.xml><?xml version="1.0" encoding="utf-8"?>
-<p:sld xmlns:a="http://schemas.openxmlformats.org/drawingml/2006/main" xmlns:r="http://schemas.openxmlformats.org/officeDocument/2006/relationships" xmlns:p="http://schemas.openxmlformats.org/presentationml/2006/main">
-  <p:cSld>
-    <p:spTree>
-      <p:nvGrpSpPr>
-        <p:cNvPr id="1" name=""/>
-        <p:cNvGrpSpPr/>
-        <p:nvPr/>
-      </p:nvGrpSpPr>
-      <p:grpSpPr>
-        <a:xfrm>
-          <a:off x="0" y="0"/>
-          <a:ext cx="0" cy="0"/>
-          <a:chOff x="0" y="0"/>
-          <a:chExt cx="0" cy="0"/>
-        </a:xfrm>
-      </p:grpSpPr>
-      <p:sp>
-        <p:nvSpPr>
-          <p:cNvPr id="4" name="직사각형 3">
-            <a:extLst>
-              <a:ext uri="{FF2B5EF4-FFF2-40B4-BE49-F238E27FC236}">
-                <a16:creationId xmlns:a16="http://schemas.microsoft.com/office/drawing/2014/main" id="{CE7C2801-79F6-4D6B-B68F-59D3ACB9842E}"/>
-              </a:ext>
-            </a:extLst>
-          </p:cNvPr>
-          <p:cNvSpPr/>
-          <p:nvPr/>
-        </p:nvSpPr>
-        <p:spPr>
-          <a:xfrm>
-            <a:off x="1412501" y="1479612"/>
-            <a:ext cx="7686675" cy="5019675"/>
-          </a:xfrm>
-          <a:prstGeom prst="rect">
-            <a:avLst/>
-          </a:prstGeom>
-          <a:solidFill>
-            <a:schemeClr val="bg1"/>
-          </a:solidFill>
-          <a:ln w="38100"/>
-        </p:spPr>
-        <p:style>
-          <a:lnRef idx="2">
-            <a:schemeClr val="accent1">
-              <a:shade val="50000"/>
-            </a:schemeClr>
-          </a:lnRef>
-          <a:fillRef idx="1">
-            <a:schemeClr val="accent1"/>
-          </a:fillRef>
-          <a:effectRef idx="0">
-            <a:schemeClr val="accent1"/>
-          </a:effectRef>
-          <a:fontRef idx="minor">
-            <a:schemeClr val="lt1"/>
-          </a:fontRef>
-        </p:style>
-        <p:txBody>
-          <a:bodyPr rtlCol="0" anchor="ctr"/>
-          <a:lstStyle/>
-          <a:p>
-            <a:pPr algn="ctr"/>
-            <a:endParaRPr lang="ko-KR" altLang="en-US" dirty="0"/>
-          </a:p>
-        </p:txBody>
-      </p:sp>
-      <p:sp>
-        <p:nvSpPr>
-          <p:cNvPr id="10" name="TextBox 9">
-            <a:extLst>
-              <a:ext uri="{FF2B5EF4-FFF2-40B4-BE49-F238E27FC236}">
-                <a16:creationId xmlns:a16="http://schemas.microsoft.com/office/drawing/2014/main" id="{5324D91B-928F-4313-8383-F9D22C244291}"/>
-              </a:ext>
-            </a:extLst>
-          </p:cNvPr>
-          <p:cNvSpPr txBox="1"/>
-          <p:nvPr/>
-        </p:nvSpPr>
-        <p:spPr>
-          <a:xfrm>
-            <a:off x="2337545" y="2410437"/>
-            <a:ext cx="2985247" cy="1200329"/>
-          </a:xfrm>
-          <a:prstGeom prst="rect">
-            <a:avLst/>
-          </a:prstGeom>
-          <a:noFill/>
-        </p:spPr>
-        <p:txBody>
-          <a:bodyPr wrap="square" rtlCol="0">
-            <a:spAutoFit/>
-          </a:bodyPr>
-          <a:lstStyle/>
-          <a:p>
-            <a:r>
-              <a:rPr lang="en-US" altLang="ko-KR" dirty="0"/>
-              <a:t>Apple</a:t>
-            </a:r>
-            <a:br>
-              <a:rPr lang="en-US" altLang="ko-KR" dirty="0"/>
-            </a:br>
-            <a:r>
-              <a:rPr lang="en-US" altLang="ko-KR" dirty="0"/>
-              <a:t>(Random)</a:t>
-            </a:r>
-            <a:r>
-              <a:rPr lang="en-US" altLang="ko-KR" dirty="0" err="1"/>
-              <a:t>xPos</a:t>
-            </a:r>
-            <a:r>
-              <a:rPr lang="en-US" altLang="ko-KR" dirty="0"/>
-              <a:t> ,(Fixed) </a:t>
-            </a:r>
-            <a:r>
-              <a:rPr lang="en-US" altLang="ko-KR" dirty="0" err="1"/>
-              <a:t>yPos</a:t>
-            </a:r>
-            <a:r>
-              <a:rPr lang="en-US" altLang="ko-KR" dirty="0"/>
-              <a:t> , Speed</a:t>
-            </a:r>
-            <a:br>
-              <a:rPr lang="en-US" altLang="ko-KR" dirty="0"/>
-            </a:br>
-            <a:r>
-              <a:rPr lang="en-US" altLang="ko-KR" dirty="0"/>
-              <a:t>meet Player  Score = +3</a:t>
-            </a:r>
-            <a:endParaRPr lang="ko-KR" altLang="en-US" dirty="0"/>
-          </a:p>
-        </p:txBody>
-      </p:sp>
-      <p:cxnSp>
-        <p:nvCxnSpPr>
-          <p:cNvPr id="14" name="직선 연결선 13">
-            <a:extLst>
-              <a:ext uri="{FF2B5EF4-FFF2-40B4-BE49-F238E27FC236}">
-                <a16:creationId xmlns:a16="http://schemas.microsoft.com/office/drawing/2014/main" id="{EF0F6A29-9AC2-450A-A587-EBBE81C3305C}"/>
-              </a:ext>
-            </a:extLst>
-          </p:cNvPr>
-          <p:cNvCxnSpPr/>
-          <p:nvPr/>
-        </p:nvCxnSpPr>
-        <p:spPr>
-          <a:xfrm>
-            <a:off x="1416424" y="2241176"/>
-            <a:ext cx="7682752" cy="0"/>
-          </a:xfrm>
-          <a:prstGeom prst="line">
-            <a:avLst/>
-          </a:prstGeom>
-        </p:spPr>
-        <p:style>
-          <a:lnRef idx="1">
-            <a:schemeClr val="dk1"/>
-          </a:lnRef>
-          <a:fillRef idx="0">
-            <a:schemeClr val="dk1"/>
-          </a:fillRef>
-          <a:effectRef idx="0">
-            <a:schemeClr val="dk1"/>
-          </a:effectRef>
-          <a:fontRef idx="minor">
-            <a:schemeClr val="tx1"/>
-          </a:fontRef>
-        </p:style>
-      </p:cxnSp>
-      <p:pic>
-        <p:nvPicPr>
-          <p:cNvPr id="22" name="그림 21" descr="클립아트이(가) 표시된 사진&#10;&#10;자동 생성된 설명">
-            <a:extLst>
-              <a:ext uri="{FF2B5EF4-FFF2-40B4-BE49-F238E27FC236}">
-                <a16:creationId xmlns:a16="http://schemas.microsoft.com/office/drawing/2014/main" id="{26F1A410-0839-412B-84D3-EF8CD8C9702C}"/>
-              </a:ext>
-            </a:extLst>
-          </p:cNvPr>
-          <p:cNvPicPr>
-            <a:picLocks noChangeAspect="1"/>
-          </p:cNvPicPr>
-          <p:nvPr/>
-        </p:nvPicPr>
-        <p:blipFill rotWithShape="1">
-          <a:blip r:embed="rId2">
-            <a:extLst>
-              <a:ext uri="{28A0092B-C50C-407E-A947-70E740481C1C}">
-                <a14:useLocalDpi xmlns:a14="http://schemas.microsoft.com/office/drawing/2010/main" val="0"/>
-              </a:ext>
-            </a:extLst>
-          </a:blip>
-          <a:srcRect l="35360" t="23133" r="33113" b="15744"/>
-          <a:stretch/>
-        </p:blipFill>
-        <p:spPr>
-          <a:xfrm>
-            <a:off x="1515035" y="2298622"/>
-            <a:ext cx="798979" cy="822506"/>
-          </a:xfrm>
-          <a:prstGeom prst="rect">
-            <a:avLst/>
-          </a:prstGeom>
-        </p:spPr>
-      </p:pic>
-      <p:pic>
-        <p:nvPicPr>
-          <p:cNvPr id="24" name="그림 23">
-            <a:extLst>
-              <a:ext uri="{FF2B5EF4-FFF2-40B4-BE49-F238E27FC236}">
-                <a16:creationId xmlns:a16="http://schemas.microsoft.com/office/drawing/2014/main" id="{47B887C6-2F5E-438D-8426-E8238CB1E5EC}"/>
-              </a:ext>
-            </a:extLst>
-          </p:cNvPr>
-          <p:cNvPicPr>
-            <a:picLocks noChangeAspect="1"/>
-          </p:cNvPicPr>
-          <p:nvPr/>
-        </p:nvPicPr>
-        <p:blipFill>
-          <a:blip r:embed="rId3">
-            <a:extLst>
-              <a:ext uri="{28A0092B-C50C-407E-A947-70E740481C1C}">
-                <a14:useLocalDpi xmlns:a14="http://schemas.microsoft.com/office/drawing/2010/main" val="0"/>
-              </a:ext>
-            </a:extLst>
-          </a:blip>
-          <a:stretch>
-            <a:fillRect/>
-          </a:stretch>
-        </p:blipFill>
-        <p:spPr>
-          <a:xfrm>
-            <a:off x="5807308" y="2497099"/>
-            <a:ext cx="577384" cy="577384"/>
-          </a:xfrm>
-          <a:prstGeom prst="rect">
-            <a:avLst/>
-          </a:prstGeom>
-        </p:spPr>
-      </p:pic>
-      <p:sp>
-        <p:nvSpPr>
-          <p:cNvPr id="15" name="TextBox 14">
-            <a:extLst>
-              <a:ext uri="{FF2B5EF4-FFF2-40B4-BE49-F238E27FC236}">
-                <a16:creationId xmlns:a16="http://schemas.microsoft.com/office/drawing/2014/main" id="{A424CCE9-8778-42E5-A7A9-0685E549DDD8}"/>
-              </a:ext>
-            </a:extLst>
-          </p:cNvPr>
-          <p:cNvSpPr txBox="1"/>
-          <p:nvPr/>
-        </p:nvSpPr>
-        <p:spPr>
-          <a:xfrm>
-            <a:off x="1412501" y="438236"/>
-            <a:ext cx="6238875" cy="584775"/>
-          </a:xfrm>
-          <a:prstGeom prst="rect">
-            <a:avLst/>
-          </a:prstGeom>
-          <a:noFill/>
-        </p:spPr>
-        <p:txBody>
-          <a:bodyPr wrap="square" rtlCol="0">
-            <a:spAutoFit/>
-          </a:bodyPr>
-          <a:lstStyle/>
-          <a:p>
-            <a:r>
-              <a:rPr lang="en-US" altLang="ko-KR" sz="3200" dirty="0"/>
-              <a:t>Step5. Start Button</a:t>
-            </a:r>
-            <a:endParaRPr lang="ko-KR" altLang="en-US" sz="3200" dirty="0"/>
-          </a:p>
-        </p:txBody>
-      </p:sp>
-      <p:sp>
-        <p:nvSpPr>
-          <p:cNvPr id="16" name="TextBox 15">
-            <a:extLst>
-              <a:ext uri="{FF2B5EF4-FFF2-40B4-BE49-F238E27FC236}">
-                <a16:creationId xmlns:a16="http://schemas.microsoft.com/office/drawing/2014/main" id="{777CBE58-4E87-41D5-A1C9-C9D937339D1D}"/>
-              </a:ext>
-            </a:extLst>
-          </p:cNvPr>
-          <p:cNvSpPr txBox="1"/>
-          <p:nvPr/>
-        </p:nvSpPr>
-        <p:spPr>
-          <a:xfrm>
-            <a:off x="6384692" y="2410437"/>
-            <a:ext cx="2985247" cy="1200329"/>
-          </a:xfrm>
-          <a:prstGeom prst="rect">
-            <a:avLst/>
-          </a:prstGeom>
-          <a:noFill/>
-        </p:spPr>
-        <p:txBody>
-          <a:bodyPr wrap="square" rtlCol="0">
-            <a:spAutoFit/>
-          </a:bodyPr>
-          <a:lstStyle/>
-          <a:p>
-            <a:r>
-              <a:rPr lang="en-US" altLang="ko-KR" dirty="0"/>
-              <a:t>Bomb</a:t>
-            </a:r>
-            <a:br>
-              <a:rPr lang="en-US" altLang="ko-KR" dirty="0"/>
-            </a:br>
-            <a:r>
-              <a:rPr lang="en-US" altLang="ko-KR" dirty="0"/>
-              <a:t>(Random)</a:t>
-            </a:r>
-            <a:r>
-              <a:rPr lang="en-US" altLang="ko-KR" dirty="0" err="1"/>
-              <a:t>xPos</a:t>
-            </a:r>
-            <a:r>
-              <a:rPr lang="en-US" altLang="ko-KR" dirty="0"/>
-              <a:t> ,(Fixed) </a:t>
-            </a:r>
-            <a:r>
-              <a:rPr lang="en-US" altLang="ko-KR" dirty="0" err="1"/>
-              <a:t>yPos</a:t>
-            </a:r>
-            <a:r>
-              <a:rPr lang="en-US" altLang="ko-KR" dirty="0"/>
-              <a:t> , Speed</a:t>
-            </a:r>
-            <a:br>
-              <a:rPr lang="en-US" altLang="ko-KR" dirty="0"/>
-            </a:br>
-            <a:r>
-              <a:rPr lang="en-US" altLang="ko-KR" dirty="0"/>
-              <a:t>meet Player  Score = -5</a:t>
-            </a:r>
-            <a:endParaRPr lang="ko-KR" altLang="en-US" dirty="0"/>
-          </a:p>
-        </p:txBody>
-      </p:sp>
-      <p:sp>
-        <p:nvSpPr>
-          <p:cNvPr id="21" name="TextBox 20">
-            <a:extLst>
-              <a:ext uri="{FF2B5EF4-FFF2-40B4-BE49-F238E27FC236}">
-                <a16:creationId xmlns:a16="http://schemas.microsoft.com/office/drawing/2014/main" id="{A5DDEFD7-3E5F-4879-940E-A906959FA86C}"/>
-              </a:ext>
-            </a:extLst>
-          </p:cNvPr>
-          <p:cNvSpPr txBox="1"/>
-          <p:nvPr/>
-        </p:nvSpPr>
-        <p:spPr>
-          <a:xfrm>
-            <a:off x="5603487" y="5143015"/>
-            <a:ext cx="3451412" cy="1200329"/>
-          </a:xfrm>
-          <a:prstGeom prst="rect">
-            <a:avLst/>
-          </a:prstGeom>
-          <a:noFill/>
-        </p:spPr>
-        <p:txBody>
-          <a:bodyPr wrap="square" rtlCol="0">
-            <a:spAutoFit/>
-          </a:bodyPr>
-          <a:lstStyle/>
-          <a:p>
-            <a:r>
-              <a:rPr lang="en-US" altLang="ko-KR" dirty="0"/>
-              <a:t>Player</a:t>
-            </a:r>
-            <a:br>
-              <a:rPr lang="en-US" altLang="ko-KR" dirty="0"/>
-            </a:br>
-            <a:r>
-              <a:rPr lang="en-US" altLang="ko-KR" dirty="0"/>
-              <a:t>(moving) </a:t>
-            </a:r>
-            <a:r>
-              <a:rPr lang="en-US" altLang="ko-KR" dirty="0" err="1"/>
-              <a:t>xPos</a:t>
-            </a:r>
-            <a:r>
-              <a:rPr lang="en-US" altLang="ko-KR" dirty="0"/>
-              <a:t>, Fixed </a:t>
-            </a:r>
-            <a:r>
-              <a:rPr lang="en-US" altLang="ko-KR" dirty="0" err="1"/>
-              <a:t>ypos</a:t>
-            </a:r>
-            <a:r>
-              <a:rPr lang="en-US" altLang="ko-KR" dirty="0"/>
-              <a:t> , Speed</a:t>
-            </a:r>
-          </a:p>
-          <a:p>
-            <a:r>
-              <a:rPr lang="en-US" altLang="ko-KR" dirty="0"/>
-              <a:t>Start Score = +10</a:t>
-            </a:r>
-            <a:endParaRPr lang="ko-KR" altLang="en-US" dirty="0"/>
-          </a:p>
-        </p:txBody>
-      </p:sp>
-      <p:sp>
-        <p:nvSpPr>
-          <p:cNvPr id="2" name="직사각형 1">
-            <a:extLst>
-              <a:ext uri="{FF2B5EF4-FFF2-40B4-BE49-F238E27FC236}">
-                <a16:creationId xmlns:a16="http://schemas.microsoft.com/office/drawing/2014/main" id="{8265E099-B703-401D-ABF0-53ACD2FA3D80}"/>
-              </a:ext>
-            </a:extLst>
-          </p:cNvPr>
-          <p:cNvSpPr/>
-          <p:nvPr/>
-        </p:nvSpPr>
-        <p:spPr>
-          <a:xfrm>
-            <a:off x="1515035" y="1561201"/>
-            <a:ext cx="1351990" cy="554941"/>
-          </a:xfrm>
-          <a:prstGeom prst="rect">
-            <a:avLst/>
-          </a:prstGeom>
-          <a:solidFill>
-            <a:schemeClr val="bg1"/>
-          </a:solidFill>
-        </p:spPr>
-        <p:style>
-          <a:lnRef idx="2">
-            <a:schemeClr val="accent1">
-              <a:shade val="50000"/>
-            </a:schemeClr>
-          </a:lnRef>
-          <a:fillRef idx="1">
-            <a:schemeClr val="accent1"/>
-          </a:fillRef>
-          <a:effectRef idx="0">
-            <a:schemeClr val="accent1"/>
-          </a:effectRef>
-          <a:fontRef idx="minor">
-            <a:schemeClr val="lt1"/>
-          </a:fontRef>
-        </p:style>
-        <p:txBody>
-          <a:bodyPr rtlCol="0" anchor="ctr"/>
-          <a:lstStyle/>
-          <a:p>
-            <a:pPr algn="ctr"/>
-            <a:endParaRPr lang="ko-KR" altLang="en-US"/>
-          </a:p>
-        </p:txBody>
-      </p:sp>
-      <p:sp>
-        <p:nvSpPr>
-          <p:cNvPr id="3" name="TextBox 2">
-            <a:extLst>
-              <a:ext uri="{FF2B5EF4-FFF2-40B4-BE49-F238E27FC236}">
-                <a16:creationId xmlns:a16="http://schemas.microsoft.com/office/drawing/2014/main" id="{D3722ABC-CADD-4813-A6A5-B35FEC2197E0}"/>
-              </a:ext>
-            </a:extLst>
-          </p:cNvPr>
-          <p:cNvSpPr txBox="1"/>
-          <p:nvPr/>
-        </p:nvSpPr>
-        <p:spPr>
-          <a:xfrm>
-            <a:off x="3000374" y="1479612"/>
-            <a:ext cx="3451412" cy="646331"/>
-          </a:xfrm>
-          <a:prstGeom prst="rect">
-            <a:avLst/>
-          </a:prstGeom>
-          <a:noFill/>
-        </p:spPr>
-        <p:txBody>
-          <a:bodyPr wrap="square" rtlCol="0">
-            <a:spAutoFit/>
-          </a:bodyPr>
-          <a:lstStyle/>
-          <a:p>
-            <a:r>
-              <a:rPr lang="en-US" altLang="ko-KR" dirty="0"/>
-              <a:t>Score Board</a:t>
-            </a:r>
-            <a:br>
-              <a:rPr lang="en-US" altLang="ko-KR" dirty="0"/>
-            </a:br>
-            <a:r>
-              <a:rPr lang="en-US" altLang="ko-KR" dirty="0"/>
-              <a:t>when Score &lt; 0 , </a:t>
-            </a:r>
-            <a:r>
-              <a:rPr lang="en-US" altLang="ko-KR" dirty="0" err="1"/>
-              <a:t>GameOver</a:t>
-            </a:r>
-            <a:endParaRPr lang="ko-KR" altLang="en-US" dirty="0"/>
-          </a:p>
-        </p:txBody>
-      </p:sp>
-      <p:sp>
-        <p:nvSpPr>
-          <p:cNvPr id="5" name="직사각형 4">
-            <a:extLst>
-              <a:ext uri="{FF2B5EF4-FFF2-40B4-BE49-F238E27FC236}">
-                <a16:creationId xmlns:a16="http://schemas.microsoft.com/office/drawing/2014/main" id="{3DBCFE17-C4C1-46D8-93E8-A0BD325A7591}"/>
-              </a:ext>
-            </a:extLst>
-          </p:cNvPr>
-          <p:cNvSpPr/>
-          <p:nvPr/>
-        </p:nvSpPr>
-        <p:spPr>
-          <a:xfrm>
-            <a:off x="3830169" y="4020945"/>
-            <a:ext cx="2265831" cy="750158"/>
-          </a:xfrm>
-          <a:prstGeom prst="rect">
-            <a:avLst/>
-          </a:prstGeom>
-        </p:spPr>
-        <p:style>
-          <a:lnRef idx="2">
-            <a:schemeClr val="dk1">
-              <a:shade val="50000"/>
-            </a:schemeClr>
-          </a:lnRef>
-          <a:fillRef idx="1">
-            <a:schemeClr val="dk1"/>
-          </a:fillRef>
-          <a:effectRef idx="0">
-            <a:schemeClr val="dk1"/>
-          </a:effectRef>
-          <a:fontRef idx="minor">
-            <a:schemeClr val="lt1"/>
-          </a:fontRef>
-        </p:style>
-        <p:txBody>
-          <a:bodyPr rtlCol="0" anchor="ctr"/>
-          <a:lstStyle/>
-          <a:p>
-            <a:pPr algn="ctr"/>
-            <a:r>
-              <a:rPr lang="en-US" altLang="ko-KR" dirty="0" err="1"/>
-              <a:t>StartGame</a:t>
-            </a:r>
-            <a:endParaRPr lang="ko-KR" altLang="en-US" dirty="0"/>
-          </a:p>
-        </p:txBody>
-      </p:sp>
-      <p:sp>
-        <p:nvSpPr>
-          <p:cNvPr id="7" name="TextBox 6">
-            <a:extLst>
-              <a:ext uri="{FF2B5EF4-FFF2-40B4-BE49-F238E27FC236}">
-                <a16:creationId xmlns:a16="http://schemas.microsoft.com/office/drawing/2014/main" id="{75ABF2F8-D683-4E3C-99F2-F3A3EEB686AB}"/>
-              </a:ext>
-            </a:extLst>
-          </p:cNvPr>
-          <p:cNvSpPr txBox="1"/>
-          <p:nvPr/>
-        </p:nvSpPr>
-        <p:spPr>
-          <a:xfrm>
-            <a:off x="6322638" y="4107114"/>
-            <a:ext cx="2657475" cy="646331"/>
-          </a:xfrm>
-          <a:prstGeom prst="rect">
-            <a:avLst/>
-          </a:prstGeom>
-          <a:noFill/>
-        </p:spPr>
-        <p:txBody>
-          <a:bodyPr wrap="square" rtlCol="0">
-            <a:spAutoFit/>
-          </a:bodyPr>
-          <a:lstStyle/>
-          <a:p>
-            <a:r>
-              <a:rPr lang="en-US" altLang="ko-KR" dirty="0"/>
-              <a:t>Push This Button, Game Start Event</a:t>
-            </a:r>
-            <a:endParaRPr lang="ko-KR" altLang="en-US" dirty="0"/>
-          </a:p>
-        </p:txBody>
-      </p:sp>
-      <p:sp>
-        <p:nvSpPr>
-          <p:cNvPr id="17" name="TextBox 16">
-            <a:extLst>
-              <a:ext uri="{FF2B5EF4-FFF2-40B4-BE49-F238E27FC236}">
-                <a16:creationId xmlns:a16="http://schemas.microsoft.com/office/drawing/2014/main" id="{E711AA67-6FB5-4286-8397-AB8CA3E525CC}"/>
-              </a:ext>
-            </a:extLst>
-          </p:cNvPr>
-          <p:cNvSpPr txBox="1"/>
-          <p:nvPr/>
-        </p:nvSpPr>
-        <p:spPr>
-          <a:xfrm>
-            <a:off x="9179859" y="2782669"/>
-            <a:ext cx="2716866" cy="923330"/>
-          </a:xfrm>
-          <a:prstGeom prst="rect">
-            <a:avLst/>
-          </a:prstGeom>
-          <a:noFill/>
-        </p:spPr>
-        <p:txBody>
-          <a:bodyPr wrap="square" rtlCol="0">
-            <a:spAutoFit/>
-          </a:bodyPr>
-          <a:lstStyle/>
-          <a:p>
-            <a:r>
-              <a:rPr lang="en-US" altLang="ko-KR" dirty="0"/>
-              <a:t>Make Board Structure</a:t>
-            </a:r>
-            <a:br>
-              <a:rPr lang="en-US" altLang="ko-KR" dirty="0"/>
-            </a:br>
-            <a:r>
-              <a:rPr lang="en-US" altLang="ko-KR" dirty="0"/>
-              <a:t>Player</a:t>
-            </a:r>
-            <a:r>
-              <a:rPr lang="ko-KR" altLang="en-US" dirty="0"/>
-              <a:t>의 </a:t>
-            </a:r>
-            <a:r>
-              <a:rPr lang="en-US" altLang="ko-KR" dirty="0"/>
-              <a:t>Board </a:t>
-            </a:r>
-            <a:r>
-              <a:rPr lang="ko-KR" altLang="en-US" dirty="0"/>
-              <a:t>내의 </a:t>
-            </a:r>
-            <a:endParaRPr lang="en-US" altLang="ko-KR" dirty="0"/>
-          </a:p>
-          <a:p>
-            <a:r>
-              <a:rPr lang="ko-KR" altLang="en-US" dirty="0"/>
-              <a:t>이동 범위 설정</a:t>
-            </a:r>
-            <a:endParaRPr lang="en-US" altLang="ko-KR" dirty="0"/>
-          </a:p>
-        </p:txBody>
-      </p:sp>
-      <p:pic>
-        <p:nvPicPr>
-          <p:cNvPr id="18" name="그림 17">
-            <a:extLst>
-              <a:ext uri="{FF2B5EF4-FFF2-40B4-BE49-F238E27FC236}">
-                <a16:creationId xmlns:a16="http://schemas.microsoft.com/office/drawing/2014/main" id="{6D24452E-EF80-4DA6-BF8C-4D75F65A4718}"/>
-              </a:ext>
-            </a:extLst>
-          </p:cNvPr>
-          <p:cNvPicPr>
-            <a:picLocks noChangeAspect="1"/>
-          </p:cNvPicPr>
-          <p:nvPr/>
-        </p:nvPicPr>
-        <p:blipFill>
-          <a:blip r:embed="rId4">
-            <a:extLst>
-              <a:ext uri="{28A0092B-C50C-407E-A947-70E740481C1C}">
-                <a14:useLocalDpi xmlns:a14="http://schemas.microsoft.com/office/drawing/2010/main" val="0"/>
-              </a:ext>
-            </a:extLst>
-          </a:blip>
-          <a:stretch>
-            <a:fillRect/>
-          </a:stretch>
-        </p:blipFill>
-        <p:spPr>
-          <a:xfrm>
-            <a:off x="4706455" y="5227704"/>
-            <a:ext cx="816349" cy="849003"/>
-          </a:xfrm>
-          <a:prstGeom prst="rect">
-            <a:avLst/>
-          </a:prstGeom>
-        </p:spPr>
-      </p:pic>
-      <p:sp>
-        <p:nvSpPr>
-          <p:cNvPr id="6" name="TextBox 5">
-            <a:extLst>
-              <a:ext uri="{FF2B5EF4-FFF2-40B4-BE49-F238E27FC236}">
-                <a16:creationId xmlns:a16="http://schemas.microsoft.com/office/drawing/2014/main" id="{B23C37CC-BA09-437D-B51A-40C2ED831BFB}"/>
-              </a:ext>
-            </a:extLst>
-          </p:cNvPr>
-          <p:cNvSpPr txBox="1"/>
-          <p:nvPr/>
-        </p:nvSpPr>
-        <p:spPr>
-          <a:xfrm>
-            <a:off x="9369939" y="4171549"/>
-            <a:ext cx="2627219" cy="369332"/>
-          </a:xfrm>
-          <a:prstGeom prst="rect">
-            <a:avLst/>
-          </a:prstGeom>
-          <a:noFill/>
-        </p:spPr>
-        <p:txBody>
-          <a:bodyPr wrap="square" rtlCol="0">
-            <a:spAutoFit/>
-          </a:bodyPr>
-          <a:lstStyle/>
-          <a:p>
-            <a:r>
-              <a:rPr lang="en-US" altLang="ko-KR" dirty="0" err="1"/>
-              <a:t>ButtonListener</a:t>
-            </a:r>
-            <a:r>
-              <a:rPr lang="en-US" altLang="ko-KR" dirty="0"/>
-              <a:t> </a:t>
-            </a:r>
-            <a:r>
-              <a:rPr lang="ko-KR" altLang="en-US" dirty="0"/>
-              <a:t>활용</a:t>
-            </a:r>
-          </a:p>
-        </p:txBody>
-      </p:sp>
-      <p:sp>
-        <p:nvSpPr>
-          <p:cNvPr id="8" name="화살표: 오른쪽 7">
-            <a:extLst>
-              <a:ext uri="{FF2B5EF4-FFF2-40B4-BE49-F238E27FC236}">
-                <a16:creationId xmlns:a16="http://schemas.microsoft.com/office/drawing/2014/main" id="{DC8C3EC0-FFA3-4DD3-BE54-7368BA63F53D}"/>
-              </a:ext>
-            </a:extLst>
-          </p:cNvPr>
-          <p:cNvSpPr/>
-          <p:nvPr/>
-        </p:nvSpPr>
-        <p:spPr>
-          <a:xfrm rot="10800000">
-            <a:off x="8231772" y="4216728"/>
-            <a:ext cx="1094042" cy="259717"/>
-          </a:xfrm>
-          <a:prstGeom prst="rightArrow">
-            <a:avLst/>
-          </a:prstGeom>
-        </p:spPr>
-        <p:style>
-          <a:lnRef idx="2">
-            <a:schemeClr val="accent1">
-              <a:shade val="50000"/>
-            </a:schemeClr>
-          </a:lnRef>
-          <a:fillRef idx="1">
-            <a:schemeClr val="accent1"/>
-          </a:fillRef>
-          <a:effectRef idx="0">
-            <a:schemeClr val="accent1"/>
-          </a:effectRef>
-          <a:fontRef idx="minor">
-            <a:schemeClr val="lt1"/>
-          </a:fontRef>
-        </p:style>
-        <p:txBody>
-          <a:bodyPr rtlCol="0" anchor="ctr"/>
-          <a:lstStyle/>
-          <a:p>
-            <a:pPr algn="ctr"/>
-            <a:endParaRPr lang="ko-KR" altLang="en-US"/>
-          </a:p>
-        </p:txBody>
-      </p:sp>
-    </p:spTree>
-    <p:extLst>
-      <p:ext uri="{BB962C8B-B14F-4D97-AF65-F5344CB8AC3E}">
-        <p14:creationId xmlns:p14="http://schemas.microsoft.com/office/powerpoint/2010/main" val="3750679167"/>
-      </p:ext>
-    </p:extLst>
-  </p:cSld>
-  <p:clrMapOvr>
-    <a:masterClrMapping/>
-  </p:clrMapOvr>
-</p:sld>
-</file>
-
-<file path=ppt/slides/slide9.xml><?xml version="1.0" encoding="utf-8"?>
+<file path=ppt/slides/slide20.xml><?xml version="1.0" encoding="utf-8"?>
 <p:sld xmlns:a="http://schemas.openxmlformats.org/drawingml/2006/main" xmlns:r="http://schemas.openxmlformats.org/officeDocument/2006/relationships" xmlns:p="http://schemas.openxmlformats.org/presentationml/2006/main">
   <p:cSld>
     <p:bg>
@@ -8592,53 +8328,1421 @@
 </p:sld>
 </file>
 
+<file path=ppt/slides/slide3.xml><?xml version="1.0" encoding="utf-8"?>
+<p:sld xmlns:a="http://schemas.openxmlformats.org/drawingml/2006/main" xmlns:r="http://schemas.openxmlformats.org/officeDocument/2006/relationships" xmlns:p="http://schemas.openxmlformats.org/presentationml/2006/main">
+  <p:cSld>
+    <p:bg>
+      <p:bgPr>
+        <a:solidFill>
+          <a:schemeClr val="bg1"/>
+        </a:solidFill>
+        <a:effectLst/>
+      </p:bgPr>
+    </p:bg>
+    <p:spTree>
+      <p:nvGrpSpPr>
+        <p:cNvPr id="1" name=""/>
+        <p:cNvGrpSpPr/>
+        <p:nvPr/>
+      </p:nvGrpSpPr>
+      <p:grpSpPr>
+        <a:xfrm>
+          <a:off x="0" y="0"/>
+          <a:ext cx="0" cy="0"/>
+          <a:chOff x="0" y="0"/>
+          <a:chExt cx="0" cy="0"/>
+        </a:xfrm>
+      </p:grpSpPr>
+      <p:sp>
+        <p:nvSpPr>
+          <p:cNvPr id="15" name="Flowchart: Document 14">
+            <a:extLst>
+              <a:ext uri="{FF2B5EF4-FFF2-40B4-BE49-F238E27FC236}">
+                <a16:creationId xmlns:a16="http://schemas.microsoft.com/office/drawing/2014/main" id="{D12DDE76-C203-4047-9998-63900085B5E8}"/>
+              </a:ext>
+              <a:ext uri="{C183D7F6-B498-43B3-948B-1728B52AA6E4}">
+                <adec:decorative xmlns:adec="http://schemas.microsoft.com/office/drawing/2017/decorative" val="1"/>
+              </a:ext>
+            </a:extLst>
+          </p:cNvPr>
+          <p:cNvSpPr>
+            <a:spLocks noGrp="1" noRot="1" noChangeAspect="1" noMove="1" noResize="1" noEditPoints="1" noAdjustHandles="1" noChangeArrowheads="1" noChangeShapeType="1" noTextEdit="1"/>
+          </p:cNvSpPr>
+          <p:nvPr>
+            <p:extLst>
+              <p:ext uri="{386F3935-93C4-4BCD-93E2-E3B085C9AB24}">
+                <p16:designElem xmlns:p16="http://schemas.microsoft.com/office/powerpoint/2015/main" val="1"/>
+              </p:ext>
+            </p:extLst>
+          </p:nvPr>
+        </p:nvSpPr>
+        <p:spPr>
+          <a:xfrm>
+            <a:off x="638175" y="0"/>
+            <a:ext cx="3248025" cy="3400426"/>
+          </a:xfrm>
+          <a:prstGeom prst="flowChartDocument">
+            <a:avLst/>
+          </a:prstGeom>
+          <a:solidFill>
+            <a:schemeClr val="accent1"/>
+          </a:solidFill>
+          <a:ln>
+            <a:noFill/>
+          </a:ln>
+        </p:spPr>
+        <p:style>
+          <a:lnRef idx="2">
+            <a:schemeClr val="accent1">
+              <a:shade val="50000"/>
+            </a:schemeClr>
+          </a:lnRef>
+          <a:fillRef idx="1">
+            <a:schemeClr val="accent1"/>
+          </a:fillRef>
+          <a:effectRef idx="0">
+            <a:schemeClr val="accent1"/>
+          </a:effectRef>
+          <a:fontRef idx="minor">
+            <a:schemeClr val="lt1"/>
+          </a:fontRef>
+        </p:style>
+        <p:txBody>
+          <a:bodyPr rtlCol="0" anchor="ctr"/>
+          <a:lstStyle/>
+          <a:p>
+            <a:pPr algn="ctr"/>
+            <a:endParaRPr lang="en-US"/>
+          </a:p>
+        </p:txBody>
+      </p:sp>
+      <p:sp>
+        <p:nvSpPr>
+          <p:cNvPr id="10" name="TextBox 9">
+            <a:extLst>
+              <a:ext uri="{FF2B5EF4-FFF2-40B4-BE49-F238E27FC236}">
+                <a16:creationId xmlns:a16="http://schemas.microsoft.com/office/drawing/2014/main" id="{ADAE5B67-C9E7-457B-BA61-3C2E46238B8D}"/>
+              </a:ext>
+            </a:extLst>
+          </p:cNvPr>
+          <p:cNvSpPr txBox="1"/>
+          <p:nvPr/>
+        </p:nvSpPr>
+        <p:spPr>
+          <a:xfrm>
+            <a:off x="838200" y="171162"/>
+            <a:ext cx="2840182" cy="2371148"/>
+          </a:xfrm>
+          <a:prstGeom prst="rect">
+            <a:avLst/>
+          </a:prstGeom>
+        </p:spPr>
+        <p:txBody>
+          <a:bodyPr vert="horz" lIns="91440" tIns="45720" rIns="91440" bIns="45720" rtlCol="0" anchor="ctr">
+            <a:normAutofit/>
+          </a:bodyPr>
+          <a:lstStyle/>
+          <a:p>
+            <a:pPr latinLnBrk="0">
+              <a:lnSpc>
+                <a:spcPct val="90000"/>
+              </a:lnSpc>
+              <a:spcBef>
+                <a:spcPct val="0"/>
+              </a:spcBef>
+              <a:spcAft>
+                <a:spcPts val="600"/>
+              </a:spcAft>
+            </a:pPr>
+            <a:r>
+              <a:rPr lang="en-US" altLang="ko-KR" sz="3200" kern="1200">
+                <a:solidFill>
+                  <a:srgbClr val="FFFFFF"/>
+                </a:solidFill>
+                <a:latin typeface="+mj-lt"/>
+                <a:ea typeface="+mj-ea"/>
+                <a:cs typeface="+mj-cs"/>
+              </a:rPr>
+              <a:t>Dead Or Alive Class Diagram</a:t>
+            </a:r>
+          </a:p>
+        </p:txBody>
+      </p:sp>
+      <p:pic>
+        <p:nvPicPr>
+          <p:cNvPr id="9" name="그림 8">
+            <a:extLst>
+              <a:ext uri="{FF2B5EF4-FFF2-40B4-BE49-F238E27FC236}">
+                <a16:creationId xmlns:a16="http://schemas.microsoft.com/office/drawing/2014/main" id="{1AB827F0-4C9D-4A58-969B-853D00CED724}"/>
+              </a:ext>
+            </a:extLst>
+          </p:cNvPr>
+          <p:cNvPicPr>
+            <a:picLocks noChangeAspect="1"/>
+          </p:cNvPicPr>
+          <p:nvPr/>
+        </p:nvPicPr>
+        <p:blipFill>
+          <a:blip r:embed="rId2">
+            <a:extLst>
+              <a:ext uri="{28A0092B-C50C-407E-A947-70E740481C1C}">
+                <a14:useLocalDpi xmlns:a14="http://schemas.microsoft.com/office/drawing/2010/main" val="0"/>
+              </a:ext>
+            </a:extLst>
+          </a:blip>
+          <a:stretch>
+            <a:fillRect/>
+          </a:stretch>
+        </p:blipFill>
+        <p:spPr>
+          <a:xfrm>
+            <a:off x="4790944" y="640080"/>
+            <a:ext cx="6181514" cy="5578816"/>
+          </a:xfrm>
+          <a:prstGeom prst="rect">
+            <a:avLst/>
+          </a:prstGeom>
+          <a:solidFill>
+            <a:srgbClr val="FFFFFF">
+              <a:shade val="85000"/>
+            </a:srgbClr>
+          </a:solidFill>
+          <a:scene3d>
+            <a:camera prst="orthographicFront"/>
+            <a:lightRig rig="twoPt" dir="t">
+              <a:rot lat="0" lon="0" rev="7800000"/>
+            </a:lightRig>
+          </a:scene3d>
+          <a:sp3d contourW="6350">
+            <a:bevelT w="50800" h="16510"/>
+            <a:contourClr>
+              <a:srgbClr val="C0C0C0"/>
+            </a:contourClr>
+          </a:sp3d>
+        </p:spPr>
+      </p:pic>
+    </p:spTree>
+    <p:extLst>
+      <p:ext uri="{BB962C8B-B14F-4D97-AF65-F5344CB8AC3E}">
+        <p14:creationId xmlns:p14="http://schemas.microsoft.com/office/powerpoint/2010/main" val="4158069455"/>
+      </p:ext>
+    </p:extLst>
+  </p:cSld>
+  <p:clrMapOvr>
+    <a:masterClrMapping/>
+  </p:clrMapOvr>
+</p:sld>
+</file>
+
+<file path=ppt/slides/slide4.xml><?xml version="1.0" encoding="utf-8"?>
+<p:sld xmlns:a="http://schemas.openxmlformats.org/drawingml/2006/main" xmlns:r="http://schemas.openxmlformats.org/officeDocument/2006/relationships" xmlns:p="http://schemas.openxmlformats.org/presentationml/2006/main">
+  <p:cSld>
+    <p:spTree>
+      <p:nvGrpSpPr>
+        <p:cNvPr id="1" name=""/>
+        <p:cNvGrpSpPr/>
+        <p:nvPr/>
+      </p:nvGrpSpPr>
+      <p:grpSpPr>
+        <a:xfrm>
+          <a:off x="0" y="0"/>
+          <a:ext cx="0" cy="0"/>
+          <a:chOff x="0" y="0"/>
+          <a:chExt cx="0" cy="0"/>
+        </a:xfrm>
+      </p:grpSpPr>
+      <p:sp>
+        <p:nvSpPr>
+          <p:cNvPr id="4" name="직사각형 3">
+            <a:extLst>
+              <a:ext uri="{FF2B5EF4-FFF2-40B4-BE49-F238E27FC236}">
+                <a16:creationId xmlns:a16="http://schemas.microsoft.com/office/drawing/2014/main" id="{CE7C2801-79F6-4D6B-B68F-59D3ACB9842E}"/>
+              </a:ext>
+            </a:extLst>
+          </p:cNvPr>
+          <p:cNvSpPr/>
+          <p:nvPr/>
+        </p:nvSpPr>
+        <p:spPr>
+          <a:xfrm>
+            <a:off x="1416424" y="1441512"/>
+            <a:ext cx="7686675" cy="5019675"/>
+          </a:xfrm>
+          <a:prstGeom prst="rect">
+            <a:avLst/>
+          </a:prstGeom>
+          <a:solidFill>
+            <a:schemeClr val="bg1"/>
+          </a:solidFill>
+          <a:ln w="38100"/>
+        </p:spPr>
+        <p:style>
+          <a:lnRef idx="2">
+            <a:schemeClr val="accent1">
+              <a:shade val="50000"/>
+            </a:schemeClr>
+          </a:lnRef>
+          <a:fillRef idx="1">
+            <a:schemeClr val="accent1"/>
+          </a:fillRef>
+          <a:effectRef idx="0">
+            <a:schemeClr val="accent1"/>
+          </a:effectRef>
+          <a:fontRef idx="minor">
+            <a:schemeClr val="lt1"/>
+          </a:fontRef>
+        </p:style>
+        <p:txBody>
+          <a:bodyPr rtlCol="0" anchor="ctr"/>
+          <a:lstStyle/>
+          <a:p>
+            <a:pPr algn="ctr"/>
+            <a:endParaRPr lang="ko-KR" altLang="en-US" dirty="0"/>
+          </a:p>
+        </p:txBody>
+      </p:sp>
+      <p:cxnSp>
+        <p:nvCxnSpPr>
+          <p:cNvPr id="14" name="직선 연결선 13">
+            <a:extLst>
+              <a:ext uri="{FF2B5EF4-FFF2-40B4-BE49-F238E27FC236}">
+                <a16:creationId xmlns:a16="http://schemas.microsoft.com/office/drawing/2014/main" id="{EF0F6A29-9AC2-450A-A587-EBBE81C3305C}"/>
+              </a:ext>
+            </a:extLst>
+          </p:cNvPr>
+          <p:cNvCxnSpPr/>
+          <p:nvPr/>
+        </p:nvCxnSpPr>
+        <p:spPr>
+          <a:xfrm>
+            <a:off x="1416424" y="2241176"/>
+            <a:ext cx="7682752" cy="0"/>
+          </a:xfrm>
+          <a:prstGeom prst="line">
+            <a:avLst/>
+          </a:prstGeom>
+        </p:spPr>
+        <p:style>
+          <a:lnRef idx="1">
+            <a:schemeClr val="dk1"/>
+          </a:lnRef>
+          <a:fillRef idx="0">
+            <a:schemeClr val="dk1"/>
+          </a:fillRef>
+          <a:effectRef idx="0">
+            <a:schemeClr val="dk1"/>
+          </a:effectRef>
+          <a:fontRef idx="minor">
+            <a:schemeClr val="tx1"/>
+          </a:fontRef>
+        </p:style>
+      </p:cxnSp>
+      <p:sp>
+        <p:nvSpPr>
+          <p:cNvPr id="2" name="TextBox 1">
+            <a:extLst>
+              <a:ext uri="{FF2B5EF4-FFF2-40B4-BE49-F238E27FC236}">
+                <a16:creationId xmlns:a16="http://schemas.microsoft.com/office/drawing/2014/main" id="{27461405-922E-4AD7-98D0-65742DC669C9}"/>
+              </a:ext>
+            </a:extLst>
+          </p:cNvPr>
+          <p:cNvSpPr txBox="1"/>
+          <p:nvPr/>
+        </p:nvSpPr>
+        <p:spPr>
+          <a:xfrm>
+            <a:off x="1416424" y="396813"/>
+            <a:ext cx="6238875" cy="584775"/>
+          </a:xfrm>
+          <a:prstGeom prst="rect">
+            <a:avLst/>
+          </a:prstGeom>
+          <a:noFill/>
+        </p:spPr>
+        <p:txBody>
+          <a:bodyPr wrap="square" rtlCol="0">
+            <a:spAutoFit/>
+          </a:bodyPr>
+          <a:lstStyle/>
+          <a:p>
+            <a:r>
+              <a:rPr lang="en-US" altLang="ko-KR" sz="3200" dirty="0"/>
+              <a:t>Step1. Frame</a:t>
+            </a:r>
+            <a:endParaRPr lang="ko-KR" altLang="en-US" sz="3200" dirty="0"/>
+          </a:p>
+        </p:txBody>
+      </p:sp>
+      <p:sp>
+        <p:nvSpPr>
+          <p:cNvPr id="16" name="TextBox 15">
+            <a:extLst>
+              <a:ext uri="{FF2B5EF4-FFF2-40B4-BE49-F238E27FC236}">
+                <a16:creationId xmlns:a16="http://schemas.microsoft.com/office/drawing/2014/main" id="{14E85170-C0AF-4B82-81C5-3405F73D9140}"/>
+              </a:ext>
+            </a:extLst>
+          </p:cNvPr>
+          <p:cNvSpPr txBox="1"/>
+          <p:nvPr/>
+        </p:nvSpPr>
+        <p:spPr>
+          <a:xfrm>
+            <a:off x="9336181" y="4710081"/>
+            <a:ext cx="2716866" cy="646331"/>
+          </a:xfrm>
+          <a:prstGeom prst="rect">
+            <a:avLst/>
+          </a:prstGeom>
+          <a:noFill/>
+        </p:spPr>
+        <p:txBody>
+          <a:bodyPr wrap="square" rtlCol="0">
+            <a:spAutoFit/>
+          </a:bodyPr>
+          <a:lstStyle/>
+          <a:p>
+            <a:r>
+              <a:rPr lang="en-US" altLang="ko-KR" dirty="0"/>
+              <a:t>Make Board Structure</a:t>
+            </a:r>
+            <a:br>
+              <a:rPr lang="en-US" altLang="ko-KR" dirty="0"/>
+            </a:br>
+            <a:r>
+              <a:rPr lang="en-US" altLang="ko-KR" dirty="0"/>
+              <a:t>Player </a:t>
+            </a:r>
+            <a:r>
+              <a:rPr lang="ko-KR" altLang="en-US" dirty="0"/>
+              <a:t>움직임 범위 설정</a:t>
+            </a:r>
+            <a:endParaRPr lang="en-US" altLang="ko-KR" dirty="0"/>
+          </a:p>
+        </p:txBody>
+      </p:sp>
+      <p:sp>
+        <p:nvSpPr>
+          <p:cNvPr id="5" name="TextBox 4">
+            <a:extLst>
+              <a:ext uri="{FF2B5EF4-FFF2-40B4-BE49-F238E27FC236}">
+                <a16:creationId xmlns:a16="http://schemas.microsoft.com/office/drawing/2014/main" id="{9BA232E3-FDB5-40AA-9199-5F4F7CC03603}"/>
+              </a:ext>
+            </a:extLst>
+          </p:cNvPr>
+          <p:cNvSpPr txBox="1"/>
+          <p:nvPr/>
+        </p:nvSpPr>
+        <p:spPr>
+          <a:xfrm>
+            <a:off x="9457765" y="1264024"/>
+            <a:ext cx="2868706" cy="2862322"/>
+          </a:xfrm>
+          <a:prstGeom prst="rect">
+            <a:avLst/>
+          </a:prstGeom>
+          <a:noFill/>
+        </p:spPr>
+        <p:txBody>
+          <a:bodyPr wrap="square" rtlCol="0">
+            <a:spAutoFit/>
+          </a:bodyPr>
+          <a:lstStyle/>
+          <a:p>
+            <a:r>
+              <a:rPr lang="en-US" altLang="ko-KR" dirty="0" err="1"/>
+              <a:t>JPanel</a:t>
+            </a:r>
+            <a:endParaRPr lang="en-US" altLang="ko-KR" dirty="0"/>
+          </a:p>
+          <a:p>
+            <a:r>
+              <a:rPr lang="en-US" altLang="ko-KR" dirty="0" err="1"/>
+              <a:t>BorderLayout.North</a:t>
+            </a:r>
+            <a:endParaRPr lang="en-US" altLang="ko-KR" dirty="0"/>
+          </a:p>
+          <a:p>
+            <a:endParaRPr lang="en-US" altLang="ko-KR" dirty="0"/>
+          </a:p>
+          <a:p>
+            <a:endParaRPr lang="en-US" altLang="ko-KR" dirty="0"/>
+          </a:p>
+          <a:p>
+            <a:endParaRPr lang="en-US" altLang="ko-KR" dirty="0"/>
+          </a:p>
+          <a:p>
+            <a:endParaRPr lang="en-US" altLang="ko-KR" dirty="0"/>
+          </a:p>
+          <a:p>
+            <a:endParaRPr lang="en-US" altLang="ko-KR" dirty="0"/>
+          </a:p>
+          <a:p>
+            <a:endParaRPr lang="en-US" altLang="ko-KR" dirty="0"/>
+          </a:p>
+          <a:p>
+            <a:r>
+              <a:rPr lang="en-US" altLang="ko-KR" dirty="0" err="1"/>
+              <a:t>BorderLayout.Center</a:t>
+            </a:r>
+            <a:endParaRPr lang="en-US" altLang="ko-KR" dirty="0"/>
+          </a:p>
+          <a:p>
+            <a:endParaRPr lang="ko-KR" altLang="en-US" dirty="0"/>
+          </a:p>
+        </p:txBody>
+      </p:sp>
+      <p:sp>
+        <p:nvSpPr>
+          <p:cNvPr id="6" name="화살표: 오른쪽 5">
+            <a:extLst>
+              <a:ext uri="{FF2B5EF4-FFF2-40B4-BE49-F238E27FC236}">
+                <a16:creationId xmlns:a16="http://schemas.microsoft.com/office/drawing/2014/main" id="{341CCC0B-904E-482E-8013-62348EC105B4}"/>
+              </a:ext>
+            </a:extLst>
+          </p:cNvPr>
+          <p:cNvSpPr/>
+          <p:nvPr/>
+        </p:nvSpPr>
+        <p:spPr>
+          <a:xfrm rot="10800000">
+            <a:off x="8721680" y="1577529"/>
+            <a:ext cx="765922" cy="331694"/>
+          </a:xfrm>
+          <a:prstGeom prst="rightArrow">
+            <a:avLst/>
+          </a:prstGeom>
+        </p:spPr>
+        <p:style>
+          <a:lnRef idx="2">
+            <a:schemeClr val="accent1">
+              <a:shade val="50000"/>
+            </a:schemeClr>
+          </a:lnRef>
+          <a:fillRef idx="1">
+            <a:schemeClr val="accent1"/>
+          </a:fillRef>
+          <a:effectRef idx="0">
+            <a:schemeClr val="accent1"/>
+          </a:effectRef>
+          <a:fontRef idx="minor">
+            <a:schemeClr val="lt1"/>
+          </a:fontRef>
+        </p:style>
+        <p:txBody>
+          <a:bodyPr rtlCol="0" anchor="ctr"/>
+          <a:lstStyle/>
+          <a:p>
+            <a:pPr algn="ctr"/>
+            <a:endParaRPr lang="ko-KR" altLang="en-US"/>
+          </a:p>
+        </p:txBody>
+      </p:sp>
+      <p:sp>
+        <p:nvSpPr>
+          <p:cNvPr id="9" name="화살표: 오른쪽 8">
+            <a:extLst>
+              <a:ext uri="{FF2B5EF4-FFF2-40B4-BE49-F238E27FC236}">
+                <a16:creationId xmlns:a16="http://schemas.microsoft.com/office/drawing/2014/main" id="{BF23E284-5CE1-4A5D-803E-8DD0B5F6F1B9}"/>
+              </a:ext>
+            </a:extLst>
+          </p:cNvPr>
+          <p:cNvSpPr/>
+          <p:nvPr/>
+        </p:nvSpPr>
+        <p:spPr>
+          <a:xfrm rot="10800000">
+            <a:off x="8721680" y="3486991"/>
+            <a:ext cx="765922" cy="331694"/>
+          </a:xfrm>
+          <a:prstGeom prst="rightArrow">
+            <a:avLst/>
+          </a:prstGeom>
+        </p:spPr>
+        <p:style>
+          <a:lnRef idx="2">
+            <a:schemeClr val="accent1">
+              <a:shade val="50000"/>
+            </a:schemeClr>
+          </a:lnRef>
+          <a:fillRef idx="1">
+            <a:schemeClr val="accent1"/>
+          </a:fillRef>
+          <a:effectRef idx="0">
+            <a:schemeClr val="accent1"/>
+          </a:effectRef>
+          <a:fontRef idx="minor">
+            <a:schemeClr val="lt1"/>
+          </a:fontRef>
+        </p:style>
+        <p:txBody>
+          <a:bodyPr rtlCol="0" anchor="ctr"/>
+          <a:lstStyle/>
+          <a:p>
+            <a:pPr algn="ctr"/>
+            <a:endParaRPr lang="ko-KR" altLang="en-US"/>
+          </a:p>
+        </p:txBody>
+      </p:sp>
+    </p:spTree>
+    <p:extLst>
+      <p:ext uri="{BB962C8B-B14F-4D97-AF65-F5344CB8AC3E}">
+        <p14:creationId xmlns:p14="http://schemas.microsoft.com/office/powerpoint/2010/main" val="2203581041"/>
+      </p:ext>
+    </p:extLst>
+  </p:cSld>
+  <p:clrMapOvr>
+    <a:masterClrMapping/>
+  </p:clrMapOvr>
+</p:sld>
+</file>
+
+<file path=ppt/slides/slide5.xml><?xml version="1.0" encoding="utf-8"?>
+<p:sld xmlns:r="http://schemas.openxmlformats.org/officeDocument/2006/relationships" xmlns:c="http://schemas.openxmlformats.org/drawingml/2006/chart" xmlns:a="http://schemas.openxmlformats.org/drawingml/2006/main" xmlns:dgm="http://schemas.openxmlformats.org/drawingml/2006/diagram" xmlns:dsp="http://schemas.microsoft.com/office/drawing/2008/diagram" xmlns:p="http://schemas.openxmlformats.org/presentationml/2006/main">
+  <p:cSld>
+    <p:spTree>
+      <p:nvGrpSpPr>
+        <p:cNvPr id="1" name=""/>
+        <p:cNvGrpSpPr/>
+        <p:nvPr/>
+      </p:nvGrpSpPr>
+      <p:grpSpPr>
+        <a:xfrm>
+          <a:off x="0" y="0"/>
+          <a:ext cx="0" cy="0"/>
+          <a:chOff x="0" y="0"/>
+          <a:chExt cx="0" cy="0"/>
+        </a:xfrm>
+      </p:grpSpPr>
+      <p:sp>
+        <p:nvSpPr>
+          <p:cNvPr id="2" name="제목 1"/>
+          <p:cNvSpPr>
+            <a:spLocks noGrp="1"/>
+          </p:cNvSpPr>
+          <p:nvPr>
+            <p:ph type="title" idx="0"/>
+          </p:nvPr>
+        </p:nvSpPr>
+        <p:spPr>
+          <a:xfrm>
+            <a:off x="838200" y="365126"/>
+            <a:ext cx="8817429" cy="821418"/>
+          </a:xfrm>
+        </p:spPr>
+        <p:txBody>
+          <a:bodyPr/>
+          <a:lstStyle/>
+          <a:p>
+            <a:pPr lvl="0">
+              <a:defRPr/>
+            </a:pPr>
+            <a:r>
+              <a:rPr lang="en-US" altLang="ko-KR"/>
+              <a:t>Step1 Code Review</a:t>
+            </a:r>
+            <a:endParaRPr lang="ko-KR" altLang="en-US"/>
+          </a:p>
+        </p:txBody>
+      </p:sp>
+      <p:pic>
+        <p:nvPicPr>
+          <p:cNvPr id="7" name="그림 6"/>
+          <p:cNvPicPr>
+            <a:picLocks noChangeAspect="1"/>
+          </p:cNvPicPr>
+          <p:nvPr/>
+        </p:nvPicPr>
+        <p:blipFill rotWithShape="1">
+          <a:blip r:embed="rId2"/>
+          <a:stretch>
+            <a:fillRect/>
+          </a:stretch>
+        </p:blipFill>
+        <p:spPr>
+          <a:xfrm>
+            <a:off x="838200" y="1895920"/>
+            <a:ext cx="6039693" cy="4191585"/>
+          </a:xfrm>
+          <a:prstGeom prst="rect">
+            <a:avLst/>
+          </a:prstGeom>
+        </p:spPr>
+      </p:pic>
+    </p:spTree>
+  </p:cSld>
+  <p:clrMapOvr>
+    <a:masterClrMapping/>
+  </p:clrMapOvr>
+  <mc:AlternateContent xmlns:mc="http://schemas.openxmlformats.org/markup-compatibility/2006">
+    <mc:Choice xmlns:p14="http://schemas.microsoft.com/office/powerpoint/2010/main" Requires="p14">
+      <p:transition xmlns:mc="http://schemas.openxmlformats.org/markup-compatibility/2006" xmlns:p14="http://schemas.microsoft.com/office/powerpoint/2010/main" mc:Ignorable="p14" p14:dur="500"/>
+    </mc:Choice>
+    <mc:Fallback>
+      <p:transition/>
+    </mc:Fallback>
+  </mc:AlternateContent>
+</p:sld>
+</file>
+
+<file path=ppt/slides/slide6.xml><?xml version="1.0" encoding="utf-8"?>
+<p:sld xmlns:r="http://schemas.openxmlformats.org/officeDocument/2006/relationships" xmlns:c="http://schemas.openxmlformats.org/drawingml/2006/chart" xmlns:a="http://schemas.openxmlformats.org/drawingml/2006/main" xmlns:dgm="http://schemas.openxmlformats.org/drawingml/2006/diagram" xmlns:dsp="http://schemas.microsoft.com/office/drawing/2008/diagram" xmlns:p="http://schemas.openxmlformats.org/presentationml/2006/main">
+  <p:cSld>
+    <p:spTree>
+      <p:nvGrpSpPr>
+        <p:cNvPr id="1" name=""/>
+        <p:cNvGrpSpPr/>
+        <p:nvPr/>
+      </p:nvGrpSpPr>
+      <p:grpSpPr>
+        <a:xfrm>
+          <a:off x="0" y="0"/>
+          <a:ext cx="0" cy="0"/>
+          <a:chOff x="0" y="0"/>
+          <a:chExt cx="0" cy="0"/>
+        </a:xfrm>
+      </p:grpSpPr>
+      <p:pic>
+        <p:nvPicPr>
+          <p:cNvPr id="4" name="그림 3"/>
+          <p:cNvPicPr>
+            <a:picLocks noChangeAspect="1"/>
+          </p:cNvPicPr>
+          <p:nvPr/>
+        </p:nvPicPr>
+        <p:blipFill rotWithShape="1">
+          <a:blip r:embed="rId2"/>
+          <a:stretch>
+            <a:fillRect/>
+          </a:stretch>
+        </p:blipFill>
+        <p:spPr>
+          <a:xfrm>
+            <a:off x="859971" y="629565"/>
+            <a:ext cx="8487960" cy="1771897"/>
+          </a:xfrm>
+          <a:prstGeom prst="rect">
+            <a:avLst/>
+          </a:prstGeom>
+        </p:spPr>
+      </p:pic>
+    </p:spTree>
+  </p:cSld>
+  <p:clrMapOvr>
+    <a:masterClrMapping/>
+  </p:clrMapOvr>
+  <mc:AlternateContent xmlns:mc="http://schemas.openxmlformats.org/markup-compatibility/2006">
+    <mc:Choice xmlns:p14="http://schemas.microsoft.com/office/powerpoint/2010/main" Requires="p14">
+      <p:transition xmlns:mc="http://schemas.openxmlformats.org/markup-compatibility/2006" xmlns:p14="http://schemas.microsoft.com/office/powerpoint/2010/main" mc:Ignorable="p14" p14:dur="500"/>
+    </mc:Choice>
+    <mc:Fallback>
+      <p:transition/>
+    </mc:Fallback>
+  </mc:AlternateContent>
+</p:sld>
+</file>
+
+<file path=ppt/slides/slide7.xml><?xml version="1.0" encoding="utf-8"?>
+<p:sld xmlns:a="http://schemas.openxmlformats.org/drawingml/2006/main" xmlns:r="http://schemas.openxmlformats.org/officeDocument/2006/relationships" xmlns:p="http://schemas.openxmlformats.org/presentationml/2006/main">
+  <p:cSld>
+    <p:spTree>
+      <p:nvGrpSpPr>
+        <p:cNvPr id="1" name=""/>
+        <p:cNvGrpSpPr/>
+        <p:nvPr/>
+      </p:nvGrpSpPr>
+      <p:grpSpPr>
+        <a:xfrm>
+          <a:off x="0" y="0"/>
+          <a:ext cx="0" cy="0"/>
+          <a:chOff x="0" y="0"/>
+          <a:chExt cx="0" cy="0"/>
+        </a:xfrm>
+      </p:grpSpPr>
+      <p:sp>
+        <p:nvSpPr>
+          <p:cNvPr id="4" name="직사각형 3">
+            <a:extLst>
+              <a:ext uri="{FF2B5EF4-FFF2-40B4-BE49-F238E27FC236}">
+                <a16:creationId xmlns:a16="http://schemas.microsoft.com/office/drawing/2014/main" id="{CE7C2801-79F6-4D6B-B68F-59D3ACB9842E}"/>
+              </a:ext>
+            </a:extLst>
+          </p:cNvPr>
+          <p:cNvSpPr/>
+          <p:nvPr/>
+        </p:nvSpPr>
+        <p:spPr>
+          <a:xfrm>
+            <a:off x="1416424" y="1396092"/>
+            <a:ext cx="7686675" cy="5019675"/>
+          </a:xfrm>
+          <a:prstGeom prst="rect">
+            <a:avLst/>
+          </a:prstGeom>
+          <a:solidFill>
+            <a:schemeClr val="bg1"/>
+          </a:solidFill>
+          <a:ln w="38100"/>
+        </p:spPr>
+        <p:style>
+          <a:lnRef idx="2">
+            <a:schemeClr val="accent1">
+              <a:shade val="50000"/>
+            </a:schemeClr>
+          </a:lnRef>
+          <a:fillRef idx="1">
+            <a:schemeClr val="accent1"/>
+          </a:fillRef>
+          <a:effectRef idx="0">
+            <a:schemeClr val="accent1"/>
+          </a:effectRef>
+          <a:fontRef idx="minor">
+            <a:schemeClr val="lt1"/>
+          </a:fontRef>
+        </p:style>
+        <p:txBody>
+          <a:bodyPr rtlCol="0" anchor="ctr"/>
+          <a:lstStyle/>
+          <a:p>
+            <a:pPr algn="ctr"/>
+            <a:endParaRPr lang="ko-KR" altLang="en-US" dirty="0"/>
+          </a:p>
+        </p:txBody>
+      </p:sp>
+      <p:sp>
+        <p:nvSpPr>
+          <p:cNvPr id="8" name="TextBox 7">
+            <a:extLst>
+              <a:ext uri="{FF2B5EF4-FFF2-40B4-BE49-F238E27FC236}">
+                <a16:creationId xmlns:a16="http://schemas.microsoft.com/office/drawing/2014/main" id="{A1E104CF-CE16-403C-A7B5-17C1A3961EEF}"/>
+              </a:ext>
+            </a:extLst>
+          </p:cNvPr>
+          <p:cNvSpPr txBox="1"/>
+          <p:nvPr/>
+        </p:nvSpPr>
+        <p:spPr>
+          <a:xfrm>
+            <a:off x="5647764" y="5481045"/>
+            <a:ext cx="3451412" cy="923330"/>
+          </a:xfrm>
+          <a:prstGeom prst="rect">
+            <a:avLst/>
+          </a:prstGeom>
+          <a:noFill/>
+        </p:spPr>
+        <p:txBody>
+          <a:bodyPr wrap="square" rtlCol="0">
+            <a:spAutoFit/>
+          </a:bodyPr>
+          <a:lstStyle/>
+          <a:p>
+            <a:r>
+              <a:rPr lang="en-US" altLang="ko-KR" dirty="0"/>
+              <a:t>Player</a:t>
+            </a:r>
+            <a:br>
+              <a:rPr lang="en-US" altLang="ko-KR" dirty="0"/>
+            </a:br>
+            <a:r>
+              <a:rPr lang="en-US" altLang="ko-KR" dirty="0"/>
+              <a:t>(moving) </a:t>
+            </a:r>
+            <a:r>
+              <a:rPr lang="en-US" altLang="ko-KR" dirty="0" err="1"/>
+              <a:t>xPos</a:t>
+            </a:r>
+            <a:r>
+              <a:rPr lang="en-US" altLang="ko-KR" dirty="0"/>
+              <a:t> , (Fixed) </a:t>
+            </a:r>
+            <a:r>
+              <a:rPr lang="en-US" altLang="ko-KR" dirty="0" err="1"/>
+              <a:t>yPos</a:t>
+            </a:r>
+            <a:r>
+              <a:rPr lang="en-US" altLang="ko-KR" dirty="0"/>
+              <a:t> , Speed</a:t>
+            </a:r>
+            <a:endParaRPr lang="ko-KR" altLang="en-US" dirty="0"/>
+          </a:p>
+        </p:txBody>
+      </p:sp>
+      <p:cxnSp>
+        <p:nvCxnSpPr>
+          <p:cNvPr id="14" name="직선 연결선 13">
+            <a:extLst>
+              <a:ext uri="{FF2B5EF4-FFF2-40B4-BE49-F238E27FC236}">
+                <a16:creationId xmlns:a16="http://schemas.microsoft.com/office/drawing/2014/main" id="{EF0F6A29-9AC2-450A-A587-EBBE81C3305C}"/>
+              </a:ext>
+            </a:extLst>
+          </p:cNvPr>
+          <p:cNvCxnSpPr/>
+          <p:nvPr/>
+        </p:nvCxnSpPr>
+        <p:spPr>
+          <a:xfrm>
+            <a:off x="1416424" y="2241176"/>
+            <a:ext cx="7682752" cy="0"/>
+          </a:xfrm>
+          <a:prstGeom prst="line">
+            <a:avLst/>
+          </a:prstGeom>
+        </p:spPr>
+        <p:style>
+          <a:lnRef idx="1">
+            <a:schemeClr val="dk1"/>
+          </a:lnRef>
+          <a:fillRef idx="0">
+            <a:schemeClr val="dk1"/>
+          </a:fillRef>
+          <a:effectRef idx="0">
+            <a:schemeClr val="dk1"/>
+          </a:effectRef>
+          <a:fontRef idx="minor">
+            <a:schemeClr val="tx1"/>
+          </a:fontRef>
+        </p:style>
+      </p:cxnSp>
+      <p:sp>
+        <p:nvSpPr>
+          <p:cNvPr id="15" name="TextBox 14">
+            <a:extLst>
+              <a:ext uri="{FF2B5EF4-FFF2-40B4-BE49-F238E27FC236}">
+                <a16:creationId xmlns:a16="http://schemas.microsoft.com/office/drawing/2014/main" id="{BC5BF7A5-951C-4105-8312-5B4EDD0388B2}"/>
+              </a:ext>
+            </a:extLst>
+          </p:cNvPr>
+          <p:cNvSpPr txBox="1"/>
+          <p:nvPr/>
+        </p:nvSpPr>
+        <p:spPr>
+          <a:xfrm>
+            <a:off x="1416424" y="396813"/>
+            <a:ext cx="6238875" cy="584775"/>
+          </a:xfrm>
+          <a:prstGeom prst="rect">
+            <a:avLst/>
+          </a:prstGeom>
+          <a:noFill/>
+        </p:spPr>
+        <p:txBody>
+          <a:bodyPr wrap="square" rtlCol="0">
+            <a:spAutoFit/>
+          </a:bodyPr>
+          <a:lstStyle/>
+          <a:p>
+            <a:r>
+              <a:rPr lang="en-US" altLang="ko-KR" sz="3200" dirty="0"/>
+              <a:t>Step2. Player</a:t>
+            </a:r>
+            <a:endParaRPr lang="ko-KR" altLang="en-US" sz="3200" dirty="0"/>
+          </a:p>
+        </p:txBody>
+      </p:sp>
+      <p:sp>
+        <p:nvSpPr>
+          <p:cNvPr id="16" name="TextBox 15">
+            <a:extLst>
+              <a:ext uri="{FF2B5EF4-FFF2-40B4-BE49-F238E27FC236}">
+                <a16:creationId xmlns:a16="http://schemas.microsoft.com/office/drawing/2014/main" id="{E7C0FBE8-FBEC-496C-8E4C-096EA67A35D5}"/>
+              </a:ext>
+            </a:extLst>
+          </p:cNvPr>
+          <p:cNvSpPr txBox="1"/>
+          <p:nvPr/>
+        </p:nvSpPr>
+        <p:spPr>
+          <a:xfrm>
+            <a:off x="9251576" y="3804645"/>
+            <a:ext cx="2716866" cy="923330"/>
+          </a:xfrm>
+          <a:prstGeom prst="rect">
+            <a:avLst/>
+          </a:prstGeom>
+          <a:noFill/>
+        </p:spPr>
+        <p:txBody>
+          <a:bodyPr wrap="square" rtlCol="0">
+            <a:spAutoFit/>
+          </a:bodyPr>
+          <a:lstStyle/>
+          <a:p>
+            <a:r>
+              <a:rPr lang="en-US" altLang="ko-KR" dirty="0"/>
+              <a:t>Make Board Structure</a:t>
+            </a:r>
+            <a:br>
+              <a:rPr lang="en-US" altLang="ko-KR" dirty="0"/>
+            </a:br>
+            <a:r>
+              <a:rPr lang="en-US" altLang="ko-KR" dirty="0"/>
+              <a:t>Player</a:t>
+            </a:r>
+            <a:r>
+              <a:rPr lang="ko-KR" altLang="en-US" dirty="0"/>
+              <a:t>의 </a:t>
+            </a:r>
+            <a:r>
+              <a:rPr lang="en-US" altLang="ko-KR" dirty="0"/>
+              <a:t>Board </a:t>
+            </a:r>
+            <a:r>
+              <a:rPr lang="ko-KR" altLang="en-US" dirty="0"/>
+              <a:t>내의 </a:t>
+            </a:r>
+            <a:endParaRPr lang="en-US" altLang="ko-KR" dirty="0"/>
+          </a:p>
+          <a:p>
+            <a:r>
+              <a:rPr lang="ko-KR" altLang="en-US" dirty="0"/>
+              <a:t>이동 범위 설정</a:t>
+            </a:r>
+            <a:endParaRPr lang="en-US" altLang="ko-KR" dirty="0"/>
+          </a:p>
+        </p:txBody>
+      </p:sp>
+      <p:pic>
+        <p:nvPicPr>
+          <p:cNvPr id="3" name="그림 2">
+            <a:extLst>
+              <a:ext uri="{FF2B5EF4-FFF2-40B4-BE49-F238E27FC236}">
+                <a16:creationId xmlns:a16="http://schemas.microsoft.com/office/drawing/2014/main" id="{169CF64E-D175-4CEA-8B51-3EAC3B59A887}"/>
+              </a:ext>
+            </a:extLst>
+          </p:cNvPr>
+          <p:cNvPicPr>
+            <a:picLocks noChangeAspect="1"/>
+          </p:cNvPicPr>
+          <p:nvPr/>
+        </p:nvPicPr>
+        <p:blipFill>
+          <a:blip r:embed="rId2">
+            <a:extLst>
+              <a:ext uri="{28A0092B-C50C-407E-A947-70E740481C1C}">
+                <a14:useLocalDpi xmlns:a14="http://schemas.microsoft.com/office/drawing/2010/main" val="0"/>
+              </a:ext>
+            </a:extLst>
+          </a:blip>
+          <a:stretch>
+            <a:fillRect/>
+          </a:stretch>
+        </p:blipFill>
+        <p:spPr>
+          <a:xfrm>
+            <a:off x="4754655" y="5461908"/>
+            <a:ext cx="816349" cy="849003"/>
+          </a:xfrm>
+          <a:prstGeom prst="rect">
+            <a:avLst/>
+          </a:prstGeom>
+        </p:spPr>
+      </p:pic>
+      <p:sp>
+        <p:nvSpPr>
+          <p:cNvPr id="2" name="TextBox 1">
+            <a:extLst>
+              <a:ext uri="{FF2B5EF4-FFF2-40B4-BE49-F238E27FC236}">
+                <a16:creationId xmlns:a16="http://schemas.microsoft.com/office/drawing/2014/main" id="{12FEFAFF-8D72-46A1-8BC5-2147F7AD4755}"/>
+              </a:ext>
+            </a:extLst>
+          </p:cNvPr>
+          <p:cNvSpPr txBox="1"/>
+          <p:nvPr/>
+        </p:nvSpPr>
+        <p:spPr>
+          <a:xfrm>
+            <a:off x="9560299" y="5664580"/>
+            <a:ext cx="1806949" cy="646331"/>
+          </a:xfrm>
+          <a:prstGeom prst="rect">
+            <a:avLst/>
+          </a:prstGeom>
+          <a:noFill/>
+        </p:spPr>
+        <p:txBody>
+          <a:bodyPr wrap="square" rtlCol="0">
+            <a:spAutoFit/>
+          </a:bodyPr>
+          <a:lstStyle/>
+          <a:p>
+            <a:r>
+              <a:rPr lang="ko-KR" altLang="en-US" dirty="0"/>
+              <a:t>이벤트 처리</a:t>
+            </a:r>
+            <a:endParaRPr lang="en-US" altLang="ko-KR" dirty="0"/>
+          </a:p>
+          <a:p>
+            <a:r>
+              <a:rPr lang="en-US" altLang="ko-KR" dirty="0" err="1"/>
+              <a:t>KeyListener</a:t>
+            </a:r>
+            <a:endParaRPr lang="ko-KR" altLang="en-US" dirty="0"/>
+          </a:p>
+        </p:txBody>
+      </p:sp>
+      <p:sp>
+        <p:nvSpPr>
+          <p:cNvPr id="5" name="화살표: 오른쪽 4">
+            <a:extLst>
+              <a:ext uri="{FF2B5EF4-FFF2-40B4-BE49-F238E27FC236}">
+                <a16:creationId xmlns:a16="http://schemas.microsoft.com/office/drawing/2014/main" id="{62C12035-51F9-43E0-B744-2B8CFD3531F2}"/>
+              </a:ext>
+            </a:extLst>
+          </p:cNvPr>
+          <p:cNvSpPr/>
+          <p:nvPr/>
+        </p:nvSpPr>
+        <p:spPr>
+          <a:xfrm rot="10800000">
+            <a:off x="8909235" y="5886409"/>
+            <a:ext cx="476812" cy="200613"/>
+          </a:xfrm>
+          <a:prstGeom prst="rightArrow">
+            <a:avLst/>
+          </a:prstGeom>
+        </p:spPr>
+        <p:style>
+          <a:lnRef idx="2">
+            <a:schemeClr val="accent1">
+              <a:shade val="50000"/>
+            </a:schemeClr>
+          </a:lnRef>
+          <a:fillRef idx="1">
+            <a:schemeClr val="accent1"/>
+          </a:fillRef>
+          <a:effectRef idx="0">
+            <a:schemeClr val="accent1"/>
+          </a:effectRef>
+          <a:fontRef idx="minor">
+            <a:schemeClr val="lt1"/>
+          </a:fontRef>
+        </p:style>
+        <p:txBody>
+          <a:bodyPr rtlCol="0" anchor="ctr"/>
+          <a:lstStyle/>
+          <a:p>
+            <a:pPr algn="ctr"/>
+            <a:endParaRPr lang="ko-KR" altLang="en-US"/>
+          </a:p>
+        </p:txBody>
+      </p:sp>
+      <p:sp>
+        <p:nvSpPr>
+          <p:cNvPr id="10" name="직사각형 9">
+            <a:extLst>
+              <a:ext uri="{FF2B5EF4-FFF2-40B4-BE49-F238E27FC236}">
+                <a16:creationId xmlns:a16="http://schemas.microsoft.com/office/drawing/2014/main" id="{E24327DB-17CA-4924-8C49-994E4E3DACED}"/>
+              </a:ext>
+            </a:extLst>
+          </p:cNvPr>
+          <p:cNvSpPr/>
+          <p:nvPr/>
+        </p:nvSpPr>
+        <p:spPr>
+          <a:xfrm>
+            <a:off x="1515035" y="1561201"/>
+            <a:ext cx="1351990" cy="554941"/>
+          </a:xfrm>
+          <a:prstGeom prst="rect">
+            <a:avLst/>
+          </a:prstGeom>
+          <a:solidFill>
+            <a:schemeClr val="bg1"/>
+          </a:solidFill>
+        </p:spPr>
+        <p:style>
+          <a:lnRef idx="2">
+            <a:schemeClr val="accent1">
+              <a:shade val="50000"/>
+            </a:schemeClr>
+          </a:lnRef>
+          <a:fillRef idx="1">
+            <a:schemeClr val="accent1"/>
+          </a:fillRef>
+          <a:effectRef idx="0">
+            <a:schemeClr val="accent1"/>
+          </a:effectRef>
+          <a:fontRef idx="minor">
+            <a:schemeClr val="lt1"/>
+          </a:fontRef>
+        </p:style>
+        <p:txBody>
+          <a:bodyPr rtlCol="0" anchor="ctr"/>
+          <a:lstStyle/>
+          <a:p>
+            <a:pPr algn="ctr"/>
+            <a:r>
+              <a:rPr lang="ko-KR" altLang="en-US" dirty="0" err="1">
+                <a:solidFill>
+                  <a:schemeClr val="tx1">
+                    <a:lumMod val="75000"/>
+                    <a:lumOff val="25000"/>
+                  </a:schemeClr>
+                </a:solidFill>
+              </a:rPr>
+              <a:t>점수판</a:t>
+            </a:r>
+            <a:endParaRPr lang="ko-KR" altLang="en-US" dirty="0">
+              <a:solidFill>
+                <a:schemeClr val="tx1">
+                  <a:lumMod val="75000"/>
+                  <a:lumOff val="25000"/>
+                </a:schemeClr>
+              </a:solidFill>
+            </a:endParaRPr>
+          </a:p>
+        </p:txBody>
+      </p:sp>
+    </p:spTree>
+    <p:extLst>
+      <p:ext uri="{BB962C8B-B14F-4D97-AF65-F5344CB8AC3E}">
+        <p14:creationId xmlns:p14="http://schemas.microsoft.com/office/powerpoint/2010/main" val="654412764"/>
+      </p:ext>
+    </p:extLst>
+  </p:cSld>
+  <p:clrMapOvr>
+    <a:masterClrMapping/>
+  </p:clrMapOvr>
+</p:sld>
+</file>
+
+<file path=ppt/slides/slide8.xml><?xml version="1.0" encoding="utf-8"?>
+<p:sld xmlns:r="http://schemas.openxmlformats.org/officeDocument/2006/relationships" xmlns:c="http://schemas.openxmlformats.org/drawingml/2006/chart" xmlns:a="http://schemas.openxmlformats.org/drawingml/2006/main" xmlns:dgm="http://schemas.openxmlformats.org/drawingml/2006/diagram" xmlns:dsp="http://schemas.microsoft.com/office/drawing/2008/diagram" xmlns:p="http://schemas.openxmlformats.org/presentationml/2006/main">
+  <p:cSld>
+    <p:spTree>
+      <p:nvGrpSpPr>
+        <p:cNvPr id="1" name=""/>
+        <p:cNvGrpSpPr/>
+        <p:nvPr/>
+      </p:nvGrpSpPr>
+      <p:grpSpPr>
+        <a:xfrm>
+          <a:off x="0" y="0"/>
+          <a:ext cx="0" cy="0"/>
+          <a:chOff x="0" y="0"/>
+          <a:chExt cx="0" cy="0"/>
+        </a:xfrm>
+      </p:grpSpPr>
+      <p:sp>
+        <p:nvSpPr>
+          <p:cNvPr id="2" name="제목 1"/>
+          <p:cNvSpPr>
+            <a:spLocks noGrp="1"/>
+          </p:cNvSpPr>
+          <p:nvPr>
+            <p:ph type="title" idx="0"/>
+          </p:nvPr>
+        </p:nvSpPr>
+        <p:spPr/>
+        <p:txBody>
+          <a:bodyPr/>
+          <a:lstStyle/>
+          <a:p>
+            <a:pPr lvl="0">
+              <a:defRPr/>
+            </a:pPr>
+            <a:r>
+              <a:rPr lang="en-US" altLang="ko-KR"/>
+              <a:t>Step2. Code Review</a:t>
+            </a:r>
+            <a:endParaRPr lang="ko-KR" altLang="en-US"/>
+          </a:p>
+        </p:txBody>
+      </p:sp>
+      <p:pic>
+        <p:nvPicPr>
+          <p:cNvPr id="8" name=""/>
+          <p:cNvPicPr>
+            <a:picLocks noChangeAspect="1"/>
+          </p:cNvPicPr>
+          <p:nvPr/>
+        </p:nvPicPr>
+        <p:blipFill rotWithShape="1">
+          <a:blip r:embed="rId2"/>
+          <a:stretch>
+            <a:fillRect/>
+          </a:stretch>
+        </p:blipFill>
+        <p:spPr>
+          <a:xfrm>
+            <a:off x="937625" y="1701184"/>
+            <a:ext cx="8411749" cy="1514686"/>
+          </a:xfrm>
+          <a:prstGeom prst="rect">
+            <a:avLst/>
+          </a:prstGeom>
+        </p:spPr>
+      </p:pic>
+      <p:pic>
+        <p:nvPicPr>
+          <p:cNvPr id="9" name=""/>
+          <p:cNvPicPr>
+            <a:picLocks noChangeAspect="1"/>
+          </p:cNvPicPr>
+          <p:nvPr/>
+        </p:nvPicPr>
+        <p:blipFill rotWithShape="1">
+          <a:blip r:embed="rId3"/>
+          <a:stretch>
+            <a:fillRect/>
+          </a:stretch>
+        </p:blipFill>
+        <p:spPr>
+          <a:xfrm>
+            <a:off x="881007" y="4072819"/>
+            <a:ext cx="4467583" cy="2399176"/>
+          </a:xfrm>
+          <a:prstGeom prst="rect">
+            <a:avLst/>
+          </a:prstGeom>
+        </p:spPr>
+      </p:pic>
+    </p:spTree>
+  </p:cSld>
+  <p:clrMapOvr>
+    <a:masterClrMapping/>
+  </p:clrMapOvr>
+  <mc:AlternateContent xmlns:mc="http://schemas.openxmlformats.org/markup-compatibility/2006">
+    <mc:Choice xmlns:p14="http://schemas.microsoft.com/office/powerpoint/2010/main" Requires="p14">
+      <p:transition xmlns:mc="http://schemas.openxmlformats.org/markup-compatibility/2006" xmlns:p14="http://schemas.microsoft.com/office/powerpoint/2010/main" mc:Ignorable="p14" p14:dur="500"/>
+    </mc:Choice>
+    <mc:Fallback>
+      <p:transition/>
+    </mc:Fallback>
+  </mc:AlternateContent>
+</p:sld>
+</file>
+
+<file path=ppt/slides/slide9.xml><?xml version="1.0" encoding="utf-8"?>
+<p:sld xmlns:r="http://schemas.openxmlformats.org/officeDocument/2006/relationships" xmlns:c="http://schemas.openxmlformats.org/drawingml/2006/chart" xmlns:a="http://schemas.openxmlformats.org/drawingml/2006/main" xmlns:dgm="http://schemas.openxmlformats.org/drawingml/2006/diagram" xmlns:dsp="http://schemas.microsoft.com/office/drawing/2008/diagram" xmlns:p="http://schemas.openxmlformats.org/presentationml/2006/main">
+  <p:cSld>
+    <p:spTree>
+      <p:nvGrpSpPr>
+        <p:cNvPr id="1" name=""/>
+        <p:cNvGrpSpPr/>
+        <p:nvPr/>
+      </p:nvGrpSpPr>
+      <p:grpSpPr>
+        <a:xfrm>
+          <a:off x="0" y="0"/>
+          <a:ext cx="0" cy="0"/>
+          <a:chOff x="0" y="0"/>
+          <a:chExt cx="0" cy="0"/>
+        </a:xfrm>
+      </p:grpSpPr>
+      <p:sp>
+        <p:nvSpPr>
+          <p:cNvPr id="2" name="제목 1"/>
+          <p:cNvSpPr>
+            <a:spLocks noGrp="1"/>
+          </p:cNvSpPr>
+          <p:nvPr>
+            <p:ph type="title" idx="0"/>
+          </p:nvPr>
+        </p:nvSpPr>
+        <p:spPr/>
+        <p:txBody>
+          <a:bodyPr/>
+          <a:lstStyle/>
+          <a:p>
+            <a:pPr lvl="0">
+              <a:defRPr/>
+            </a:pPr>
+            <a:r>
+              <a:rPr lang="en-US" altLang="ko-KR"/>
+              <a:t>Step2. Code Review</a:t>
+            </a:r>
+            <a:endParaRPr lang="ko-KR" altLang="en-US"/>
+          </a:p>
+        </p:txBody>
+      </p:sp>
+      <p:pic>
+        <p:nvPicPr>
+          <p:cNvPr id="3" name=""/>
+          <p:cNvPicPr>
+            <a:picLocks noChangeAspect="1"/>
+          </p:cNvPicPr>
+          <p:nvPr/>
+        </p:nvPicPr>
+        <p:blipFill rotWithShape="1">
+          <a:blip r:embed="rId2"/>
+          <a:stretch>
+            <a:fillRect/>
+          </a:stretch>
+        </p:blipFill>
+        <p:spPr>
+          <a:xfrm>
+            <a:off x="974863" y="1474818"/>
+            <a:ext cx="8354591" cy="3852202"/>
+          </a:xfrm>
+          <a:prstGeom prst="rect">
+            <a:avLst/>
+          </a:prstGeom>
+        </p:spPr>
+      </p:pic>
+    </p:spTree>
+  </p:cSld>
+  <p:clrMapOvr>
+    <a:masterClrMapping/>
+  </p:clrMapOvr>
+  <mc:AlternateContent xmlns:mc="http://schemas.openxmlformats.org/markup-compatibility/2006">
+    <mc:Choice xmlns:p14="http://schemas.microsoft.com/office/powerpoint/2010/main" Requires="p14">
+      <p:transition xmlns:mc="http://schemas.openxmlformats.org/markup-compatibility/2006" xmlns:p14="http://schemas.microsoft.com/office/powerpoint/2010/main" mc:Ignorable="p14" p14:dur="500"/>
+    </mc:Choice>
+    <mc:Fallback>
+      <p:transition/>
+    </mc:Fallback>
+  </mc:AlternateContent>
+</p:sld>
+</file>
+
 <file path=ppt/theme/theme1.xml><?xml version="1.0" encoding="utf-8"?>
-<a:theme xmlns:a="http://schemas.openxmlformats.org/drawingml/2006/main" name="Office 테마">
+<a:theme xmlns:r="http://schemas.openxmlformats.org/officeDocument/2006/relationships" xmlns:c="http://schemas.openxmlformats.org/drawingml/2006/chart" xmlns:dgm="http://schemas.openxmlformats.org/drawingml/2006/diagram" xmlns:dsp="http://schemas.microsoft.com/office/drawing/2008/diagram" xmlns:a="http://schemas.openxmlformats.org/drawingml/2006/main" xmlns:pic="http://schemas.openxmlformats.org/drawingml/2006/picture" xmlns:wp="http://schemas.openxmlformats.org/drawingml/2006/wordprocessingDrawing" xmlns:xdr="http://schemas.openxmlformats.org/drawingml/2006/spreadsheetDrawing" xmlns:p="http://schemas.openxmlformats.org/presentationml/2006/main" name="Office 테마">
   <a:themeElements>
     <a:clrScheme name="Office">
       <a:dk1>
         <a:sysClr val="windowText" lastClr="000000"/>
       </a:dk1>
       <a:lt1>
-        <a:sysClr val="window" lastClr="FFFFFF"/>
+        <a:sysClr val="window" lastClr="ffffff"/>
       </a:lt1>
       <a:dk2>
-        <a:srgbClr val="44546A"/>
+        <a:srgbClr val="44546a"/>
       </a:dk2>
       <a:lt2>
-        <a:srgbClr val="E7E6E6"/>
+        <a:srgbClr val="e7e6e6"/>
       </a:lt2>
       <a:accent1>
-        <a:srgbClr val="4472C4"/>
+        <a:srgbClr val="4472c4"/>
       </a:accent1>
       <a:accent2>
-        <a:srgbClr val="ED7D31"/>
+        <a:srgbClr val="ed7d31"/>
       </a:accent2>
       <a:accent3>
-        <a:srgbClr val="A5A5A5"/>
+        <a:srgbClr val="a5a5a5"/>
       </a:accent3>
       <a:accent4>
-        <a:srgbClr val="FFC000"/>
+        <a:srgbClr val="ffc000"/>
       </a:accent4>
       <a:accent5>
-        <a:srgbClr val="5B9BD5"/>
+        <a:srgbClr val="5b9bd5"/>
       </a:accent5>
       <a:accent6>
-        <a:srgbClr val="70AD47"/>
+        <a:srgbClr val="70ad47"/>
       </a:accent6>
       <a:hlink>
-        <a:srgbClr val="0563C1"/>
+        <a:srgbClr val="0563c1"/>
       </a:hlink>
       <a:folHlink>
-        <a:srgbClr val="954F72"/>
+        <a:srgbClr val="954f72"/>
       </a:folHlink>
     </a:clrScheme>
     <a:fontScheme name="Office">
       <a:majorFont>
-        <a:latin typeface="맑은 고딕" panose="020F0302020204030204"/>
+        <a:latin typeface="맑은 고딕" panose="20"/>
         <a:ea typeface=""/>
         <a:cs typeface=""/>
-        <a:font script="Jpan" typeface="游ゴシック Light"/>
+        <a:font script="Jpan" typeface="Yu Gothic Light"/>
         <a:font script="Hang" typeface="맑은 고딕"/>
         <a:font script="Hans" typeface="等线 Light"/>
         <a:font script="Hant" typeface="新細明體"/>
@@ -8687,10 +9791,10 @@
         <a:font script="Tfng" typeface="Ebrima"/>
       </a:majorFont>
       <a:minorFont>
-        <a:latin typeface="맑은 고딕" panose="020F0502020204030204"/>
+        <a:latin typeface="맑은 고딕" panose="20"/>
         <a:ea typeface=""/>
         <a:cs typeface=""/>
-        <a:font script="Jpan" typeface="游ゴシック"/>
+        <a:font script="Jpan" typeface="Yu Gothic"/>
         <a:font script="Hang" typeface="맑은 고딕"/>
         <a:font script="Hans" typeface="等线"/>
         <a:font script="Hant" typeface="新細明體"/>
@@ -8803,21 +9907,21 @@
             <a:schemeClr val="phClr"/>
           </a:solidFill>
           <a:prstDash val="solid"/>
-          <a:miter lim="800000"/>
+          <a:miter/>
         </a:ln>
         <a:ln w="12700" cap="flat" cmpd="sng" algn="ctr">
           <a:solidFill>
             <a:schemeClr val="phClr"/>
           </a:solidFill>
           <a:prstDash val="solid"/>
-          <a:miter lim="800000"/>
+          <a:miter/>
         </a:ln>
         <a:ln w="19050" cap="flat" cmpd="sng" algn="ctr">
           <a:solidFill>
             <a:schemeClr val="phClr"/>
           </a:solidFill>
           <a:prstDash val="solid"/>
-          <a:miter lim="800000"/>
+          <a:miter/>
         </a:ln>
       </a:lnStyleLst>
       <a:effectStyleLst>
@@ -8877,12 +9981,5 @@
       </a:bgFillStyleLst>
     </a:fmtScheme>
   </a:themeElements>
-  <a:objectDefaults/>
-  <a:extraClrSchemeLst/>
-  <a:extLst>
-    <a:ext uri="{05A4C25C-085E-4340-85A3-A5531E510DB2}">
-      <thm15:themeFamily xmlns:thm15="http://schemas.microsoft.com/office/thememl/2012/main" name="Office Theme" id="{62F939B6-93AF-4DB8-9C6B-D6C7DFDC589F}" vid="{4A3C46E8-61CC-4603-A589-7422A47A8E4A}"/>
-    </a:ext>
-  </a:extLst>
 </a:theme>
 </file>